--- a/Lectures/Day3_4lecture_McDonaldValley_Stage1.pptx
+++ b/Lectures/Day3_4lecture_McDonaldValley_Stage1.pptx
@@ -5,10 +5,10 @@
     <p:sldMasterId id="2147483648" r:id="rId1"/>
   </p:sldMasterIdLst>
   <p:notesMasterIdLst>
-    <p:notesMasterId r:id="rId18"/>
+    <p:notesMasterId r:id="rId15"/>
   </p:notesMasterIdLst>
   <p:handoutMasterIdLst>
-    <p:handoutMasterId r:id="rId19"/>
+    <p:handoutMasterId r:id="rId16"/>
   </p:handoutMasterIdLst>
   <p:sldIdLst>
     <p:sldId id="587" r:id="rId2"/>
@@ -24,9 +24,6 @@
     <p:sldId id="598" r:id="rId12"/>
     <p:sldId id="599" r:id="rId13"/>
     <p:sldId id="600" r:id="rId14"/>
-    <p:sldId id="601" r:id="rId15"/>
-    <p:sldId id="602" r:id="rId16"/>
-    <p:sldId id="603" r:id="rId17"/>
   </p:sldIdLst>
   <p:sldSz cx="12192000" cy="6858000"/>
   <p:notesSz cx="6950075" cy="9236075"/>
@@ -186,907 +183,6 @@
 
 <file path=ppt/changesInfos/changesInfo1.xml><?xml version="1.0" encoding="utf-8"?>
 <pc:chgInfo xmlns:a="http://schemas.openxmlformats.org/drawingml/2006/main" xmlns:r="http://schemas.openxmlformats.org/officeDocument/2006/relationships" xmlns:ac="http://schemas.microsoft.com/office/drawing/2013/main/command" xmlns:pc="http://schemas.microsoft.com/office/powerpoint/2013/main/command">
-  <pc:docChgLst>
-    <pc:chgData name="Hughes, Joseph D" userId="bd5f5bbf-fc0b-41ca-af42-bfb8d56f1f7b" providerId="ADAL" clId="{A374137C-6414-C546-A0DB-659C9E0D3825}"/>
-    <pc:docChg chg="undo redo custSel addSld delSld modSld sldOrd">
-      <pc:chgData name="Hughes, Joseph D" userId="bd5f5bbf-fc0b-41ca-af42-bfb8d56f1f7b" providerId="ADAL" clId="{A374137C-6414-C546-A0DB-659C9E0D3825}" dt="2023-01-06T21:00:36.181" v="1175" actId="408"/>
-      <pc:docMkLst>
-        <pc:docMk/>
-      </pc:docMkLst>
-      <pc:sldChg chg="del">
-        <pc:chgData name="Hughes, Joseph D" userId="bd5f5bbf-fc0b-41ca-af42-bfb8d56f1f7b" providerId="ADAL" clId="{A374137C-6414-C546-A0DB-659C9E0D3825}" dt="2023-01-06T16:59:30.511" v="168" actId="2696"/>
-        <pc:sldMkLst>
-          <pc:docMk/>
-          <pc:sldMk cId="0" sldId="566"/>
-        </pc:sldMkLst>
-      </pc:sldChg>
-      <pc:sldChg chg="del">
-        <pc:chgData name="Hughes, Joseph D" userId="bd5f5bbf-fc0b-41ca-af42-bfb8d56f1f7b" providerId="ADAL" clId="{A374137C-6414-C546-A0DB-659C9E0D3825}" dt="2023-01-06T16:59:26.802" v="158" actId="2696"/>
-        <pc:sldMkLst>
-          <pc:docMk/>
-          <pc:sldMk cId="0" sldId="568"/>
-        </pc:sldMkLst>
-      </pc:sldChg>
-      <pc:sldChg chg="del">
-        <pc:chgData name="Hughes, Joseph D" userId="bd5f5bbf-fc0b-41ca-af42-bfb8d56f1f7b" providerId="ADAL" clId="{A374137C-6414-C546-A0DB-659C9E0D3825}" dt="2023-01-06T16:59:27.251" v="159" actId="2696"/>
-        <pc:sldMkLst>
-          <pc:docMk/>
-          <pc:sldMk cId="0" sldId="569"/>
-        </pc:sldMkLst>
-      </pc:sldChg>
-      <pc:sldChg chg="del">
-        <pc:chgData name="Hughes, Joseph D" userId="bd5f5bbf-fc0b-41ca-af42-bfb8d56f1f7b" providerId="ADAL" clId="{A374137C-6414-C546-A0DB-659C9E0D3825}" dt="2023-01-06T16:59:27.952" v="161" actId="2696"/>
-        <pc:sldMkLst>
-          <pc:docMk/>
-          <pc:sldMk cId="0" sldId="570"/>
-        </pc:sldMkLst>
-      </pc:sldChg>
-      <pc:sldChg chg="del">
-        <pc:chgData name="Hughes, Joseph D" userId="bd5f5bbf-fc0b-41ca-af42-bfb8d56f1f7b" providerId="ADAL" clId="{A374137C-6414-C546-A0DB-659C9E0D3825}" dt="2023-01-06T16:59:28.451" v="163" actId="2696"/>
-        <pc:sldMkLst>
-          <pc:docMk/>
-          <pc:sldMk cId="0" sldId="572"/>
-        </pc:sldMkLst>
-      </pc:sldChg>
-      <pc:sldChg chg="del">
-        <pc:chgData name="Hughes, Joseph D" userId="bd5f5bbf-fc0b-41ca-af42-bfb8d56f1f7b" providerId="ADAL" clId="{A374137C-6414-C546-A0DB-659C9E0D3825}" dt="2023-01-06T16:59:28.702" v="164" actId="2696"/>
-        <pc:sldMkLst>
-          <pc:docMk/>
-          <pc:sldMk cId="0" sldId="573"/>
-        </pc:sldMkLst>
-      </pc:sldChg>
-      <pc:sldChg chg="del">
-        <pc:chgData name="Hughes, Joseph D" userId="bd5f5bbf-fc0b-41ca-af42-bfb8d56f1f7b" providerId="ADAL" clId="{A374137C-6414-C546-A0DB-659C9E0D3825}" dt="2023-01-06T16:59:27.666" v="160" actId="2696"/>
-        <pc:sldMkLst>
-          <pc:docMk/>
-          <pc:sldMk cId="0" sldId="574"/>
-        </pc:sldMkLst>
-      </pc:sldChg>
-      <pc:sldChg chg="del">
-        <pc:chgData name="Hughes, Joseph D" userId="bd5f5bbf-fc0b-41ca-af42-bfb8d56f1f7b" providerId="ADAL" clId="{A374137C-6414-C546-A0DB-659C9E0D3825}" dt="2023-01-06T16:59:30.943" v="169" actId="2696"/>
-        <pc:sldMkLst>
-          <pc:docMk/>
-          <pc:sldMk cId="0" sldId="575"/>
-        </pc:sldMkLst>
-      </pc:sldChg>
-      <pc:sldChg chg="del">
-        <pc:chgData name="Hughes, Joseph D" userId="bd5f5bbf-fc0b-41ca-af42-bfb8d56f1f7b" providerId="ADAL" clId="{A374137C-6414-C546-A0DB-659C9E0D3825}" dt="2023-01-06T16:59:31.749" v="171" actId="2696"/>
-        <pc:sldMkLst>
-          <pc:docMk/>
-          <pc:sldMk cId="0" sldId="576"/>
-        </pc:sldMkLst>
-      </pc:sldChg>
-      <pc:sldChg chg="del">
-        <pc:chgData name="Hughes, Joseph D" userId="bd5f5bbf-fc0b-41ca-af42-bfb8d56f1f7b" providerId="ADAL" clId="{A374137C-6414-C546-A0DB-659C9E0D3825}" dt="2023-01-06T16:59:31.321" v="170" actId="2696"/>
-        <pc:sldMkLst>
-          <pc:docMk/>
-          <pc:sldMk cId="0" sldId="577"/>
-        </pc:sldMkLst>
-      </pc:sldChg>
-      <pc:sldChg chg="del">
-        <pc:chgData name="Hughes, Joseph D" userId="bd5f5bbf-fc0b-41ca-af42-bfb8d56f1f7b" providerId="ADAL" clId="{A374137C-6414-C546-A0DB-659C9E0D3825}" dt="2023-01-06T16:59:32.561" v="173" actId="2696"/>
-        <pc:sldMkLst>
-          <pc:docMk/>
-          <pc:sldMk cId="0" sldId="578"/>
-        </pc:sldMkLst>
-      </pc:sldChg>
-      <pc:sldChg chg="del">
-        <pc:chgData name="Hughes, Joseph D" userId="bd5f5bbf-fc0b-41ca-af42-bfb8d56f1f7b" providerId="ADAL" clId="{A374137C-6414-C546-A0DB-659C9E0D3825}" dt="2023-01-06T16:59:30.068" v="167" actId="2696"/>
-        <pc:sldMkLst>
-          <pc:docMk/>
-          <pc:sldMk cId="3529956039" sldId="579"/>
-        </pc:sldMkLst>
-      </pc:sldChg>
-      <pc:sldChg chg="del">
-        <pc:chgData name="Hughes, Joseph D" userId="bd5f5bbf-fc0b-41ca-af42-bfb8d56f1f7b" providerId="ADAL" clId="{A374137C-6414-C546-A0DB-659C9E0D3825}" dt="2023-01-06T16:59:29.218" v="165" actId="2696"/>
-        <pc:sldMkLst>
-          <pc:docMk/>
-          <pc:sldMk cId="1443141517" sldId="580"/>
-        </pc:sldMkLst>
-      </pc:sldChg>
-      <pc:sldChg chg="del">
-        <pc:chgData name="Hughes, Joseph D" userId="bd5f5bbf-fc0b-41ca-af42-bfb8d56f1f7b" providerId="ADAL" clId="{A374137C-6414-C546-A0DB-659C9E0D3825}" dt="2023-01-06T16:59:33.207" v="174" actId="2696"/>
-        <pc:sldMkLst>
-          <pc:docMk/>
-          <pc:sldMk cId="1112564220" sldId="581"/>
-        </pc:sldMkLst>
-      </pc:sldChg>
-      <pc:sldChg chg="del">
-        <pc:chgData name="Hughes, Joseph D" userId="bd5f5bbf-fc0b-41ca-af42-bfb8d56f1f7b" providerId="ADAL" clId="{A374137C-6414-C546-A0DB-659C9E0D3825}" dt="2023-01-06T16:59:33.642" v="175" actId="2696"/>
-        <pc:sldMkLst>
-          <pc:docMk/>
-          <pc:sldMk cId="116596551" sldId="582"/>
-        </pc:sldMkLst>
-      </pc:sldChg>
-      <pc:sldChg chg="del">
-        <pc:chgData name="Hughes, Joseph D" userId="bd5f5bbf-fc0b-41ca-af42-bfb8d56f1f7b" providerId="ADAL" clId="{A374137C-6414-C546-A0DB-659C9E0D3825}" dt="2023-01-06T16:59:29.560" v="166" actId="2696"/>
-        <pc:sldMkLst>
-          <pc:docMk/>
-          <pc:sldMk cId="2718887773" sldId="583"/>
-        </pc:sldMkLst>
-      </pc:sldChg>
-      <pc:sldChg chg="del">
-        <pc:chgData name="Hughes, Joseph D" userId="bd5f5bbf-fc0b-41ca-af42-bfb8d56f1f7b" providerId="ADAL" clId="{A374137C-6414-C546-A0DB-659C9E0D3825}" dt="2023-01-06T16:59:32.141" v="172" actId="2696"/>
-        <pc:sldMkLst>
-          <pc:docMk/>
-          <pc:sldMk cId="2223409433" sldId="584"/>
-        </pc:sldMkLst>
-      </pc:sldChg>
-      <pc:sldChg chg="del">
-        <pc:chgData name="Hughes, Joseph D" userId="bd5f5bbf-fc0b-41ca-af42-bfb8d56f1f7b" providerId="ADAL" clId="{A374137C-6414-C546-A0DB-659C9E0D3825}" dt="2023-01-06T16:59:34.048" v="176" actId="2696"/>
-        <pc:sldMkLst>
-          <pc:docMk/>
-          <pc:sldMk cId="1094771359" sldId="585"/>
-        </pc:sldMkLst>
-      </pc:sldChg>
-      <pc:sldChg chg="del">
-        <pc:chgData name="Hughes, Joseph D" userId="bd5f5bbf-fc0b-41ca-af42-bfb8d56f1f7b" providerId="ADAL" clId="{A374137C-6414-C546-A0DB-659C9E0D3825}" dt="2023-01-06T16:59:34.591" v="177" actId="2696"/>
-        <pc:sldMkLst>
-          <pc:docMk/>
-          <pc:sldMk cId="1380722740" sldId="586"/>
-        </pc:sldMkLst>
-      </pc:sldChg>
-      <pc:sldChg chg="modSp mod">
-        <pc:chgData name="Hughes, Joseph D" userId="bd5f5bbf-fc0b-41ca-af42-bfb8d56f1f7b" providerId="ADAL" clId="{A374137C-6414-C546-A0DB-659C9E0D3825}" dt="2023-01-06T16:57:16.541" v="54" actId="20577"/>
-        <pc:sldMkLst>
-          <pc:docMk/>
-          <pc:sldMk cId="302322613" sldId="587"/>
-        </pc:sldMkLst>
-        <pc:spChg chg="mod">
-          <ac:chgData name="Hughes, Joseph D" userId="bd5f5bbf-fc0b-41ca-af42-bfb8d56f1f7b" providerId="ADAL" clId="{A374137C-6414-C546-A0DB-659C9E0D3825}" dt="2023-01-06T16:56:53.087" v="14" actId="20577"/>
-          <ac:spMkLst>
-            <pc:docMk/>
-            <pc:sldMk cId="302322613" sldId="587"/>
-            <ac:spMk id="2" creationId="{D7BACF44-C8FF-43AD-C284-231CECB390E4}"/>
-          </ac:spMkLst>
-        </pc:spChg>
-        <pc:spChg chg="mod">
-          <ac:chgData name="Hughes, Joseph D" userId="bd5f5bbf-fc0b-41ca-af42-bfb8d56f1f7b" providerId="ADAL" clId="{A374137C-6414-C546-A0DB-659C9E0D3825}" dt="2023-01-06T16:57:16.541" v="54" actId="20577"/>
-          <ac:spMkLst>
-            <pc:docMk/>
-            <pc:sldMk cId="302322613" sldId="587"/>
-            <ac:spMk id="3" creationId="{CD9E3B8D-C8FA-A13E-C596-4F04F9D2879D}"/>
-          </ac:spMkLst>
-        </pc:spChg>
-      </pc:sldChg>
-      <pc:sldChg chg="del">
-        <pc:chgData name="Hughes, Joseph D" userId="bd5f5bbf-fc0b-41ca-af42-bfb8d56f1f7b" providerId="ADAL" clId="{A374137C-6414-C546-A0DB-659C9E0D3825}" dt="2023-01-06T16:59:28.259" v="162" actId="2696"/>
-        <pc:sldMkLst>
-          <pc:docMk/>
-          <pc:sldMk cId="1250119428" sldId="588"/>
-        </pc:sldMkLst>
-      </pc:sldChg>
-      <pc:sldChg chg="modSp new mod">
-        <pc:chgData name="Hughes, Joseph D" userId="bd5f5bbf-fc0b-41ca-af42-bfb8d56f1f7b" providerId="ADAL" clId="{A374137C-6414-C546-A0DB-659C9E0D3825}" dt="2023-01-06T16:59:21.960" v="157" actId="15"/>
-        <pc:sldMkLst>
-          <pc:docMk/>
-          <pc:sldMk cId="1245924986" sldId="589"/>
-        </pc:sldMkLst>
-        <pc:spChg chg="mod">
-          <ac:chgData name="Hughes, Joseph D" userId="bd5f5bbf-fc0b-41ca-af42-bfb8d56f1f7b" providerId="ADAL" clId="{A374137C-6414-C546-A0DB-659C9E0D3825}" dt="2023-01-06T16:57:37.826" v="71" actId="20577"/>
-          <ac:spMkLst>
-            <pc:docMk/>
-            <pc:sldMk cId="1245924986" sldId="589"/>
-            <ac:spMk id="2" creationId="{C8327FA2-7320-E2F2-FA8D-4918589F9D4C}"/>
-          </ac:spMkLst>
-        </pc:spChg>
-        <pc:spChg chg="mod">
-          <ac:chgData name="Hughes, Joseph D" userId="bd5f5bbf-fc0b-41ca-af42-bfb8d56f1f7b" providerId="ADAL" clId="{A374137C-6414-C546-A0DB-659C9E0D3825}" dt="2023-01-06T16:59:21.960" v="157" actId="15"/>
-          <ac:spMkLst>
-            <pc:docMk/>
-            <pc:sldMk cId="1245924986" sldId="589"/>
-            <ac:spMk id="3" creationId="{35EAC609-D009-3C9F-8E35-B5318FD5CBB3}"/>
-          </ac:spMkLst>
-        </pc:spChg>
-      </pc:sldChg>
-      <pc:sldChg chg="addSp modSp new mod">
-        <pc:chgData name="Hughes, Joseph D" userId="bd5f5bbf-fc0b-41ca-af42-bfb8d56f1f7b" providerId="ADAL" clId="{A374137C-6414-C546-A0DB-659C9E0D3825}" dt="2023-01-06T17:01:21.261" v="204" actId="408"/>
-        <pc:sldMkLst>
-          <pc:docMk/>
-          <pc:sldMk cId="4269169880" sldId="590"/>
-        </pc:sldMkLst>
-        <pc:spChg chg="mod">
-          <ac:chgData name="Hughes, Joseph D" userId="bd5f5bbf-fc0b-41ca-af42-bfb8d56f1f7b" providerId="ADAL" clId="{A374137C-6414-C546-A0DB-659C9E0D3825}" dt="2023-01-06T16:59:52.942" v="188" actId="20577"/>
-          <ac:spMkLst>
-            <pc:docMk/>
-            <pc:sldMk cId="4269169880" sldId="590"/>
-            <ac:spMk id="2" creationId="{668CB90D-6B56-0C2B-2165-622A9A577EB0}"/>
-          </ac:spMkLst>
-        </pc:spChg>
-        <pc:spChg chg="mod">
-          <ac:chgData name="Hughes, Joseph D" userId="bd5f5bbf-fc0b-41ca-af42-bfb8d56f1f7b" providerId="ADAL" clId="{A374137C-6414-C546-A0DB-659C9E0D3825}" dt="2023-01-06T17:01:21.261" v="204" actId="408"/>
-          <ac:spMkLst>
-            <pc:docMk/>
-            <pc:sldMk cId="4269169880" sldId="590"/>
-            <ac:spMk id="5" creationId="{283321DD-748A-BCE4-7997-B41C8BE7C12A}"/>
-          </ac:spMkLst>
-        </pc:spChg>
-        <pc:spChg chg="mod">
-          <ac:chgData name="Hughes, Joseph D" userId="bd5f5bbf-fc0b-41ca-af42-bfb8d56f1f7b" providerId="ADAL" clId="{A374137C-6414-C546-A0DB-659C9E0D3825}" dt="2023-01-06T17:01:21.261" v="204" actId="408"/>
-          <ac:spMkLst>
-            <pc:docMk/>
-            <pc:sldMk cId="4269169880" sldId="590"/>
-            <ac:spMk id="7" creationId="{BD3EB8DC-5A0A-7483-E10A-0DE4C3A30722}"/>
-          </ac:spMkLst>
-        </pc:spChg>
-        <pc:spChg chg="mod">
-          <ac:chgData name="Hughes, Joseph D" userId="bd5f5bbf-fc0b-41ca-af42-bfb8d56f1f7b" providerId="ADAL" clId="{A374137C-6414-C546-A0DB-659C9E0D3825}" dt="2023-01-06T17:01:21.261" v="204" actId="408"/>
-          <ac:spMkLst>
-            <pc:docMk/>
-            <pc:sldMk cId="4269169880" sldId="590"/>
-            <ac:spMk id="10" creationId="{23215490-A81C-45F0-0461-59D711A1C734}"/>
-          </ac:spMkLst>
-        </pc:spChg>
-        <pc:spChg chg="mod">
-          <ac:chgData name="Hughes, Joseph D" userId="bd5f5bbf-fc0b-41ca-af42-bfb8d56f1f7b" providerId="ADAL" clId="{A374137C-6414-C546-A0DB-659C9E0D3825}" dt="2023-01-06T17:01:21.261" v="204" actId="408"/>
-          <ac:spMkLst>
-            <pc:docMk/>
-            <pc:sldMk cId="4269169880" sldId="590"/>
-            <ac:spMk id="13" creationId="{68830C0E-C232-F6A4-DE64-58FBA560D5AB}"/>
-          </ac:spMkLst>
-        </pc:spChg>
-        <pc:spChg chg="mod">
-          <ac:chgData name="Hughes, Joseph D" userId="bd5f5bbf-fc0b-41ca-af42-bfb8d56f1f7b" providerId="ADAL" clId="{A374137C-6414-C546-A0DB-659C9E0D3825}" dt="2023-01-06T17:01:21.261" v="204" actId="408"/>
-          <ac:spMkLst>
-            <pc:docMk/>
-            <pc:sldMk cId="4269169880" sldId="590"/>
-            <ac:spMk id="14" creationId="{FDA6035D-CEB8-D094-86B5-C3308E00C495}"/>
-          </ac:spMkLst>
-        </pc:spChg>
-        <pc:spChg chg="mod">
-          <ac:chgData name="Hughes, Joseph D" userId="bd5f5bbf-fc0b-41ca-af42-bfb8d56f1f7b" providerId="ADAL" clId="{A374137C-6414-C546-A0DB-659C9E0D3825}" dt="2023-01-06T17:01:21.261" v="204" actId="408"/>
-          <ac:spMkLst>
-            <pc:docMk/>
-            <pc:sldMk cId="4269169880" sldId="590"/>
-            <ac:spMk id="15" creationId="{02B7163E-56A8-323C-A6CA-C67331DEE812}"/>
-          </ac:spMkLst>
-        </pc:spChg>
-        <pc:spChg chg="mod">
-          <ac:chgData name="Hughes, Joseph D" userId="bd5f5bbf-fc0b-41ca-af42-bfb8d56f1f7b" providerId="ADAL" clId="{A374137C-6414-C546-A0DB-659C9E0D3825}" dt="2023-01-06T17:01:21.261" v="204" actId="408"/>
-          <ac:spMkLst>
-            <pc:docMk/>
-            <pc:sldMk cId="4269169880" sldId="590"/>
-            <ac:spMk id="16" creationId="{14AB0B83-810A-824D-90DB-10C6CE2F7C39}"/>
-          </ac:spMkLst>
-        </pc:spChg>
-        <pc:spChg chg="mod">
-          <ac:chgData name="Hughes, Joseph D" userId="bd5f5bbf-fc0b-41ca-af42-bfb8d56f1f7b" providerId="ADAL" clId="{A374137C-6414-C546-A0DB-659C9E0D3825}" dt="2023-01-06T17:01:21.261" v="204" actId="408"/>
-          <ac:spMkLst>
-            <pc:docMk/>
-            <pc:sldMk cId="4269169880" sldId="590"/>
-            <ac:spMk id="17" creationId="{BFBE8C78-2823-63E7-980C-088E99830CB2}"/>
-          </ac:spMkLst>
-        </pc:spChg>
-        <pc:spChg chg="mod">
-          <ac:chgData name="Hughes, Joseph D" userId="bd5f5bbf-fc0b-41ca-af42-bfb8d56f1f7b" providerId="ADAL" clId="{A374137C-6414-C546-A0DB-659C9E0D3825}" dt="2023-01-06T17:01:21.261" v="204" actId="408"/>
-          <ac:spMkLst>
-            <pc:docMk/>
-            <pc:sldMk cId="4269169880" sldId="590"/>
-            <ac:spMk id="18" creationId="{481EC1FE-0A65-2874-1531-42022D3F5F7B}"/>
-          </ac:spMkLst>
-        </pc:spChg>
-        <pc:spChg chg="mod">
-          <ac:chgData name="Hughes, Joseph D" userId="bd5f5bbf-fc0b-41ca-af42-bfb8d56f1f7b" providerId="ADAL" clId="{A374137C-6414-C546-A0DB-659C9E0D3825}" dt="2023-01-06T17:01:21.261" v="204" actId="408"/>
-          <ac:spMkLst>
-            <pc:docMk/>
-            <pc:sldMk cId="4269169880" sldId="590"/>
-            <ac:spMk id="20" creationId="{F4A07C0D-4B19-2843-AE92-8DED09AD1E6C}"/>
-          </ac:spMkLst>
-        </pc:spChg>
-        <pc:grpChg chg="add mod">
-          <ac:chgData name="Hughes, Joseph D" userId="bd5f5bbf-fc0b-41ca-af42-bfb8d56f1f7b" providerId="ADAL" clId="{A374137C-6414-C546-A0DB-659C9E0D3825}" dt="2023-01-06T17:01:21.261" v="204" actId="408"/>
-          <ac:grpSpMkLst>
-            <pc:docMk/>
-            <pc:sldMk cId="4269169880" sldId="590"/>
-            <ac:grpSpMk id="3" creationId="{810B6BFD-5D8C-BC25-41BA-A2678458B372}"/>
-          </ac:grpSpMkLst>
-        </pc:grpChg>
-        <pc:grpChg chg="add mod">
-          <ac:chgData name="Hughes, Joseph D" userId="bd5f5bbf-fc0b-41ca-af42-bfb8d56f1f7b" providerId="ADAL" clId="{A374137C-6414-C546-A0DB-659C9E0D3825}" dt="2023-01-06T17:01:21.261" v="204" actId="408"/>
-          <ac:grpSpMkLst>
-            <pc:docMk/>
-            <pc:sldMk cId="4269169880" sldId="590"/>
-            <ac:grpSpMk id="6" creationId="{3E90E6D8-C240-C2CD-C85F-EFD65184E961}"/>
-          </ac:grpSpMkLst>
-        </pc:grpChg>
-        <pc:grpChg chg="mod">
-          <ac:chgData name="Hughes, Joseph D" userId="bd5f5bbf-fc0b-41ca-af42-bfb8d56f1f7b" providerId="ADAL" clId="{A374137C-6414-C546-A0DB-659C9E0D3825}" dt="2023-01-06T17:01:21.261" v="204" actId="408"/>
-          <ac:grpSpMkLst>
-            <pc:docMk/>
-            <pc:sldMk cId="4269169880" sldId="590"/>
-            <ac:grpSpMk id="8" creationId="{725080D9-1410-4D47-BB02-2D4102B093BD}"/>
-          </ac:grpSpMkLst>
-        </pc:grpChg>
-        <pc:grpChg chg="mod">
-          <ac:chgData name="Hughes, Joseph D" userId="bd5f5bbf-fc0b-41ca-af42-bfb8d56f1f7b" providerId="ADAL" clId="{A374137C-6414-C546-A0DB-659C9E0D3825}" dt="2023-01-06T17:01:21.261" v="204" actId="408"/>
-          <ac:grpSpMkLst>
-            <pc:docMk/>
-            <pc:sldMk cId="4269169880" sldId="590"/>
-            <ac:grpSpMk id="9" creationId="{03B81122-01CA-8A1D-28E8-0E81ECD91720}"/>
-          </ac:grpSpMkLst>
-        </pc:grpChg>
-        <pc:grpChg chg="add mod">
-          <ac:chgData name="Hughes, Joseph D" userId="bd5f5bbf-fc0b-41ca-af42-bfb8d56f1f7b" providerId="ADAL" clId="{A374137C-6414-C546-A0DB-659C9E0D3825}" dt="2023-01-06T17:01:21.261" v="204" actId="408"/>
-          <ac:grpSpMkLst>
-            <pc:docMk/>
-            <pc:sldMk cId="4269169880" sldId="590"/>
-            <ac:grpSpMk id="21" creationId="{36878509-41EF-325D-A59F-8639E6754B32}"/>
-          </ac:grpSpMkLst>
-        </pc:grpChg>
-        <pc:picChg chg="mod">
-          <ac:chgData name="Hughes, Joseph D" userId="bd5f5bbf-fc0b-41ca-af42-bfb8d56f1f7b" providerId="ADAL" clId="{A374137C-6414-C546-A0DB-659C9E0D3825}" dt="2023-01-06T17:01:21.261" v="204" actId="408"/>
-          <ac:picMkLst>
-            <pc:docMk/>
-            <pc:sldMk cId="4269169880" sldId="590"/>
-            <ac:picMk id="4" creationId="{08C465FB-4F2F-248D-D20A-97C9CB7C2267}"/>
-          </ac:picMkLst>
-        </pc:picChg>
-        <pc:picChg chg="mod">
-          <ac:chgData name="Hughes, Joseph D" userId="bd5f5bbf-fc0b-41ca-af42-bfb8d56f1f7b" providerId="ADAL" clId="{A374137C-6414-C546-A0DB-659C9E0D3825}" dt="2023-01-06T17:01:21.261" v="204" actId="408"/>
-          <ac:picMkLst>
-            <pc:docMk/>
-            <pc:sldMk cId="4269169880" sldId="590"/>
-            <ac:picMk id="12" creationId="{E40EE202-7F8F-E3BC-3395-52B93B741A39}"/>
-          </ac:picMkLst>
-        </pc:picChg>
-        <pc:cxnChg chg="mod">
-          <ac:chgData name="Hughes, Joseph D" userId="bd5f5bbf-fc0b-41ca-af42-bfb8d56f1f7b" providerId="ADAL" clId="{A374137C-6414-C546-A0DB-659C9E0D3825}" dt="2023-01-06T17:01:21.261" v="204" actId="408"/>
-          <ac:cxnSpMkLst>
-            <pc:docMk/>
-            <pc:sldMk cId="4269169880" sldId="590"/>
-            <ac:cxnSpMk id="11" creationId="{D6C35D57-40CE-753A-BDC6-6DB0434161A9}"/>
-          </ac:cxnSpMkLst>
-        </pc:cxnChg>
-        <pc:cxnChg chg="mod">
-          <ac:chgData name="Hughes, Joseph D" userId="bd5f5bbf-fc0b-41ca-af42-bfb8d56f1f7b" providerId="ADAL" clId="{A374137C-6414-C546-A0DB-659C9E0D3825}" dt="2023-01-06T17:01:21.261" v="204" actId="408"/>
-          <ac:cxnSpMkLst>
-            <pc:docMk/>
-            <pc:sldMk cId="4269169880" sldId="590"/>
-            <ac:cxnSpMk id="19" creationId="{5C4BBAC6-9689-1CDF-0A38-7F5DC695A55A}"/>
-          </ac:cxnSpMkLst>
-        </pc:cxnChg>
-      </pc:sldChg>
-      <pc:sldChg chg="addSp modSp new mod">
-        <pc:chgData name="Hughes, Joseph D" userId="bd5f5bbf-fc0b-41ca-af42-bfb8d56f1f7b" providerId="ADAL" clId="{A374137C-6414-C546-A0DB-659C9E0D3825}" dt="2023-01-06T17:03:27.265" v="254" actId="207"/>
-        <pc:sldMkLst>
-          <pc:docMk/>
-          <pc:sldMk cId="1032583875" sldId="591"/>
-        </pc:sldMkLst>
-        <pc:spChg chg="mod">
-          <ac:chgData name="Hughes, Joseph D" userId="bd5f5bbf-fc0b-41ca-af42-bfb8d56f1f7b" providerId="ADAL" clId="{A374137C-6414-C546-A0DB-659C9E0D3825}" dt="2023-01-06T17:01:55.972" v="239" actId="20577"/>
-          <ac:spMkLst>
-            <pc:docMk/>
-            <pc:sldMk cId="1032583875" sldId="591"/>
-            <ac:spMk id="2" creationId="{8FFD23D5-28DD-D49B-6EB4-BDEC9427B37F}"/>
-          </ac:spMkLst>
-        </pc:spChg>
-        <pc:spChg chg="mod">
-          <ac:chgData name="Hughes, Joseph D" userId="bd5f5bbf-fc0b-41ca-af42-bfb8d56f1f7b" providerId="ADAL" clId="{A374137C-6414-C546-A0DB-659C9E0D3825}" dt="2023-01-06T17:02:49.694" v="251" actId="14100"/>
-          <ac:spMkLst>
-            <pc:docMk/>
-            <pc:sldMk cId="1032583875" sldId="591"/>
-            <ac:spMk id="3" creationId="{7CE71BDD-0894-7506-8876-C0D066EB3DA5}"/>
-          </ac:spMkLst>
-        </pc:spChg>
-        <pc:spChg chg="mod">
-          <ac:chgData name="Hughes, Joseph D" userId="bd5f5bbf-fc0b-41ca-af42-bfb8d56f1f7b" providerId="ADAL" clId="{A374137C-6414-C546-A0DB-659C9E0D3825}" dt="2023-01-06T17:03:27.265" v="254" actId="207"/>
-          <ac:spMkLst>
-            <pc:docMk/>
-            <pc:sldMk cId="1032583875" sldId="591"/>
-            <ac:spMk id="5" creationId="{754D30DD-CCB6-691C-C69D-6FB51F5E5F38}"/>
-          </ac:spMkLst>
-        </pc:spChg>
-        <pc:spChg chg="mod">
-          <ac:chgData name="Hughes, Joseph D" userId="bd5f5bbf-fc0b-41ca-af42-bfb8d56f1f7b" providerId="ADAL" clId="{A374137C-6414-C546-A0DB-659C9E0D3825}" dt="2023-01-06T17:02:43.222" v="250"/>
-          <ac:spMkLst>
-            <pc:docMk/>
-            <pc:sldMk cId="1032583875" sldId="591"/>
-            <ac:spMk id="8" creationId="{9B913C15-E8AE-136A-759F-DB9F4E89EBB0}"/>
-          </ac:spMkLst>
-        </pc:spChg>
-        <pc:spChg chg="mod">
-          <ac:chgData name="Hughes, Joseph D" userId="bd5f5bbf-fc0b-41ca-af42-bfb8d56f1f7b" providerId="ADAL" clId="{A374137C-6414-C546-A0DB-659C9E0D3825}" dt="2023-01-06T17:02:43.222" v="250"/>
-          <ac:spMkLst>
-            <pc:docMk/>
-            <pc:sldMk cId="1032583875" sldId="591"/>
-            <ac:spMk id="11" creationId="{57592B4A-A8B8-778B-68DB-F432732AAD2D}"/>
-          </ac:spMkLst>
-        </pc:spChg>
-        <pc:spChg chg="mod">
-          <ac:chgData name="Hughes, Joseph D" userId="bd5f5bbf-fc0b-41ca-af42-bfb8d56f1f7b" providerId="ADAL" clId="{A374137C-6414-C546-A0DB-659C9E0D3825}" dt="2023-01-06T17:02:43.222" v="250"/>
-          <ac:spMkLst>
-            <pc:docMk/>
-            <pc:sldMk cId="1032583875" sldId="591"/>
-            <ac:spMk id="12" creationId="{3DB73275-33FC-2729-CA9B-09AD26CC2B6B}"/>
-          </ac:spMkLst>
-        </pc:spChg>
-        <pc:spChg chg="mod">
-          <ac:chgData name="Hughes, Joseph D" userId="bd5f5bbf-fc0b-41ca-af42-bfb8d56f1f7b" providerId="ADAL" clId="{A374137C-6414-C546-A0DB-659C9E0D3825}" dt="2023-01-06T17:02:43.222" v="250"/>
-          <ac:spMkLst>
-            <pc:docMk/>
-            <pc:sldMk cId="1032583875" sldId="591"/>
-            <ac:spMk id="13" creationId="{6FA65FA8-0970-C932-A665-E824FA90F228}"/>
-          </ac:spMkLst>
-        </pc:spChg>
-        <pc:spChg chg="mod">
-          <ac:chgData name="Hughes, Joseph D" userId="bd5f5bbf-fc0b-41ca-af42-bfb8d56f1f7b" providerId="ADAL" clId="{A374137C-6414-C546-A0DB-659C9E0D3825}" dt="2023-01-06T17:02:43.222" v="250"/>
-          <ac:spMkLst>
-            <pc:docMk/>
-            <pc:sldMk cId="1032583875" sldId="591"/>
-            <ac:spMk id="14" creationId="{EF46A380-0B43-5585-5161-31A796C81D3B}"/>
-          </ac:spMkLst>
-        </pc:spChg>
-        <pc:spChg chg="mod">
-          <ac:chgData name="Hughes, Joseph D" userId="bd5f5bbf-fc0b-41ca-af42-bfb8d56f1f7b" providerId="ADAL" clId="{A374137C-6414-C546-A0DB-659C9E0D3825}" dt="2023-01-06T17:02:43.222" v="250"/>
-          <ac:spMkLst>
-            <pc:docMk/>
-            <pc:sldMk cId="1032583875" sldId="591"/>
-            <ac:spMk id="15" creationId="{D2A726E4-AF7D-666E-D832-F3424717FE16}"/>
-          </ac:spMkLst>
-        </pc:spChg>
-        <pc:spChg chg="mod">
-          <ac:chgData name="Hughes, Joseph D" userId="bd5f5bbf-fc0b-41ca-af42-bfb8d56f1f7b" providerId="ADAL" clId="{A374137C-6414-C546-A0DB-659C9E0D3825}" dt="2023-01-06T17:02:43.222" v="250"/>
-          <ac:spMkLst>
-            <pc:docMk/>
-            <pc:sldMk cId="1032583875" sldId="591"/>
-            <ac:spMk id="16" creationId="{A820188E-E26C-1A56-537D-EFE0D6A69D01}"/>
-          </ac:spMkLst>
-        </pc:spChg>
-        <pc:spChg chg="mod">
-          <ac:chgData name="Hughes, Joseph D" userId="bd5f5bbf-fc0b-41ca-af42-bfb8d56f1f7b" providerId="ADAL" clId="{A374137C-6414-C546-A0DB-659C9E0D3825}" dt="2023-01-06T17:02:43.222" v="250"/>
-          <ac:spMkLst>
-            <pc:docMk/>
-            <pc:sldMk cId="1032583875" sldId="591"/>
-            <ac:spMk id="18" creationId="{0C2B508C-FF69-6ECD-A59D-2262C63D2F01}"/>
-          </ac:spMkLst>
-        </pc:spChg>
-        <pc:grpChg chg="add mod">
-          <ac:chgData name="Hughes, Joseph D" userId="bd5f5bbf-fc0b-41ca-af42-bfb8d56f1f7b" providerId="ADAL" clId="{A374137C-6414-C546-A0DB-659C9E0D3825}" dt="2023-01-06T17:02:55.834" v="253" actId="1076"/>
-          <ac:grpSpMkLst>
-            <pc:docMk/>
-            <pc:sldMk cId="1032583875" sldId="591"/>
-            <ac:grpSpMk id="4" creationId="{44BBFB00-7FD0-3F18-ABE8-CD4BE1575FFE}"/>
-          </ac:grpSpMkLst>
-        </pc:grpChg>
-        <pc:grpChg chg="mod">
-          <ac:chgData name="Hughes, Joseph D" userId="bd5f5bbf-fc0b-41ca-af42-bfb8d56f1f7b" providerId="ADAL" clId="{A374137C-6414-C546-A0DB-659C9E0D3825}" dt="2023-01-06T17:02:43.222" v="250"/>
-          <ac:grpSpMkLst>
-            <pc:docMk/>
-            <pc:sldMk cId="1032583875" sldId="591"/>
-            <ac:grpSpMk id="6" creationId="{27927262-E3BA-A7DE-A909-96D41FE67256}"/>
-          </ac:grpSpMkLst>
-        </pc:grpChg>
-        <pc:grpChg chg="mod">
-          <ac:chgData name="Hughes, Joseph D" userId="bd5f5bbf-fc0b-41ca-af42-bfb8d56f1f7b" providerId="ADAL" clId="{A374137C-6414-C546-A0DB-659C9E0D3825}" dt="2023-01-06T17:02:43.222" v="250"/>
-          <ac:grpSpMkLst>
-            <pc:docMk/>
-            <pc:sldMk cId="1032583875" sldId="591"/>
-            <ac:grpSpMk id="7" creationId="{0E6F22E9-FF9F-1A43-C540-54E57FB989D2}"/>
-          </ac:grpSpMkLst>
-        </pc:grpChg>
-        <pc:picChg chg="mod">
-          <ac:chgData name="Hughes, Joseph D" userId="bd5f5bbf-fc0b-41ca-af42-bfb8d56f1f7b" providerId="ADAL" clId="{A374137C-6414-C546-A0DB-659C9E0D3825}" dt="2023-01-06T17:02:43.222" v="250"/>
-          <ac:picMkLst>
-            <pc:docMk/>
-            <pc:sldMk cId="1032583875" sldId="591"/>
-            <ac:picMk id="10" creationId="{AADC792A-C756-7E93-11D1-60CA74190FFF}"/>
-          </ac:picMkLst>
-        </pc:picChg>
-        <pc:cxnChg chg="mod">
-          <ac:chgData name="Hughes, Joseph D" userId="bd5f5bbf-fc0b-41ca-af42-bfb8d56f1f7b" providerId="ADAL" clId="{A374137C-6414-C546-A0DB-659C9E0D3825}" dt="2023-01-06T17:02:43.222" v="250"/>
-          <ac:cxnSpMkLst>
-            <pc:docMk/>
-            <pc:sldMk cId="1032583875" sldId="591"/>
-            <ac:cxnSpMk id="9" creationId="{F5A7AC6B-0BBB-7A37-FE0C-89D8D1F4125D}"/>
-          </ac:cxnSpMkLst>
-        </pc:cxnChg>
-        <pc:cxnChg chg="mod">
-          <ac:chgData name="Hughes, Joseph D" userId="bd5f5bbf-fc0b-41ca-af42-bfb8d56f1f7b" providerId="ADAL" clId="{A374137C-6414-C546-A0DB-659C9E0D3825}" dt="2023-01-06T17:02:43.222" v="250"/>
-          <ac:cxnSpMkLst>
-            <pc:docMk/>
-            <pc:sldMk cId="1032583875" sldId="591"/>
-            <ac:cxnSpMk id="17" creationId="{3D3BDBE3-9855-1059-40A5-E51D23F4D97E}"/>
-          </ac:cxnSpMkLst>
-        </pc:cxnChg>
-      </pc:sldChg>
-      <pc:sldChg chg="modSp add mod">
-        <pc:chgData name="Hughes, Joseph D" userId="bd5f5bbf-fc0b-41ca-af42-bfb8d56f1f7b" providerId="ADAL" clId="{A374137C-6414-C546-A0DB-659C9E0D3825}" dt="2023-01-06T17:14:07.171" v="270" actId="20577"/>
-        <pc:sldMkLst>
-          <pc:docMk/>
-          <pc:sldMk cId="646944386" sldId="592"/>
-        </pc:sldMkLst>
-        <pc:spChg chg="mod">
-          <ac:chgData name="Hughes, Joseph D" userId="bd5f5bbf-fc0b-41ca-af42-bfb8d56f1f7b" providerId="ADAL" clId="{A374137C-6414-C546-A0DB-659C9E0D3825}" dt="2023-01-06T17:14:07.171" v="270" actId="20577"/>
-          <ac:spMkLst>
-            <pc:docMk/>
-            <pc:sldMk cId="646944386" sldId="592"/>
-            <ac:spMk id="3" creationId="{7CE71BDD-0894-7506-8876-C0D066EB3DA5}"/>
-          </ac:spMkLst>
-        </pc:spChg>
-      </pc:sldChg>
-      <pc:sldChg chg="addSp modSp new mod ord">
-        <pc:chgData name="Hughes, Joseph D" userId="bd5f5bbf-fc0b-41ca-af42-bfb8d56f1f7b" providerId="ADAL" clId="{A374137C-6414-C546-A0DB-659C9E0D3825}" dt="2023-01-06T17:17:25.488" v="344" actId="20578"/>
-        <pc:sldMkLst>
-          <pc:docMk/>
-          <pc:sldMk cId="4082192752" sldId="593"/>
-        </pc:sldMkLst>
-        <pc:spChg chg="mod">
-          <ac:chgData name="Hughes, Joseph D" userId="bd5f5bbf-fc0b-41ca-af42-bfb8d56f1f7b" providerId="ADAL" clId="{A374137C-6414-C546-A0DB-659C9E0D3825}" dt="2023-01-06T17:16:52.229" v="341" actId="6549"/>
-          <ac:spMkLst>
-            <pc:docMk/>
-            <pc:sldMk cId="4082192752" sldId="593"/>
-            <ac:spMk id="2" creationId="{FBE6D766-7D3F-AC3B-AFDF-D4D0DA2F8809}"/>
-          </ac:spMkLst>
-        </pc:spChg>
-        <pc:spChg chg="mod">
-          <ac:chgData name="Hughes, Joseph D" userId="bd5f5bbf-fc0b-41ca-af42-bfb8d56f1f7b" providerId="ADAL" clId="{A374137C-6414-C546-A0DB-659C9E0D3825}" dt="2023-01-06T17:15:58.438" v="313" actId="14100"/>
-          <ac:spMkLst>
-            <pc:docMk/>
-            <pc:sldMk cId="4082192752" sldId="593"/>
-            <ac:spMk id="3" creationId="{B8E032F2-7ADA-0176-9C6B-444767E1851C}"/>
-          </ac:spMkLst>
-        </pc:spChg>
-        <pc:picChg chg="add mod modCrop">
-          <ac:chgData name="Hughes, Joseph D" userId="bd5f5bbf-fc0b-41ca-af42-bfb8d56f1f7b" providerId="ADAL" clId="{A374137C-6414-C546-A0DB-659C9E0D3825}" dt="2023-01-06T17:16:34.587" v="319" actId="1076"/>
-          <ac:picMkLst>
-            <pc:docMk/>
-            <pc:sldMk cId="4082192752" sldId="593"/>
-            <ac:picMk id="4" creationId="{3FBC341C-8997-5525-5BAD-646957493876}"/>
-          </ac:picMkLst>
-        </pc:picChg>
-      </pc:sldChg>
-      <pc:sldChg chg="modSp add mod ord">
-        <pc:chgData name="Hughes, Joseph D" userId="bd5f5bbf-fc0b-41ca-af42-bfb8d56f1f7b" providerId="ADAL" clId="{A374137C-6414-C546-A0DB-659C9E0D3825}" dt="2023-01-06T20:49:52.281" v="986" actId="20577"/>
-        <pc:sldMkLst>
-          <pc:docMk/>
-          <pc:sldMk cId="3702308191" sldId="594"/>
-        </pc:sldMkLst>
-        <pc:spChg chg="mod">
-          <ac:chgData name="Hughes, Joseph D" userId="bd5f5bbf-fc0b-41ca-af42-bfb8d56f1f7b" providerId="ADAL" clId="{A374137C-6414-C546-A0DB-659C9E0D3825}" dt="2023-01-06T17:18:27.027" v="394" actId="20577"/>
-          <ac:spMkLst>
-            <pc:docMk/>
-            <pc:sldMk cId="3702308191" sldId="594"/>
-            <ac:spMk id="2" creationId="{8FFD23D5-28DD-D49B-6EB4-BDEC9427B37F}"/>
-          </ac:spMkLst>
-        </pc:spChg>
-        <pc:spChg chg="mod">
-          <ac:chgData name="Hughes, Joseph D" userId="bd5f5bbf-fc0b-41ca-af42-bfb8d56f1f7b" providerId="ADAL" clId="{A374137C-6414-C546-A0DB-659C9E0D3825}" dt="2023-01-06T20:49:52.281" v="986" actId="20577"/>
-          <ac:spMkLst>
-            <pc:docMk/>
-            <pc:sldMk cId="3702308191" sldId="594"/>
-            <ac:spMk id="3" creationId="{7CE71BDD-0894-7506-8876-C0D066EB3DA5}"/>
-          </ac:spMkLst>
-        </pc:spChg>
-      </pc:sldChg>
-      <pc:sldChg chg="modSp add mod">
-        <pc:chgData name="Hughes, Joseph D" userId="bd5f5bbf-fc0b-41ca-af42-bfb8d56f1f7b" providerId="ADAL" clId="{A374137C-6414-C546-A0DB-659C9E0D3825}" dt="2023-01-06T17:20:27.018" v="447" actId="20577"/>
-        <pc:sldMkLst>
-          <pc:docMk/>
-          <pc:sldMk cId="2418929152" sldId="595"/>
-        </pc:sldMkLst>
-        <pc:spChg chg="mod">
-          <ac:chgData name="Hughes, Joseph D" userId="bd5f5bbf-fc0b-41ca-af42-bfb8d56f1f7b" providerId="ADAL" clId="{A374137C-6414-C546-A0DB-659C9E0D3825}" dt="2023-01-06T17:20:27.018" v="447" actId="20577"/>
-          <ac:spMkLst>
-            <pc:docMk/>
-            <pc:sldMk cId="2418929152" sldId="595"/>
-            <ac:spMk id="3" creationId="{7CE71BDD-0894-7506-8876-C0D066EB3DA5}"/>
-          </ac:spMkLst>
-        </pc:spChg>
-      </pc:sldChg>
-      <pc:sldChg chg="modSp add mod">
-        <pc:chgData name="Hughes, Joseph D" userId="bd5f5bbf-fc0b-41ca-af42-bfb8d56f1f7b" providerId="ADAL" clId="{A374137C-6414-C546-A0DB-659C9E0D3825}" dt="2023-01-06T20:40:30.686" v="753" actId="20577"/>
-        <pc:sldMkLst>
-          <pc:docMk/>
-          <pc:sldMk cId="843935089" sldId="596"/>
-        </pc:sldMkLst>
-        <pc:spChg chg="mod">
-          <ac:chgData name="Hughes, Joseph D" userId="bd5f5bbf-fc0b-41ca-af42-bfb8d56f1f7b" providerId="ADAL" clId="{A374137C-6414-C546-A0DB-659C9E0D3825}" dt="2023-01-06T17:21:38.366" v="473" actId="20577"/>
-          <ac:spMkLst>
-            <pc:docMk/>
-            <pc:sldMk cId="843935089" sldId="596"/>
-            <ac:spMk id="2" creationId="{8FFD23D5-28DD-D49B-6EB4-BDEC9427B37F}"/>
-          </ac:spMkLst>
-        </pc:spChg>
-        <pc:spChg chg="mod">
-          <ac:chgData name="Hughes, Joseph D" userId="bd5f5bbf-fc0b-41ca-af42-bfb8d56f1f7b" providerId="ADAL" clId="{A374137C-6414-C546-A0DB-659C9E0D3825}" dt="2023-01-06T20:40:30.686" v="753" actId="20577"/>
-          <ac:spMkLst>
-            <pc:docMk/>
-            <pc:sldMk cId="843935089" sldId="596"/>
-            <ac:spMk id="3" creationId="{7CE71BDD-0894-7506-8876-C0D066EB3DA5}"/>
-          </ac:spMkLst>
-        </pc:spChg>
-      </pc:sldChg>
-      <pc:sldChg chg="modSp add mod">
-        <pc:chgData name="Hughes, Joseph D" userId="bd5f5bbf-fc0b-41ca-af42-bfb8d56f1f7b" providerId="ADAL" clId="{A374137C-6414-C546-A0DB-659C9E0D3825}" dt="2023-01-06T20:41:43.903" v="763" actId="5793"/>
-        <pc:sldMkLst>
-          <pc:docMk/>
-          <pc:sldMk cId="2970425097" sldId="597"/>
-        </pc:sldMkLst>
-        <pc:spChg chg="mod">
-          <ac:chgData name="Hughes, Joseph D" userId="bd5f5bbf-fc0b-41ca-af42-bfb8d56f1f7b" providerId="ADAL" clId="{A374137C-6414-C546-A0DB-659C9E0D3825}" dt="2023-01-06T20:41:43.903" v="763" actId="5793"/>
-          <ac:spMkLst>
-            <pc:docMk/>
-            <pc:sldMk cId="2970425097" sldId="597"/>
-            <ac:spMk id="3" creationId="{7CE71BDD-0894-7506-8876-C0D066EB3DA5}"/>
-          </ac:spMkLst>
-        </pc:spChg>
-      </pc:sldChg>
-      <pc:sldChg chg="new">
-        <pc:chgData name="Hughes, Joseph D" userId="bd5f5bbf-fc0b-41ca-af42-bfb8d56f1f7b" providerId="ADAL" clId="{A374137C-6414-C546-A0DB-659C9E0D3825}" dt="2023-01-06T20:41:59.198" v="764" actId="680"/>
-        <pc:sldMkLst>
-          <pc:docMk/>
-          <pc:sldMk cId="2736229985" sldId="598"/>
-        </pc:sldMkLst>
-      </pc:sldChg>
-      <pc:sldChg chg="addSp modSp new mod ord">
-        <pc:chgData name="Hughes, Joseph D" userId="bd5f5bbf-fc0b-41ca-af42-bfb8d56f1f7b" providerId="ADAL" clId="{A374137C-6414-C546-A0DB-659C9E0D3825}" dt="2023-01-06T20:45:58.480" v="824" actId="20578"/>
-        <pc:sldMkLst>
-          <pc:docMk/>
-          <pc:sldMk cId="3732661214" sldId="599"/>
-        </pc:sldMkLst>
-        <pc:spChg chg="mod">
-          <ac:chgData name="Hughes, Joseph D" userId="bd5f5bbf-fc0b-41ca-af42-bfb8d56f1f7b" providerId="ADAL" clId="{A374137C-6414-C546-A0DB-659C9E0D3825}" dt="2023-01-06T20:42:53.966" v="808" actId="20577"/>
-          <ac:spMkLst>
-            <pc:docMk/>
-            <pc:sldMk cId="3732661214" sldId="599"/>
-            <ac:spMk id="2" creationId="{62A1A35F-8F3C-4881-EF50-E4349D1F1F17}"/>
-          </ac:spMkLst>
-        </pc:spChg>
-        <pc:spChg chg="mod">
-          <ac:chgData name="Hughes, Joseph D" userId="bd5f5bbf-fc0b-41ca-af42-bfb8d56f1f7b" providerId="ADAL" clId="{A374137C-6414-C546-A0DB-659C9E0D3825}" dt="2023-01-06T20:44:35.405" v="819" actId="408"/>
-          <ac:spMkLst>
-            <pc:docMk/>
-            <pc:sldMk cId="3732661214" sldId="599"/>
-            <ac:spMk id="4" creationId="{5AFF0C9F-0C47-57C3-2930-B0F37B0FFCD5}"/>
-          </ac:spMkLst>
-        </pc:spChg>
-        <pc:spChg chg="mod">
-          <ac:chgData name="Hughes, Joseph D" userId="bd5f5bbf-fc0b-41ca-af42-bfb8d56f1f7b" providerId="ADAL" clId="{A374137C-6414-C546-A0DB-659C9E0D3825}" dt="2023-01-06T20:44:35.405" v="819" actId="408"/>
-          <ac:spMkLst>
-            <pc:docMk/>
-            <pc:sldMk cId="3732661214" sldId="599"/>
-            <ac:spMk id="7" creationId="{2172EF27-9BD6-A9D9-253C-730275C8E5C7}"/>
-          </ac:spMkLst>
-        </pc:spChg>
-        <pc:spChg chg="mod">
-          <ac:chgData name="Hughes, Joseph D" userId="bd5f5bbf-fc0b-41ca-af42-bfb8d56f1f7b" providerId="ADAL" clId="{A374137C-6414-C546-A0DB-659C9E0D3825}" dt="2023-01-06T20:44:35.405" v="819" actId="408"/>
-          <ac:spMkLst>
-            <pc:docMk/>
-            <pc:sldMk cId="3732661214" sldId="599"/>
-            <ac:spMk id="10" creationId="{CB4136D5-8549-9A79-2F6A-591E36EBB419}"/>
-          </ac:spMkLst>
-        </pc:spChg>
-        <pc:spChg chg="mod">
-          <ac:chgData name="Hughes, Joseph D" userId="bd5f5bbf-fc0b-41ca-af42-bfb8d56f1f7b" providerId="ADAL" clId="{A374137C-6414-C546-A0DB-659C9E0D3825}" dt="2023-01-06T20:44:35.405" v="819" actId="408"/>
-          <ac:spMkLst>
-            <pc:docMk/>
-            <pc:sldMk cId="3732661214" sldId="599"/>
-            <ac:spMk id="11" creationId="{54B29849-7174-249B-6361-8A9DEB56D158}"/>
-          </ac:spMkLst>
-        </pc:spChg>
-        <pc:spChg chg="mod">
-          <ac:chgData name="Hughes, Joseph D" userId="bd5f5bbf-fc0b-41ca-af42-bfb8d56f1f7b" providerId="ADAL" clId="{A374137C-6414-C546-A0DB-659C9E0D3825}" dt="2023-01-06T20:44:35.405" v="819" actId="408"/>
-          <ac:spMkLst>
-            <pc:docMk/>
-            <pc:sldMk cId="3732661214" sldId="599"/>
-            <ac:spMk id="12" creationId="{251C3BF1-7D77-6BBE-32AE-E5704673DAF9}"/>
-          </ac:spMkLst>
-        </pc:spChg>
-        <pc:spChg chg="mod">
-          <ac:chgData name="Hughes, Joseph D" userId="bd5f5bbf-fc0b-41ca-af42-bfb8d56f1f7b" providerId="ADAL" clId="{A374137C-6414-C546-A0DB-659C9E0D3825}" dt="2023-01-06T20:44:35.405" v="819" actId="408"/>
-          <ac:spMkLst>
-            <pc:docMk/>
-            <pc:sldMk cId="3732661214" sldId="599"/>
-            <ac:spMk id="13" creationId="{C13F8DD4-518B-C310-756B-BAA1338D05D2}"/>
-          </ac:spMkLst>
-        </pc:spChg>
-        <pc:spChg chg="mod">
-          <ac:chgData name="Hughes, Joseph D" userId="bd5f5bbf-fc0b-41ca-af42-bfb8d56f1f7b" providerId="ADAL" clId="{A374137C-6414-C546-A0DB-659C9E0D3825}" dt="2023-01-06T20:44:35.405" v="819" actId="408"/>
-          <ac:spMkLst>
-            <pc:docMk/>
-            <pc:sldMk cId="3732661214" sldId="599"/>
-            <ac:spMk id="14" creationId="{F84BB205-6328-C52D-8603-4BAD73033E23}"/>
-          </ac:spMkLst>
-        </pc:spChg>
-        <pc:spChg chg="mod">
-          <ac:chgData name="Hughes, Joseph D" userId="bd5f5bbf-fc0b-41ca-af42-bfb8d56f1f7b" providerId="ADAL" clId="{A374137C-6414-C546-A0DB-659C9E0D3825}" dt="2023-01-06T20:44:35.405" v="819" actId="408"/>
-          <ac:spMkLst>
-            <pc:docMk/>
-            <pc:sldMk cId="3732661214" sldId="599"/>
-            <ac:spMk id="15" creationId="{31E89CDD-3EA1-E51E-860A-22A1C3DD7F62}"/>
-          </ac:spMkLst>
-        </pc:spChg>
-        <pc:spChg chg="mod">
-          <ac:chgData name="Hughes, Joseph D" userId="bd5f5bbf-fc0b-41ca-af42-bfb8d56f1f7b" providerId="ADAL" clId="{A374137C-6414-C546-A0DB-659C9E0D3825}" dt="2023-01-06T20:44:35.405" v="819" actId="408"/>
-          <ac:spMkLst>
-            <pc:docMk/>
-            <pc:sldMk cId="3732661214" sldId="599"/>
-            <ac:spMk id="17" creationId="{203587F8-41DA-3C12-B5BD-D6DEB2E013E2}"/>
-          </ac:spMkLst>
-        </pc:spChg>
-        <pc:grpChg chg="add mod">
-          <ac:chgData name="Hughes, Joseph D" userId="bd5f5bbf-fc0b-41ca-af42-bfb8d56f1f7b" providerId="ADAL" clId="{A374137C-6414-C546-A0DB-659C9E0D3825}" dt="2023-01-06T20:44:35.405" v="819" actId="408"/>
-          <ac:grpSpMkLst>
-            <pc:docMk/>
-            <pc:sldMk cId="3732661214" sldId="599"/>
-            <ac:grpSpMk id="3" creationId="{688D95F6-F793-BBEF-71AC-BD645DDEB5E6}"/>
-          </ac:grpSpMkLst>
-        </pc:grpChg>
-        <pc:grpChg chg="mod">
-          <ac:chgData name="Hughes, Joseph D" userId="bd5f5bbf-fc0b-41ca-af42-bfb8d56f1f7b" providerId="ADAL" clId="{A374137C-6414-C546-A0DB-659C9E0D3825}" dt="2023-01-06T20:44:35.405" v="819" actId="408"/>
-          <ac:grpSpMkLst>
-            <pc:docMk/>
-            <pc:sldMk cId="3732661214" sldId="599"/>
-            <ac:grpSpMk id="5" creationId="{14FBD282-CDB4-BD67-83A5-3340B0B2C8AE}"/>
-          </ac:grpSpMkLst>
-        </pc:grpChg>
-        <pc:grpChg chg="mod">
-          <ac:chgData name="Hughes, Joseph D" userId="bd5f5bbf-fc0b-41ca-af42-bfb8d56f1f7b" providerId="ADAL" clId="{A374137C-6414-C546-A0DB-659C9E0D3825}" dt="2023-01-06T20:44:35.405" v="819" actId="408"/>
-          <ac:grpSpMkLst>
-            <pc:docMk/>
-            <pc:sldMk cId="3732661214" sldId="599"/>
-            <ac:grpSpMk id="6" creationId="{70D33C3D-E315-9753-86E4-81C2359300CC}"/>
-          </ac:grpSpMkLst>
-        </pc:grpChg>
-        <pc:grpChg chg="add mod">
-          <ac:chgData name="Hughes, Joseph D" userId="bd5f5bbf-fc0b-41ca-af42-bfb8d56f1f7b" providerId="ADAL" clId="{A374137C-6414-C546-A0DB-659C9E0D3825}" dt="2023-01-06T20:44:35.405" v="819" actId="408"/>
-          <ac:grpSpMkLst>
-            <pc:docMk/>
-            <pc:sldMk cId="3732661214" sldId="599"/>
-            <ac:grpSpMk id="19" creationId="{66EABAB2-2525-8463-30AA-D469E93C2B93}"/>
-          </ac:grpSpMkLst>
-        </pc:grpChg>
-        <pc:picChg chg="mod">
-          <ac:chgData name="Hughes, Joseph D" userId="bd5f5bbf-fc0b-41ca-af42-bfb8d56f1f7b" providerId="ADAL" clId="{A374137C-6414-C546-A0DB-659C9E0D3825}" dt="2023-01-06T20:44:35.405" v="819" actId="408"/>
-          <ac:picMkLst>
-            <pc:docMk/>
-            <pc:sldMk cId="3732661214" sldId="599"/>
-            <ac:picMk id="9" creationId="{16C11EC6-B341-1F43-AE8D-857DD6B05DFC}"/>
-          </ac:picMkLst>
-        </pc:picChg>
-        <pc:picChg chg="add mod modCrop">
-          <ac:chgData name="Hughes, Joseph D" userId="bd5f5bbf-fc0b-41ca-af42-bfb8d56f1f7b" providerId="ADAL" clId="{A374137C-6414-C546-A0DB-659C9E0D3825}" dt="2023-01-06T20:44:35.405" v="819" actId="408"/>
-          <ac:picMkLst>
-            <pc:docMk/>
-            <pc:sldMk cId="3732661214" sldId="599"/>
-            <ac:picMk id="18" creationId="{448A7537-EFC2-5AA0-C9A5-7E4B9BE46521}"/>
-          </ac:picMkLst>
-        </pc:picChg>
-        <pc:cxnChg chg="mod">
-          <ac:chgData name="Hughes, Joseph D" userId="bd5f5bbf-fc0b-41ca-af42-bfb8d56f1f7b" providerId="ADAL" clId="{A374137C-6414-C546-A0DB-659C9E0D3825}" dt="2023-01-06T20:44:35.405" v="819" actId="408"/>
-          <ac:cxnSpMkLst>
-            <pc:docMk/>
-            <pc:sldMk cId="3732661214" sldId="599"/>
-            <ac:cxnSpMk id="8" creationId="{687173BF-8CA6-FB7A-6DC3-D1C991785033}"/>
-          </ac:cxnSpMkLst>
-        </pc:cxnChg>
-        <pc:cxnChg chg="mod">
-          <ac:chgData name="Hughes, Joseph D" userId="bd5f5bbf-fc0b-41ca-af42-bfb8d56f1f7b" providerId="ADAL" clId="{A374137C-6414-C546-A0DB-659C9E0D3825}" dt="2023-01-06T20:44:35.405" v="819" actId="408"/>
-          <ac:cxnSpMkLst>
-            <pc:docMk/>
-            <pc:sldMk cId="3732661214" sldId="599"/>
-            <ac:cxnSpMk id="16" creationId="{5FC4BD74-B2BA-F1D1-FD5B-BC92D5327F13}"/>
-          </ac:cxnSpMkLst>
-        </pc:cxnChg>
-      </pc:sldChg>
-      <pc:sldChg chg="modSp add mod ord">
-        <pc:chgData name="Hughes, Joseph D" userId="bd5f5bbf-fc0b-41ca-af42-bfb8d56f1f7b" providerId="ADAL" clId="{A374137C-6414-C546-A0DB-659C9E0D3825}" dt="2023-01-06T20:50:23.107" v="988" actId="20577"/>
-        <pc:sldMkLst>
-          <pc:docMk/>
-          <pc:sldMk cId="92902084" sldId="600"/>
-        </pc:sldMkLst>
-        <pc:spChg chg="mod">
-          <ac:chgData name="Hughes, Joseph D" userId="bd5f5bbf-fc0b-41ca-af42-bfb8d56f1f7b" providerId="ADAL" clId="{A374137C-6414-C546-A0DB-659C9E0D3825}" dt="2023-01-06T20:50:23.107" v="988" actId="20577"/>
-          <ac:spMkLst>
-            <pc:docMk/>
-            <pc:sldMk cId="92902084" sldId="600"/>
-            <ac:spMk id="3" creationId="{7CE71BDD-0894-7506-8876-C0D066EB3DA5}"/>
-          </ac:spMkLst>
-        </pc:spChg>
-      </pc:sldChg>
-      <pc:sldChg chg="modSp new mod">
-        <pc:chgData name="Hughes, Joseph D" userId="bd5f5bbf-fc0b-41ca-af42-bfb8d56f1f7b" providerId="ADAL" clId="{A374137C-6414-C546-A0DB-659C9E0D3825}" dt="2023-01-06T20:52:08.536" v="1047" actId="114"/>
-        <pc:sldMkLst>
-          <pc:docMk/>
-          <pc:sldMk cId="2352979730" sldId="601"/>
-        </pc:sldMkLst>
-        <pc:spChg chg="mod">
-          <ac:chgData name="Hughes, Joseph D" userId="bd5f5bbf-fc0b-41ca-af42-bfb8d56f1f7b" providerId="ADAL" clId="{A374137C-6414-C546-A0DB-659C9E0D3825}" dt="2023-01-06T20:51:07.997" v="1035" actId="20577"/>
-          <ac:spMkLst>
-            <pc:docMk/>
-            <pc:sldMk cId="2352979730" sldId="601"/>
-            <ac:spMk id="2" creationId="{35A41520-3C32-21A4-AA70-BEAE4616DAC4}"/>
-          </ac:spMkLst>
-        </pc:spChg>
-        <pc:spChg chg="mod">
-          <ac:chgData name="Hughes, Joseph D" userId="bd5f5bbf-fc0b-41ca-af42-bfb8d56f1f7b" providerId="ADAL" clId="{A374137C-6414-C546-A0DB-659C9E0D3825}" dt="2023-01-06T20:52:08.536" v="1047" actId="114"/>
-          <ac:spMkLst>
-            <pc:docMk/>
-            <pc:sldMk cId="2352979730" sldId="601"/>
-            <ac:spMk id="3" creationId="{3C8FA6EE-B14E-E242-DCA1-97C833420539}"/>
-          </ac:spMkLst>
-        </pc:spChg>
-      </pc:sldChg>
-      <pc:sldChg chg="modSp add mod">
-        <pc:chgData name="Hughes, Joseph D" userId="bd5f5bbf-fc0b-41ca-af42-bfb8d56f1f7b" providerId="ADAL" clId="{A374137C-6414-C546-A0DB-659C9E0D3825}" dt="2023-01-06T20:54:02.937" v="1094" actId="20577"/>
-        <pc:sldMkLst>
-          <pc:docMk/>
-          <pc:sldMk cId="1125209321" sldId="602"/>
-        </pc:sldMkLst>
-        <pc:spChg chg="mod">
-          <ac:chgData name="Hughes, Joseph D" userId="bd5f5bbf-fc0b-41ca-af42-bfb8d56f1f7b" providerId="ADAL" clId="{A374137C-6414-C546-A0DB-659C9E0D3825}" dt="2023-01-06T20:54:02.937" v="1094" actId="20577"/>
-          <ac:spMkLst>
-            <pc:docMk/>
-            <pc:sldMk cId="1125209321" sldId="602"/>
-            <ac:spMk id="2" creationId="{668CB90D-6B56-0C2B-2165-622A9A577EB0}"/>
-          </ac:spMkLst>
-        </pc:spChg>
-      </pc:sldChg>
-      <pc:sldChg chg="addSp delSp modSp add mod">
-        <pc:chgData name="Hughes, Joseph D" userId="bd5f5bbf-fc0b-41ca-af42-bfb8d56f1f7b" providerId="ADAL" clId="{A374137C-6414-C546-A0DB-659C9E0D3825}" dt="2023-01-06T21:00:36.181" v="1175" actId="408"/>
-        <pc:sldMkLst>
-          <pc:docMk/>
-          <pc:sldMk cId="2513473753" sldId="603"/>
-        </pc:sldMkLst>
-        <pc:spChg chg="add del mod">
-          <ac:chgData name="Hughes, Joseph D" userId="bd5f5bbf-fc0b-41ca-af42-bfb8d56f1f7b" providerId="ADAL" clId="{A374137C-6414-C546-A0DB-659C9E0D3825}" dt="2023-01-06T21:00:30.616" v="1174" actId="478"/>
-          <ac:spMkLst>
-            <pc:docMk/>
-            <pc:sldMk cId="2513473753" sldId="603"/>
-            <ac:spMk id="26" creationId="{19A14C16-399A-F4E3-A1C3-17E436F2B1E7}"/>
-          </ac:spMkLst>
-        </pc:spChg>
-        <pc:grpChg chg="del">
-          <ac:chgData name="Hughes, Joseph D" userId="bd5f5bbf-fc0b-41ca-af42-bfb8d56f1f7b" providerId="ADAL" clId="{A374137C-6414-C546-A0DB-659C9E0D3825}" dt="2023-01-06T20:54:36.702" v="1096" actId="478"/>
-          <ac:grpSpMkLst>
-            <pc:docMk/>
-            <pc:sldMk cId="2513473753" sldId="603"/>
-            <ac:grpSpMk id="21" creationId="{36878509-41EF-325D-A59F-8639E6754B32}"/>
-          </ac:grpSpMkLst>
-        </pc:grpChg>
-        <pc:grpChg chg="add mod">
-          <ac:chgData name="Hughes, Joseph D" userId="bd5f5bbf-fc0b-41ca-af42-bfb8d56f1f7b" providerId="ADAL" clId="{A374137C-6414-C546-A0DB-659C9E0D3825}" dt="2023-01-06T21:00:36.181" v="1175" actId="408"/>
-          <ac:grpSpMkLst>
-            <pc:docMk/>
-            <pc:sldMk cId="2513473753" sldId="603"/>
-            <ac:grpSpMk id="25" creationId="{E34D2DDB-3867-5E13-8ADE-16BE1A6A8816}"/>
-          </ac:grpSpMkLst>
-        </pc:grpChg>
-        <pc:picChg chg="add mod modCrop">
-          <ac:chgData name="Hughes, Joseph D" userId="bd5f5bbf-fc0b-41ca-af42-bfb8d56f1f7b" providerId="ADAL" clId="{A374137C-6414-C546-A0DB-659C9E0D3825}" dt="2023-01-06T21:00:36.181" v="1175" actId="408"/>
-          <ac:picMkLst>
-            <pc:docMk/>
-            <pc:sldMk cId="2513473753" sldId="603"/>
-            <ac:picMk id="22" creationId="{DC93FBD7-C758-462B-61D6-6E7F9EB432CF}"/>
-          </ac:picMkLst>
-        </pc:picChg>
-        <pc:picChg chg="add del mod modCrop">
-          <ac:chgData name="Hughes, Joseph D" userId="bd5f5bbf-fc0b-41ca-af42-bfb8d56f1f7b" providerId="ADAL" clId="{A374137C-6414-C546-A0DB-659C9E0D3825}" dt="2023-01-06T21:00:09.816" v="1139" actId="478"/>
-          <ac:picMkLst>
-            <pc:docMk/>
-            <pc:sldMk cId="2513473753" sldId="603"/>
-            <ac:picMk id="23" creationId="{006151D6-997B-8F66-D839-23799E4C485E}"/>
-          </ac:picMkLst>
-        </pc:picChg>
-        <pc:picChg chg="add mod modCrop">
-          <ac:chgData name="Hughes, Joseph D" userId="bd5f5bbf-fc0b-41ca-af42-bfb8d56f1f7b" providerId="ADAL" clId="{A374137C-6414-C546-A0DB-659C9E0D3825}" dt="2023-01-06T21:00:36.181" v="1175" actId="408"/>
-          <ac:picMkLst>
-            <pc:docMk/>
-            <pc:sldMk cId="2513473753" sldId="603"/>
-            <ac:picMk id="24" creationId="{21EB36A2-4C06-8250-8EE9-01F8F06FAFE9}"/>
-          </ac:picMkLst>
-        </pc:picChg>
-        <pc:cxnChg chg="mod">
-          <ac:chgData name="Hughes, Joseph D" userId="bd5f5bbf-fc0b-41ca-af42-bfb8d56f1f7b" providerId="ADAL" clId="{A374137C-6414-C546-A0DB-659C9E0D3825}" dt="2023-01-06T20:54:36.702" v="1096" actId="478"/>
-          <ac:cxnSpMkLst>
-            <pc:docMk/>
-            <pc:sldMk cId="2513473753" sldId="603"/>
-            <ac:cxnSpMk id="11" creationId="{D6C35D57-40CE-753A-BDC6-6DB0434161A9}"/>
-          </ac:cxnSpMkLst>
-        </pc:cxnChg>
-      </pc:sldChg>
-    </pc:docChg>
-  </pc:docChgLst>
   <pc:docChgLst>
     <pc:chgData name="Hughes, Joseph D" userId="bd5f5bbf-fc0b-41ca-af42-bfb8d56f1f7b" providerId="ADAL" clId="{C67A0D07-8AED-A74E-B1BB-567FB2C22816}"/>
     <pc:docChg chg="undo custSel addSld delSld modSld modMainMaster modNotesMaster">
@@ -2515,6 +1611,907 @@
       </pc:sldMasterChg>
     </pc:docChg>
   </pc:docChgLst>
+  <pc:docChgLst>
+    <pc:chgData name="Hughes, Joseph D" userId="bd5f5bbf-fc0b-41ca-af42-bfb8d56f1f7b" providerId="ADAL" clId="{A374137C-6414-C546-A0DB-659C9E0D3825}"/>
+    <pc:docChg chg="undo redo custSel addSld delSld modSld sldOrd">
+      <pc:chgData name="Hughes, Joseph D" userId="bd5f5bbf-fc0b-41ca-af42-bfb8d56f1f7b" providerId="ADAL" clId="{A374137C-6414-C546-A0DB-659C9E0D3825}" dt="2023-01-06T21:00:36.181" v="1175" actId="408"/>
+      <pc:docMkLst>
+        <pc:docMk/>
+      </pc:docMkLst>
+      <pc:sldChg chg="del">
+        <pc:chgData name="Hughes, Joseph D" userId="bd5f5bbf-fc0b-41ca-af42-bfb8d56f1f7b" providerId="ADAL" clId="{A374137C-6414-C546-A0DB-659C9E0D3825}" dt="2023-01-06T16:59:30.511" v="168" actId="2696"/>
+        <pc:sldMkLst>
+          <pc:docMk/>
+          <pc:sldMk cId="0" sldId="566"/>
+        </pc:sldMkLst>
+      </pc:sldChg>
+      <pc:sldChg chg="del">
+        <pc:chgData name="Hughes, Joseph D" userId="bd5f5bbf-fc0b-41ca-af42-bfb8d56f1f7b" providerId="ADAL" clId="{A374137C-6414-C546-A0DB-659C9E0D3825}" dt="2023-01-06T16:59:26.802" v="158" actId="2696"/>
+        <pc:sldMkLst>
+          <pc:docMk/>
+          <pc:sldMk cId="0" sldId="568"/>
+        </pc:sldMkLst>
+      </pc:sldChg>
+      <pc:sldChg chg="del">
+        <pc:chgData name="Hughes, Joseph D" userId="bd5f5bbf-fc0b-41ca-af42-bfb8d56f1f7b" providerId="ADAL" clId="{A374137C-6414-C546-A0DB-659C9E0D3825}" dt="2023-01-06T16:59:27.251" v="159" actId="2696"/>
+        <pc:sldMkLst>
+          <pc:docMk/>
+          <pc:sldMk cId="0" sldId="569"/>
+        </pc:sldMkLst>
+      </pc:sldChg>
+      <pc:sldChg chg="del">
+        <pc:chgData name="Hughes, Joseph D" userId="bd5f5bbf-fc0b-41ca-af42-bfb8d56f1f7b" providerId="ADAL" clId="{A374137C-6414-C546-A0DB-659C9E0D3825}" dt="2023-01-06T16:59:27.952" v="161" actId="2696"/>
+        <pc:sldMkLst>
+          <pc:docMk/>
+          <pc:sldMk cId="0" sldId="570"/>
+        </pc:sldMkLst>
+      </pc:sldChg>
+      <pc:sldChg chg="del">
+        <pc:chgData name="Hughes, Joseph D" userId="bd5f5bbf-fc0b-41ca-af42-bfb8d56f1f7b" providerId="ADAL" clId="{A374137C-6414-C546-A0DB-659C9E0D3825}" dt="2023-01-06T16:59:28.451" v="163" actId="2696"/>
+        <pc:sldMkLst>
+          <pc:docMk/>
+          <pc:sldMk cId="0" sldId="572"/>
+        </pc:sldMkLst>
+      </pc:sldChg>
+      <pc:sldChg chg="del">
+        <pc:chgData name="Hughes, Joseph D" userId="bd5f5bbf-fc0b-41ca-af42-bfb8d56f1f7b" providerId="ADAL" clId="{A374137C-6414-C546-A0DB-659C9E0D3825}" dt="2023-01-06T16:59:28.702" v="164" actId="2696"/>
+        <pc:sldMkLst>
+          <pc:docMk/>
+          <pc:sldMk cId="0" sldId="573"/>
+        </pc:sldMkLst>
+      </pc:sldChg>
+      <pc:sldChg chg="del">
+        <pc:chgData name="Hughes, Joseph D" userId="bd5f5bbf-fc0b-41ca-af42-bfb8d56f1f7b" providerId="ADAL" clId="{A374137C-6414-C546-A0DB-659C9E0D3825}" dt="2023-01-06T16:59:27.666" v="160" actId="2696"/>
+        <pc:sldMkLst>
+          <pc:docMk/>
+          <pc:sldMk cId="0" sldId="574"/>
+        </pc:sldMkLst>
+      </pc:sldChg>
+      <pc:sldChg chg="del">
+        <pc:chgData name="Hughes, Joseph D" userId="bd5f5bbf-fc0b-41ca-af42-bfb8d56f1f7b" providerId="ADAL" clId="{A374137C-6414-C546-A0DB-659C9E0D3825}" dt="2023-01-06T16:59:30.943" v="169" actId="2696"/>
+        <pc:sldMkLst>
+          <pc:docMk/>
+          <pc:sldMk cId="0" sldId="575"/>
+        </pc:sldMkLst>
+      </pc:sldChg>
+      <pc:sldChg chg="del">
+        <pc:chgData name="Hughes, Joseph D" userId="bd5f5bbf-fc0b-41ca-af42-bfb8d56f1f7b" providerId="ADAL" clId="{A374137C-6414-C546-A0DB-659C9E0D3825}" dt="2023-01-06T16:59:31.749" v="171" actId="2696"/>
+        <pc:sldMkLst>
+          <pc:docMk/>
+          <pc:sldMk cId="0" sldId="576"/>
+        </pc:sldMkLst>
+      </pc:sldChg>
+      <pc:sldChg chg="del">
+        <pc:chgData name="Hughes, Joseph D" userId="bd5f5bbf-fc0b-41ca-af42-bfb8d56f1f7b" providerId="ADAL" clId="{A374137C-6414-C546-A0DB-659C9E0D3825}" dt="2023-01-06T16:59:31.321" v="170" actId="2696"/>
+        <pc:sldMkLst>
+          <pc:docMk/>
+          <pc:sldMk cId="0" sldId="577"/>
+        </pc:sldMkLst>
+      </pc:sldChg>
+      <pc:sldChg chg="del">
+        <pc:chgData name="Hughes, Joseph D" userId="bd5f5bbf-fc0b-41ca-af42-bfb8d56f1f7b" providerId="ADAL" clId="{A374137C-6414-C546-A0DB-659C9E0D3825}" dt="2023-01-06T16:59:32.561" v="173" actId="2696"/>
+        <pc:sldMkLst>
+          <pc:docMk/>
+          <pc:sldMk cId="0" sldId="578"/>
+        </pc:sldMkLst>
+      </pc:sldChg>
+      <pc:sldChg chg="del">
+        <pc:chgData name="Hughes, Joseph D" userId="bd5f5bbf-fc0b-41ca-af42-bfb8d56f1f7b" providerId="ADAL" clId="{A374137C-6414-C546-A0DB-659C9E0D3825}" dt="2023-01-06T16:59:30.068" v="167" actId="2696"/>
+        <pc:sldMkLst>
+          <pc:docMk/>
+          <pc:sldMk cId="3529956039" sldId="579"/>
+        </pc:sldMkLst>
+      </pc:sldChg>
+      <pc:sldChg chg="del">
+        <pc:chgData name="Hughes, Joseph D" userId="bd5f5bbf-fc0b-41ca-af42-bfb8d56f1f7b" providerId="ADAL" clId="{A374137C-6414-C546-A0DB-659C9E0D3825}" dt="2023-01-06T16:59:29.218" v="165" actId="2696"/>
+        <pc:sldMkLst>
+          <pc:docMk/>
+          <pc:sldMk cId="1443141517" sldId="580"/>
+        </pc:sldMkLst>
+      </pc:sldChg>
+      <pc:sldChg chg="del">
+        <pc:chgData name="Hughes, Joseph D" userId="bd5f5bbf-fc0b-41ca-af42-bfb8d56f1f7b" providerId="ADAL" clId="{A374137C-6414-C546-A0DB-659C9E0D3825}" dt="2023-01-06T16:59:33.207" v="174" actId="2696"/>
+        <pc:sldMkLst>
+          <pc:docMk/>
+          <pc:sldMk cId="1112564220" sldId="581"/>
+        </pc:sldMkLst>
+      </pc:sldChg>
+      <pc:sldChg chg="del">
+        <pc:chgData name="Hughes, Joseph D" userId="bd5f5bbf-fc0b-41ca-af42-bfb8d56f1f7b" providerId="ADAL" clId="{A374137C-6414-C546-A0DB-659C9E0D3825}" dt="2023-01-06T16:59:33.642" v="175" actId="2696"/>
+        <pc:sldMkLst>
+          <pc:docMk/>
+          <pc:sldMk cId="116596551" sldId="582"/>
+        </pc:sldMkLst>
+      </pc:sldChg>
+      <pc:sldChg chg="del">
+        <pc:chgData name="Hughes, Joseph D" userId="bd5f5bbf-fc0b-41ca-af42-bfb8d56f1f7b" providerId="ADAL" clId="{A374137C-6414-C546-A0DB-659C9E0D3825}" dt="2023-01-06T16:59:29.560" v="166" actId="2696"/>
+        <pc:sldMkLst>
+          <pc:docMk/>
+          <pc:sldMk cId="2718887773" sldId="583"/>
+        </pc:sldMkLst>
+      </pc:sldChg>
+      <pc:sldChg chg="del">
+        <pc:chgData name="Hughes, Joseph D" userId="bd5f5bbf-fc0b-41ca-af42-bfb8d56f1f7b" providerId="ADAL" clId="{A374137C-6414-C546-A0DB-659C9E0D3825}" dt="2023-01-06T16:59:32.141" v="172" actId="2696"/>
+        <pc:sldMkLst>
+          <pc:docMk/>
+          <pc:sldMk cId="2223409433" sldId="584"/>
+        </pc:sldMkLst>
+      </pc:sldChg>
+      <pc:sldChg chg="del">
+        <pc:chgData name="Hughes, Joseph D" userId="bd5f5bbf-fc0b-41ca-af42-bfb8d56f1f7b" providerId="ADAL" clId="{A374137C-6414-C546-A0DB-659C9E0D3825}" dt="2023-01-06T16:59:34.048" v="176" actId="2696"/>
+        <pc:sldMkLst>
+          <pc:docMk/>
+          <pc:sldMk cId="1094771359" sldId="585"/>
+        </pc:sldMkLst>
+      </pc:sldChg>
+      <pc:sldChg chg="del">
+        <pc:chgData name="Hughes, Joseph D" userId="bd5f5bbf-fc0b-41ca-af42-bfb8d56f1f7b" providerId="ADAL" clId="{A374137C-6414-C546-A0DB-659C9E0D3825}" dt="2023-01-06T16:59:34.591" v="177" actId="2696"/>
+        <pc:sldMkLst>
+          <pc:docMk/>
+          <pc:sldMk cId="1380722740" sldId="586"/>
+        </pc:sldMkLst>
+      </pc:sldChg>
+      <pc:sldChg chg="modSp mod">
+        <pc:chgData name="Hughes, Joseph D" userId="bd5f5bbf-fc0b-41ca-af42-bfb8d56f1f7b" providerId="ADAL" clId="{A374137C-6414-C546-A0DB-659C9E0D3825}" dt="2023-01-06T16:57:16.541" v="54" actId="20577"/>
+        <pc:sldMkLst>
+          <pc:docMk/>
+          <pc:sldMk cId="302322613" sldId="587"/>
+        </pc:sldMkLst>
+        <pc:spChg chg="mod">
+          <ac:chgData name="Hughes, Joseph D" userId="bd5f5bbf-fc0b-41ca-af42-bfb8d56f1f7b" providerId="ADAL" clId="{A374137C-6414-C546-A0DB-659C9E0D3825}" dt="2023-01-06T16:56:53.087" v="14" actId="20577"/>
+          <ac:spMkLst>
+            <pc:docMk/>
+            <pc:sldMk cId="302322613" sldId="587"/>
+            <ac:spMk id="2" creationId="{D7BACF44-C8FF-43AD-C284-231CECB390E4}"/>
+          </ac:spMkLst>
+        </pc:spChg>
+        <pc:spChg chg="mod">
+          <ac:chgData name="Hughes, Joseph D" userId="bd5f5bbf-fc0b-41ca-af42-bfb8d56f1f7b" providerId="ADAL" clId="{A374137C-6414-C546-A0DB-659C9E0D3825}" dt="2023-01-06T16:57:16.541" v="54" actId="20577"/>
+          <ac:spMkLst>
+            <pc:docMk/>
+            <pc:sldMk cId="302322613" sldId="587"/>
+            <ac:spMk id="3" creationId="{CD9E3B8D-C8FA-A13E-C596-4F04F9D2879D}"/>
+          </ac:spMkLst>
+        </pc:spChg>
+      </pc:sldChg>
+      <pc:sldChg chg="del">
+        <pc:chgData name="Hughes, Joseph D" userId="bd5f5bbf-fc0b-41ca-af42-bfb8d56f1f7b" providerId="ADAL" clId="{A374137C-6414-C546-A0DB-659C9E0D3825}" dt="2023-01-06T16:59:28.259" v="162" actId="2696"/>
+        <pc:sldMkLst>
+          <pc:docMk/>
+          <pc:sldMk cId="1250119428" sldId="588"/>
+        </pc:sldMkLst>
+      </pc:sldChg>
+      <pc:sldChg chg="modSp new mod">
+        <pc:chgData name="Hughes, Joseph D" userId="bd5f5bbf-fc0b-41ca-af42-bfb8d56f1f7b" providerId="ADAL" clId="{A374137C-6414-C546-A0DB-659C9E0D3825}" dt="2023-01-06T16:59:21.960" v="157" actId="15"/>
+        <pc:sldMkLst>
+          <pc:docMk/>
+          <pc:sldMk cId="1245924986" sldId="589"/>
+        </pc:sldMkLst>
+        <pc:spChg chg="mod">
+          <ac:chgData name="Hughes, Joseph D" userId="bd5f5bbf-fc0b-41ca-af42-bfb8d56f1f7b" providerId="ADAL" clId="{A374137C-6414-C546-A0DB-659C9E0D3825}" dt="2023-01-06T16:57:37.826" v="71" actId="20577"/>
+          <ac:spMkLst>
+            <pc:docMk/>
+            <pc:sldMk cId="1245924986" sldId="589"/>
+            <ac:spMk id="2" creationId="{C8327FA2-7320-E2F2-FA8D-4918589F9D4C}"/>
+          </ac:spMkLst>
+        </pc:spChg>
+        <pc:spChg chg="mod">
+          <ac:chgData name="Hughes, Joseph D" userId="bd5f5bbf-fc0b-41ca-af42-bfb8d56f1f7b" providerId="ADAL" clId="{A374137C-6414-C546-A0DB-659C9E0D3825}" dt="2023-01-06T16:59:21.960" v="157" actId="15"/>
+          <ac:spMkLst>
+            <pc:docMk/>
+            <pc:sldMk cId="1245924986" sldId="589"/>
+            <ac:spMk id="3" creationId="{35EAC609-D009-3C9F-8E35-B5318FD5CBB3}"/>
+          </ac:spMkLst>
+        </pc:spChg>
+      </pc:sldChg>
+      <pc:sldChg chg="addSp modSp new mod">
+        <pc:chgData name="Hughes, Joseph D" userId="bd5f5bbf-fc0b-41ca-af42-bfb8d56f1f7b" providerId="ADAL" clId="{A374137C-6414-C546-A0DB-659C9E0D3825}" dt="2023-01-06T17:01:21.261" v="204" actId="408"/>
+        <pc:sldMkLst>
+          <pc:docMk/>
+          <pc:sldMk cId="4269169880" sldId="590"/>
+        </pc:sldMkLst>
+        <pc:spChg chg="mod">
+          <ac:chgData name="Hughes, Joseph D" userId="bd5f5bbf-fc0b-41ca-af42-bfb8d56f1f7b" providerId="ADAL" clId="{A374137C-6414-C546-A0DB-659C9E0D3825}" dt="2023-01-06T16:59:52.942" v="188" actId="20577"/>
+          <ac:spMkLst>
+            <pc:docMk/>
+            <pc:sldMk cId="4269169880" sldId="590"/>
+            <ac:spMk id="2" creationId="{668CB90D-6B56-0C2B-2165-622A9A577EB0}"/>
+          </ac:spMkLst>
+        </pc:spChg>
+        <pc:spChg chg="mod">
+          <ac:chgData name="Hughes, Joseph D" userId="bd5f5bbf-fc0b-41ca-af42-bfb8d56f1f7b" providerId="ADAL" clId="{A374137C-6414-C546-A0DB-659C9E0D3825}" dt="2023-01-06T17:01:21.261" v="204" actId="408"/>
+          <ac:spMkLst>
+            <pc:docMk/>
+            <pc:sldMk cId="4269169880" sldId="590"/>
+            <ac:spMk id="5" creationId="{283321DD-748A-BCE4-7997-B41C8BE7C12A}"/>
+          </ac:spMkLst>
+        </pc:spChg>
+        <pc:spChg chg="mod">
+          <ac:chgData name="Hughes, Joseph D" userId="bd5f5bbf-fc0b-41ca-af42-bfb8d56f1f7b" providerId="ADAL" clId="{A374137C-6414-C546-A0DB-659C9E0D3825}" dt="2023-01-06T17:01:21.261" v="204" actId="408"/>
+          <ac:spMkLst>
+            <pc:docMk/>
+            <pc:sldMk cId="4269169880" sldId="590"/>
+            <ac:spMk id="7" creationId="{BD3EB8DC-5A0A-7483-E10A-0DE4C3A30722}"/>
+          </ac:spMkLst>
+        </pc:spChg>
+        <pc:spChg chg="mod">
+          <ac:chgData name="Hughes, Joseph D" userId="bd5f5bbf-fc0b-41ca-af42-bfb8d56f1f7b" providerId="ADAL" clId="{A374137C-6414-C546-A0DB-659C9E0D3825}" dt="2023-01-06T17:01:21.261" v="204" actId="408"/>
+          <ac:spMkLst>
+            <pc:docMk/>
+            <pc:sldMk cId="4269169880" sldId="590"/>
+            <ac:spMk id="10" creationId="{23215490-A81C-45F0-0461-59D711A1C734}"/>
+          </ac:spMkLst>
+        </pc:spChg>
+        <pc:spChg chg="mod">
+          <ac:chgData name="Hughes, Joseph D" userId="bd5f5bbf-fc0b-41ca-af42-bfb8d56f1f7b" providerId="ADAL" clId="{A374137C-6414-C546-A0DB-659C9E0D3825}" dt="2023-01-06T17:01:21.261" v="204" actId="408"/>
+          <ac:spMkLst>
+            <pc:docMk/>
+            <pc:sldMk cId="4269169880" sldId="590"/>
+            <ac:spMk id="13" creationId="{68830C0E-C232-F6A4-DE64-58FBA560D5AB}"/>
+          </ac:spMkLst>
+        </pc:spChg>
+        <pc:spChg chg="mod">
+          <ac:chgData name="Hughes, Joseph D" userId="bd5f5bbf-fc0b-41ca-af42-bfb8d56f1f7b" providerId="ADAL" clId="{A374137C-6414-C546-A0DB-659C9E0D3825}" dt="2023-01-06T17:01:21.261" v="204" actId="408"/>
+          <ac:spMkLst>
+            <pc:docMk/>
+            <pc:sldMk cId="4269169880" sldId="590"/>
+            <ac:spMk id="14" creationId="{FDA6035D-CEB8-D094-86B5-C3308E00C495}"/>
+          </ac:spMkLst>
+        </pc:spChg>
+        <pc:spChg chg="mod">
+          <ac:chgData name="Hughes, Joseph D" userId="bd5f5bbf-fc0b-41ca-af42-bfb8d56f1f7b" providerId="ADAL" clId="{A374137C-6414-C546-A0DB-659C9E0D3825}" dt="2023-01-06T17:01:21.261" v="204" actId="408"/>
+          <ac:spMkLst>
+            <pc:docMk/>
+            <pc:sldMk cId="4269169880" sldId="590"/>
+            <ac:spMk id="15" creationId="{02B7163E-56A8-323C-A6CA-C67331DEE812}"/>
+          </ac:spMkLst>
+        </pc:spChg>
+        <pc:spChg chg="mod">
+          <ac:chgData name="Hughes, Joseph D" userId="bd5f5bbf-fc0b-41ca-af42-bfb8d56f1f7b" providerId="ADAL" clId="{A374137C-6414-C546-A0DB-659C9E0D3825}" dt="2023-01-06T17:01:21.261" v="204" actId="408"/>
+          <ac:spMkLst>
+            <pc:docMk/>
+            <pc:sldMk cId="4269169880" sldId="590"/>
+            <ac:spMk id="16" creationId="{14AB0B83-810A-824D-90DB-10C6CE2F7C39}"/>
+          </ac:spMkLst>
+        </pc:spChg>
+        <pc:spChg chg="mod">
+          <ac:chgData name="Hughes, Joseph D" userId="bd5f5bbf-fc0b-41ca-af42-bfb8d56f1f7b" providerId="ADAL" clId="{A374137C-6414-C546-A0DB-659C9E0D3825}" dt="2023-01-06T17:01:21.261" v="204" actId="408"/>
+          <ac:spMkLst>
+            <pc:docMk/>
+            <pc:sldMk cId="4269169880" sldId="590"/>
+            <ac:spMk id="17" creationId="{BFBE8C78-2823-63E7-980C-088E99830CB2}"/>
+          </ac:spMkLst>
+        </pc:spChg>
+        <pc:spChg chg="mod">
+          <ac:chgData name="Hughes, Joseph D" userId="bd5f5bbf-fc0b-41ca-af42-bfb8d56f1f7b" providerId="ADAL" clId="{A374137C-6414-C546-A0DB-659C9E0D3825}" dt="2023-01-06T17:01:21.261" v="204" actId="408"/>
+          <ac:spMkLst>
+            <pc:docMk/>
+            <pc:sldMk cId="4269169880" sldId="590"/>
+            <ac:spMk id="18" creationId="{481EC1FE-0A65-2874-1531-42022D3F5F7B}"/>
+          </ac:spMkLst>
+        </pc:spChg>
+        <pc:spChg chg="mod">
+          <ac:chgData name="Hughes, Joseph D" userId="bd5f5bbf-fc0b-41ca-af42-bfb8d56f1f7b" providerId="ADAL" clId="{A374137C-6414-C546-A0DB-659C9E0D3825}" dt="2023-01-06T17:01:21.261" v="204" actId="408"/>
+          <ac:spMkLst>
+            <pc:docMk/>
+            <pc:sldMk cId="4269169880" sldId="590"/>
+            <ac:spMk id="20" creationId="{F4A07C0D-4B19-2843-AE92-8DED09AD1E6C}"/>
+          </ac:spMkLst>
+        </pc:spChg>
+        <pc:grpChg chg="add mod">
+          <ac:chgData name="Hughes, Joseph D" userId="bd5f5bbf-fc0b-41ca-af42-bfb8d56f1f7b" providerId="ADAL" clId="{A374137C-6414-C546-A0DB-659C9E0D3825}" dt="2023-01-06T17:01:21.261" v="204" actId="408"/>
+          <ac:grpSpMkLst>
+            <pc:docMk/>
+            <pc:sldMk cId="4269169880" sldId="590"/>
+            <ac:grpSpMk id="3" creationId="{810B6BFD-5D8C-BC25-41BA-A2678458B372}"/>
+          </ac:grpSpMkLst>
+        </pc:grpChg>
+        <pc:grpChg chg="add mod">
+          <ac:chgData name="Hughes, Joseph D" userId="bd5f5bbf-fc0b-41ca-af42-bfb8d56f1f7b" providerId="ADAL" clId="{A374137C-6414-C546-A0DB-659C9E0D3825}" dt="2023-01-06T17:01:21.261" v="204" actId="408"/>
+          <ac:grpSpMkLst>
+            <pc:docMk/>
+            <pc:sldMk cId="4269169880" sldId="590"/>
+            <ac:grpSpMk id="6" creationId="{3E90E6D8-C240-C2CD-C85F-EFD65184E961}"/>
+          </ac:grpSpMkLst>
+        </pc:grpChg>
+        <pc:grpChg chg="mod">
+          <ac:chgData name="Hughes, Joseph D" userId="bd5f5bbf-fc0b-41ca-af42-bfb8d56f1f7b" providerId="ADAL" clId="{A374137C-6414-C546-A0DB-659C9E0D3825}" dt="2023-01-06T17:01:21.261" v="204" actId="408"/>
+          <ac:grpSpMkLst>
+            <pc:docMk/>
+            <pc:sldMk cId="4269169880" sldId="590"/>
+            <ac:grpSpMk id="8" creationId="{725080D9-1410-4D47-BB02-2D4102B093BD}"/>
+          </ac:grpSpMkLst>
+        </pc:grpChg>
+        <pc:grpChg chg="mod">
+          <ac:chgData name="Hughes, Joseph D" userId="bd5f5bbf-fc0b-41ca-af42-bfb8d56f1f7b" providerId="ADAL" clId="{A374137C-6414-C546-A0DB-659C9E0D3825}" dt="2023-01-06T17:01:21.261" v="204" actId="408"/>
+          <ac:grpSpMkLst>
+            <pc:docMk/>
+            <pc:sldMk cId="4269169880" sldId="590"/>
+            <ac:grpSpMk id="9" creationId="{03B81122-01CA-8A1D-28E8-0E81ECD91720}"/>
+          </ac:grpSpMkLst>
+        </pc:grpChg>
+        <pc:grpChg chg="add mod">
+          <ac:chgData name="Hughes, Joseph D" userId="bd5f5bbf-fc0b-41ca-af42-bfb8d56f1f7b" providerId="ADAL" clId="{A374137C-6414-C546-A0DB-659C9E0D3825}" dt="2023-01-06T17:01:21.261" v="204" actId="408"/>
+          <ac:grpSpMkLst>
+            <pc:docMk/>
+            <pc:sldMk cId="4269169880" sldId="590"/>
+            <ac:grpSpMk id="21" creationId="{36878509-41EF-325D-A59F-8639E6754B32}"/>
+          </ac:grpSpMkLst>
+        </pc:grpChg>
+        <pc:picChg chg="mod">
+          <ac:chgData name="Hughes, Joseph D" userId="bd5f5bbf-fc0b-41ca-af42-bfb8d56f1f7b" providerId="ADAL" clId="{A374137C-6414-C546-A0DB-659C9E0D3825}" dt="2023-01-06T17:01:21.261" v="204" actId="408"/>
+          <ac:picMkLst>
+            <pc:docMk/>
+            <pc:sldMk cId="4269169880" sldId="590"/>
+            <ac:picMk id="4" creationId="{08C465FB-4F2F-248D-D20A-97C9CB7C2267}"/>
+          </ac:picMkLst>
+        </pc:picChg>
+        <pc:picChg chg="mod">
+          <ac:chgData name="Hughes, Joseph D" userId="bd5f5bbf-fc0b-41ca-af42-bfb8d56f1f7b" providerId="ADAL" clId="{A374137C-6414-C546-A0DB-659C9E0D3825}" dt="2023-01-06T17:01:21.261" v="204" actId="408"/>
+          <ac:picMkLst>
+            <pc:docMk/>
+            <pc:sldMk cId="4269169880" sldId="590"/>
+            <ac:picMk id="12" creationId="{E40EE202-7F8F-E3BC-3395-52B93B741A39}"/>
+          </ac:picMkLst>
+        </pc:picChg>
+        <pc:cxnChg chg="mod">
+          <ac:chgData name="Hughes, Joseph D" userId="bd5f5bbf-fc0b-41ca-af42-bfb8d56f1f7b" providerId="ADAL" clId="{A374137C-6414-C546-A0DB-659C9E0D3825}" dt="2023-01-06T17:01:21.261" v="204" actId="408"/>
+          <ac:cxnSpMkLst>
+            <pc:docMk/>
+            <pc:sldMk cId="4269169880" sldId="590"/>
+            <ac:cxnSpMk id="11" creationId="{D6C35D57-40CE-753A-BDC6-6DB0434161A9}"/>
+          </ac:cxnSpMkLst>
+        </pc:cxnChg>
+        <pc:cxnChg chg="mod">
+          <ac:chgData name="Hughes, Joseph D" userId="bd5f5bbf-fc0b-41ca-af42-bfb8d56f1f7b" providerId="ADAL" clId="{A374137C-6414-C546-A0DB-659C9E0D3825}" dt="2023-01-06T17:01:21.261" v="204" actId="408"/>
+          <ac:cxnSpMkLst>
+            <pc:docMk/>
+            <pc:sldMk cId="4269169880" sldId="590"/>
+            <ac:cxnSpMk id="19" creationId="{5C4BBAC6-9689-1CDF-0A38-7F5DC695A55A}"/>
+          </ac:cxnSpMkLst>
+        </pc:cxnChg>
+      </pc:sldChg>
+      <pc:sldChg chg="addSp modSp new mod">
+        <pc:chgData name="Hughes, Joseph D" userId="bd5f5bbf-fc0b-41ca-af42-bfb8d56f1f7b" providerId="ADAL" clId="{A374137C-6414-C546-A0DB-659C9E0D3825}" dt="2023-01-06T17:03:27.265" v="254" actId="207"/>
+        <pc:sldMkLst>
+          <pc:docMk/>
+          <pc:sldMk cId="1032583875" sldId="591"/>
+        </pc:sldMkLst>
+        <pc:spChg chg="mod">
+          <ac:chgData name="Hughes, Joseph D" userId="bd5f5bbf-fc0b-41ca-af42-bfb8d56f1f7b" providerId="ADAL" clId="{A374137C-6414-C546-A0DB-659C9E0D3825}" dt="2023-01-06T17:01:55.972" v="239" actId="20577"/>
+          <ac:spMkLst>
+            <pc:docMk/>
+            <pc:sldMk cId="1032583875" sldId="591"/>
+            <ac:spMk id="2" creationId="{8FFD23D5-28DD-D49B-6EB4-BDEC9427B37F}"/>
+          </ac:spMkLst>
+        </pc:spChg>
+        <pc:spChg chg="mod">
+          <ac:chgData name="Hughes, Joseph D" userId="bd5f5bbf-fc0b-41ca-af42-bfb8d56f1f7b" providerId="ADAL" clId="{A374137C-6414-C546-A0DB-659C9E0D3825}" dt="2023-01-06T17:02:49.694" v="251" actId="14100"/>
+          <ac:spMkLst>
+            <pc:docMk/>
+            <pc:sldMk cId="1032583875" sldId="591"/>
+            <ac:spMk id="3" creationId="{7CE71BDD-0894-7506-8876-C0D066EB3DA5}"/>
+          </ac:spMkLst>
+        </pc:spChg>
+        <pc:spChg chg="mod">
+          <ac:chgData name="Hughes, Joseph D" userId="bd5f5bbf-fc0b-41ca-af42-bfb8d56f1f7b" providerId="ADAL" clId="{A374137C-6414-C546-A0DB-659C9E0D3825}" dt="2023-01-06T17:03:27.265" v="254" actId="207"/>
+          <ac:spMkLst>
+            <pc:docMk/>
+            <pc:sldMk cId="1032583875" sldId="591"/>
+            <ac:spMk id="5" creationId="{754D30DD-CCB6-691C-C69D-6FB51F5E5F38}"/>
+          </ac:spMkLst>
+        </pc:spChg>
+        <pc:spChg chg="mod">
+          <ac:chgData name="Hughes, Joseph D" userId="bd5f5bbf-fc0b-41ca-af42-bfb8d56f1f7b" providerId="ADAL" clId="{A374137C-6414-C546-A0DB-659C9E0D3825}" dt="2023-01-06T17:02:43.222" v="250"/>
+          <ac:spMkLst>
+            <pc:docMk/>
+            <pc:sldMk cId="1032583875" sldId="591"/>
+            <ac:spMk id="8" creationId="{9B913C15-E8AE-136A-759F-DB9F4E89EBB0}"/>
+          </ac:spMkLst>
+        </pc:spChg>
+        <pc:spChg chg="mod">
+          <ac:chgData name="Hughes, Joseph D" userId="bd5f5bbf-fc0b-41ca-af42-bfb8d56f1f7b" providerId="ADAL" clId="{A374137C-6414-C546-A0DB-659C9E0D3825}" dt="2023-01-06T17:02:43.222" v="250"/>
+          <ac:spMkLst>
+            <pc:docMk/>
+            <pc:sldMk cId="1032583875" sldId="591"/>
+            <ac:spMk id="11" creationId="{57592B4A-A8B8-778B-68DB-F432732AAD2D}"/>
+          </ac:spMkLst>
+        </pc:spChg>
+        <pc:spChg chg="mod">
+          <ac:chgData name="Hughes, Joseph D" userId="bd5f5bbf-fc0b-41ca-af42-bfb8d56f1f7b" providerId="ADAL" clId="{A374137C-6414-C546-A0DB-659C9E0D3825}" dt="2023-01-06T17:02:43.222" v="250"/>
+          <ac:spMkLst>
+            <pc:docMk/>
+            <pc:sldMk cId="1032583875" sldId="591"/>
+            <ac:spMk id="12" creationId="{3DB73275-33FC-2729-CA9B-09AD26CC2B6B}"/>
+          </ac:spMkLst>
+        </pc:spChg>
+        <pc:spChg chg="mod">
+          <ac:chgData name="Hughes, Joseph D" userId="bd5f5bbf-fc0b-41ca-af42-bfb8d56f1f7b" providerId="ADAL" clId="{A374137C-6414-C546-A0DB-659C9E0D3825}" dt="2023-01-06T17:02:43.222" v="250"/>
+          <ac:spMkLst>
+            <pc:docMk/>
+            <pc:sldMk cId="1032583875" sldId="591"/>
+            <ac:spMk id="13" creationId="{6FA65FA8-0970-C932-A665-E824FA90F228}"/>
+          </ac:spMkLst>
+        </pc:spChg>
+        <pc:spChg chg="mod">
+          <ac:chgData name="Hughes, Joseph D" userId="bd5f5bbf-fc0b-41ca-af42-bfb8d56f1f7b" providerId="ADAL" clId="{A374137C-6414-C546-A0DB-659C9E0D3825}" dt="2023-01-06T17:02:43.222" v="250"/>
+          <ac:spMkLst>
+            <pc:docMk/>
+            <pc:sldMk cId="1032583875" sldId="591"/>
+            <ac:spMk id="14" creationId="{EF46A380-0B43-5585-5161-31A796C81D3B}"/>
+          </ac:spMkLst>
+        </pc:spChg>
+        <pc:spChg chg="mod">
+          <ac:chgData name="Hughes, Joseph D" userId="bd5f5bbf-fc0b-41ca-af42-bfb8d56f1f7b" providerId="ADAL" clId="{A374137C-6414-C546-A0DB-659C9E0D3825}" dt="2023-01-06T17:02:43.222" v="250"/>
+          <ac:spMkLst>
+            <pc:docMk/>
+            <pc:sldMk cId="1032583875" sldId="591"/>
+            <ac:spMk id="15" creationId="{D2A726E4-AF7D-666E-D832-F3424717FE16}"/>
+          </ac:spMkLst>
+        </pc:spChg>
+        <pc:spChg chg="mod">
+          <ac:chgData name="Hughes, Joseph D" userId="bd5f5bbf-fc0b-41ca-af42-bfb8d56f1f7b" providerId="ADAL" clId="{A374137C-6414-C546-A0DB-659C9E0D3825}" dt="2023-01-06T17:02:43.222" v="250"/>
+          <ac:spMkLst>
+            <pc:docMk/>
+            <pc:sldMk cId="1032583875" sldId="591"/>
+            <ac:spMk id="16" creationId="{A820188E-E26C-1A56-537D-EFE0D6A69D01}"/>
+          </ac:spMkLst>
+        </pc:spChg>
+        <pc:spChg chg="mod">
+          <ac:chgData name="Hughes, Joseph D" userId="bd5f5bbf-fc0b-41ca-af42-bfb8d56f1f7b" providerId="ADAL" clId="{A374137C-6414-C546-A0DB-659C9E0D3825}" dt="2023-01-06T17:02:43.222" v="250"/>
+          <ac:spMkLst>
+            <pc:docMk/>
+            <pc:sldMk cId="1032583875" sldId="591"/>
+            <ac:spMk id="18" creationId="{0C2B508C-FF69-6ECD-A59D-2262C63D2F01}"/>
+          </ac:spMkLst>
+        </pc:spChg>
+        <pc:grpChg chg="add mod">
+          <ac:chgData name="Hughes, Joseph D" userId="bd5f5bbf-fc0b-41ca-af42-bfb8d56f1f7b" providerId="ADAL" clId="{A374137C-6414-C546-A0DB-659C9E0D3825}" dt="2023-01-06T17:02:55.834" v="253" actId="1076"/>
+          <ac:grpSpMkLst>
+            <pc:docMk/>
+            <pc:sldMk cId="1032583875" sldId="591"/>
+            <ac:grpSpMk id="4" creationId="{44BBFB00-7FD0-3F18-ABE8-CD4BE1575FFE}"/>
+          </ac:grpSpMkLst>
+        </pc:grpChg>
+        <pc:grpChg chg="mod">
+          <ac:chgData name="Hughes, Joseph D" userId="bd5f5bbf-fc0b-41ca-af42-bfb8d56f1f7b" providerId="ADAL" clId="{A374137C-6414-C546-A0DB-659C9E0D3825}" dt="2023-01-06T17:02:43.222" v="250"/>
+          <ac:grpSpMkLst>
+            <pc:docMk/>
+            <pc:sldMk cId="1032583875" sldId="591"/>
+            <ac:grpSpMk id="6" creationId="{27927262-E3BA-A7DE-A909-96D41FE67256}"/>
+          </ac:grpSpMkLst>
+        </pc:grpChg>
+        <pc:grpChg chg="mod">
+          <ac:chgData name="Hughes, Joseph D" userId="bd5f5bbf-fc0b-41ca-af42-bfb8d56f1f7b" providerId="ADAL" clId="{A374137C-6414-C546-A0DB-659C9E0D3825}" dt="2023-01-06T17:02:43.222" v="250"/>
+          <ac:grpSpMkLst>
+            <pc:docMk/>
+            <pc:sldMk cId="1032583875" sldId="591"/>
+            <ac:grpSpMk id="7" creationId="{0E6F22E9-FF9F-1A43-C540-54E57FB989D2}"/>
+          </ac:grpSpMkLst>
+        </pc:grpChg>
+        <pc:picChg chg="mod">
+          <ac:chgData name="Hughes, Joseph D" userId="bd5f5bbf-fc0b-41ca-af42-bfb8d56f1f7b" providerId="ADAL" clId="{A374137C-6414-C546-A0DB-659C9E0D3825}" dt="2023-01-06T17:02:43.222" v="250"/>
+          <ac:picMkLst>
+            <pc:docMk/>
+            <pc:sldMk cId="1032583875" sldId="591"/>
+            <ac:picMk id="10" creationId="{AADC792A-C756-7E93-11D1-60CA74190FFF}"/>
+          </ac:picMkLst>
+        </pc:picChg>
+        <pc:cxnChg chg="mod">
+          <ac:chgData name="Hughes, Joseph D" userId="bd5f5bbf-fc0b-41ca-af42-bfb8d56f1f7b" providerId="ADAL" clId="{A374137C-6414-C546-A0DB-659C9E0D3825}" dt="2023-01-06T17:02:43.222" v="250"/>
+          <ac:cxnSpMkLst>
+            <pc:docMk/>
+            <pc:sldMk cId="1032583875" sldId="591"/>
+            <ac:cxnSpMk id="9" creationId="{F5A7AC6B-0BBB-7A37-FE0C-89D8D1F4125D}"/>
+          </ac:cxnSpMkLst>
+        </pc:cxnChg>
+        <pc:cxnChg chg="mod">
+          <ac:chgData name="Hughes, Joseph D" userId="bd5f5bbf-fc0b-41ca-af42-bfb8d56f1f7b" providerId="ADAL" clId="{A374137C-6414-C546-A0DB-659C9E0D3825}" dt="2023-01-06T17:02:43.222" v="250"/>
+          <ac:cxnSpMkLst>
+            <pc:docMk/>
+            <pc:sldMk cId="1032583875" sldId="591"/>
+            <ac:cxnSpMk id="17" creationId="{3D3BDBE3-9855-1059-40A5-E51D23F4D97E}"/>
+          </ac:cxnSpMkLst>
+        </pc:cxnChg>
+      </pc:sldChg>
+      <pc:sldChg chg="modSp add mod">
+        <pc:chgData name="Hughes, Joseph D" userId="bd5f5bbf-fc0b-41ca-af42-bfb8d56f1f7b" providerId="ADAL" clId="{A374137C-6414-C546-A0DB-659C9E0D3825}" dt="2023-01-06T17:14:07.171" v="270" actId="20577"/>
+        <pc:sldMkLst>
+          <pc:docMk/>
+          <pc:sldMk cId="646944386" sldId="592"/>
+        </pc:sldMkLst>
+        <pc:spChg chg="mod">
+          <ac:chgData name="Hughes, Joseph D" userId="bd5f5bbf-fc0b-41ca-af42-bfb8d56f1f7b" providerId="ADAL" clId="{A374137C-6414-C546-A0DB-659C9E0D3825}" dt="2023-01-06T17:14:07.171" v="270" actId="20577"/>
+          <ac:spMkLst>
+            <pc:docMk/>
+            <pc:sldMk cId="646944386" sldId="592"/>
+            <ac:spMk id="3" creationId="{7CE71BDD-0894-7506-8876-C0D066EB3DA5}"/>
+          </ac:spMkLst>
+        </pc:spChg>
+      </pc:sldChg>
+      <pc:sldChg chg="addSp modSp new mod ord">
+        <pc:chgData name="Hughes, Joseph D" userId="bd5f5bbf-fc0b-41ca-af42-bfb8d56f1f7b" providerId="ADAL" clId="{A374137C-6414-C546-A0DB-659C9E0D3825}" dt="2023-01-06T17:17:25.488" v="344" actId="20578"/>
+        <pc:sldMkLst>
+          <pc:docMk/>
+          <pc:sldMk cId="4082192752" sldId="593"/>
+        </pc:sldMkLst>
+        <pc:spChg chg="mod">
+          <ac:chgData name="Hughes, Joseph D" userId="bd5f5bbf-fc0b-41ca-af42-bfb8d56f1f7b" providerId="ADAL" clId="{A374137C-6414-C546-A0DB-659C9E0D3825}" dt="2023-01-06T17:16:52.229" v="341" actId="6549"/>
+          <ac:spMkLst>
+            <pc:docMk/>
+            <pc:sldMk cId="4082192752" sldId="593"/>
+            <ac:spMk id="2" creationId="{FBE6D766-7D3F-AC3B-AFDF-D4D0DA2F8809}"/>
+          </ac:spMkLst>
+        </pc:spChg>
+        <pc:spChg chg="mod">
+          <ac:chgData name="Hughes, Joseph D" userId="bd5f5bbf-fc0b-41ca-af42-bfb8d56f1f7b" providerId="ADAL" clId="{A374137C-6414-C546-A0DB-659C9E0D3825}" dt="2023-01-06T17:15:58.438" v="313" actId="14100"/>
+          <ac:spMkLst>
+            <pc:docMk/>
+            <pc:sldMk cId="4082192752" sldId="593"/>
+            <ac:spMk id="3" creationId="{B8E032F2-7ADA-0176-9C6B-444767E1851C}"/>
+          </ac:spMkLst>
+        </pc:spChg>
+        <pc:picChg chg="add mod modCrop">
+          <ac:chgData name="Hughes, Joseph D" userId="bd5f5bbf-fc0b-41ca-af42-bfb8d56f1f7b" providerId="ADAL" clId="{A374137C-6414-C546-A0DB-659C9E0D3825}" dt="2023-01-06T17:16:34.587" v="319" actId="1076"/>
+          <ac:picMkLst>
+            <pc:docMk/>
+            <pc:sldMk cId="4082192752" sldId="593"/>
+            <ac:picMk id="4" creationId="{3FBC341C-8997-5525-5BAD-646957493876}"/>
+          </ac:picMkLst>
+        </pc:picChg>
+      </pc:sldChg>
+      <pc:sldChg chg="modSp add mod ord">
+        <pc:chgData name="Hughes, Joseph D" userId="bd5f5bbf-fc0b-41ca-af42-bfb8d56f1f7b" providerId="ADAL" clId="{A374137C-6414-C546-A0DB-659C9E0D3825}" dt="2023-01-06T20:49:52.281" v="986" actId="20577"/>
+        <pc:sldMkLst>
+          <pc:docMk/>
+          <pc:sldMk cId="3702308191" sldId="594"/>
+        </pc:sldMkLst>
+        <pc:spChg chg="mod">
+          <ac:chgData name="Hughes, Joseph D" userId="bd5f5bbf-fc0b-41ca-af42-bfb8d56f1f7b" providerId="ADAL" clId="{A374137C-6414-C546-A0DB-659C9E0D3825}" dt="2023-01-06T17:18:27.027" v="394" actId="20577"/>
+          <ac:spMkLst>
+            <pc:docMk/>
+            <pc:sldMk cId="3702308191" sldId="594"/>
+            <ac:spMk id="2" creationId="{8FFD23D5-28DD-D49B-6EB4-BDEC9427B37F}"/>
+          </ac:spMkLst>
+        </pc:spChg>
+        <pc:spChg chg="mod">
+          <ac:chgData name="Hughes, Joseph D" userId="bd5f5bbf-fc0b-41ca-af42-bfb8d56f1f7b" providerId="ADAL" clId="{A374137C-6414-C546-A0DB-659C9E0D3825}" dt="2023-01-06T20:49:52.281" v="986" actId="20577"/>
+          <ac:spMkLst>
+            <pc:docMk/>
+            <pc:sldMk cId="3702308191" sldId="594"/>
+            <ac:spMk id="3" creationId="{7CE71BDD-0894-7506-8876-C0D066EB3DA5}"/>
+          </ac:spMkLst>
+        </pc:spChg>
+      </pc:sldChg>
+      <pc:sldChg chg="modSp add mod">
+        <pc:chgData name="Hughes, Joseph D" userId="bd5f5bbf-fc0b-41ca-af42-bfb8d56f1f7b" providerId="ADAL" clId="{A374137C-6414-C546-A0DB-659C9E0D3825}" dt="2023-01-06T17:20:27.018" v="447" actId="20577"/>
+        <pc:sldMkLst>
+          <pc:docMk/>
+          <pc:sldMk cId="2418929152" sldId="595"/>
+        </pc:sldMkLst>
+        <pc:spChg chg="mod">
+          <ac:chgData name="Hughes, Joseph D" userId="bd5f5bbf-fc0b-41ca-af42-bfb8d56f1f7b" providerId="ADAL" clId="{A374137C-6414-C546-A0DB-659C9E0D3825}" dt="2023-01-06T17:20:27.018" v="447" actId="20577"/>
+          <ac:spMkLst>
+            <pc:docMk/>
+            <pc:sldMk cId="2418929152" sldId="595"/>
+            <ac:spMk id="3" creationId="{7CE71BDD-0894-7506-8876-C0D066EB3DA5}"/>
+          </ac:spMkLst>
+        </pc:spChg>
+      </pc:sldChg>
+      <pc:sldChg chg="modSp add mod">
+        <pc:chgData name="Hughes, Joseph D" userId="bd5f5bbf-fc0b-41ca-af42-bfb8d56f1f7b" providerId="ADAL" clId="{A374137C-6414-C546-A0DB-659C9E0D3825}" dt="2023-01-06T20:40:30.686" v="753" actId="20577"/>
+        <pc:sldMkLst>
+          <pc:docMk/>
+          <pc:sldMk cId="843935089" sldId="596"/>
+        </pc:sldMkLst>
+        <pc:spChg chg="mod">
+          <ac:chgData name="Hughes, Joseph D" userId="bd5f5bbf-fc0b-41ca-af42-bfb8d56f1f7b" providerId="ADAL" clId="{A374137C-6414-C546-A0DB-659C9E0D3825}" dt="2023-01-06T17:21:38.366" v="473" actId="20577"/>
+          <ac:spMkLst>
+            <pc:docMk/>
+            <pc:sldMk cId="843935089" sldId="596"/>
+            <ac:spMk id="2" creationId="{8FFD23D5-28DD-D49B-6EB4-BDEC9427B37F}"/>
+          </ac:spMkLst>
+        </pc:spChg>
+        <pc:spChg chg="mod">
+          <ac:chgData name="Hughes, Joseph D" userId="bd5f5bbf-fc0b-41ca-af42-bfb8d56f1f7b" providerId="ADAL" clId="{A374137C-6414-C546-A0DB-659C9E0D3825}" dt="2023-01-06T20:40:30.686" v="753" actId="20577"/>
+          <ac:spMkLst>
+            <pc:docMk/>
+            <pc:sldMk cId="843935089" sldId="596"/>
+            <ac:spMk id="3" creationId="{7CE71BDD-0894-7506-8876-C0D066EB3DA5}"/>
+          </ac:spMkLst>
+        </pc:spChg>
+      </pc:sldChg>
+      <pc:sldChg chg="modSp add mod">
+        <pc:chgData name="Hughes, Joseph D" userId="bd5f5bbf-fc0b-41ca-af42-bfb8d56f1f7b" providerId="ADAL" clId="{A374137C-6414-C546-A0DB-659C9E0D3825}" dt="2023-01-06T20:41:43.903" v="763" actId="5793"/>
+        <pc:sldMkLst>
+          <pc:docMk/>
+          <pc:sldMk cId="2970425097" sldId="597"/>
+        </pc:sldMkLst>
+        <pc:spChg chg="mod">
+          <ac:chgData name="Hughes, Joseph D" userId="bd5f5bbf-fc0b-41ca-af42-bfb8d56f1f7b" providerId="ADAL" clId="{A374137C-6414-C546-A0DB-659C9E0D3825}" dt="2023-01-06T20:41:43.903" v="763" actId="5793"/>
+          <ac:spMkLst>
+            <pc:docMk/>
+            <pc:sldMk cId="2970425097" sldId="597"/>
+            <ac:spMk id="3" creationId="{7CE71BDD-0894-7506-8876-C0D066EB3DA5}"/>
+          </ac:spMkLst>
+        </pc:spChg>
+      </pc:sldChg>
+      <pc:sldChg chg="new">
+        <pc:chgData name="Hughes, Joseph D" userId="bd5f5bbf-fc0b-41ca-af42-bfb8d56f1f7b" providerId="ADAL" clId="{A374137C-6414-C546-A0DB-659C9E0D3825}" dt="2023-01-06T20:41:59.198" v="764" actId="680"/>
+        <pc:sldMkLst>
+          <pc:docMk/>
+          <pc:sldMk cId="2736229985" sldId="598"/>
+        </pc:sldMkLst>
+      </pc:sldChg>
+      <pc:sldChg chg="addSp modSp new mod ord">
+        <pc:chgData name="Hughes, Joseph D" userId="bd5f5bbf-fc0b-41ca-af42-bfb8d56f1f7b" providerId="ADAL" clId="{A374137C-6414-C546-A0DB-659C9E0D3825}" dt="2023-01-06T20:45:58.480" v="824" actId="20578"/>
+        <pc:sldMkLst>
+          <pc:docMk/>
+          <pc:sldMk cId="3732661214" sldId="599"/>
+        </pc:sldMkLst>
+        <pc:spChg chg="mod">
+          <ac:chgData name="Hughes, Joseph D" userId="bd5f5bbf-fc0b-41ca-af42-bfb8d56f1f7b" providerId="ADAL" clId="{A374137C-6414-C546-A0DB-659C9E0D3825}" dt="2023-01-06T20:42:53.966" v="808" actId="20577"/>
+          <ac:spMkLst>
+            <pc:docMk/>
+            <pc:sldMk cId="3732661214" sldId="599"/>
+            <ac:spMk id="2" creationId="{62A1A35F-8F3C-4881-EF50-E4349D1F1F17}"/>
+          </ac:spMkLst>
+        </pc:spChg>
+        <pc:spChg chg="mod">
+          <ac:chgData name="Hughes, Joseph D" userId="bd5f5bbf-fc0b-41ca-af42-bfb8d56f1f7b" providerId="ADAL" clId="{A374137C-6414-C546-A0DB-659C9E0D3825}" dt="2023-01-06T20:44:35.405" v="819" actId="408"/>
+          <ac:spMkLst>
+            <pc:docMk/>
+            <pc:sldMk cId="3732661214" sldId="599"/>
+            <ac:spMk id="4" creationId="{5AFF0C9F-0C47-57C3-2930-B0F37B0FFCD5}"/>
+          </ac:spMkLst>
+        </pc:spChg>
+        <pc:spChg chg="mod">
+          <ac:chgData name="Hughes, Joseph D" userId="bd5f5bbf-fc0b-41ca-af42-bfb8d56f1f7b" providerId="ADAL" clId="{A374137C-6414-C546-A0DB-659C9E0D3825}" dt="2023-01-06T20:44:35.405" v="819" actId="408"/>
+          <ac:spMkLst>
+            <pc:docMk/>
+            <pc:sldMk cId="3732661214" sldId="599"/>
+            <ac:spMk id="7" creationId="{2172EF27-9BD6-A9D9-253C-730275C8E5C7}"/>
+          </ac:spMkLst>
+        </pc:spChg>
+        <pc:spChg chg="mod">
+          <ac:chgData name="Hughes, Joseph D" userId="bd5f5bbf-fc0b-41ca-af42-bfb8d56f1f7b" providerId="ADAL" clId="{A374137C-6414-C546-A0DB-659C9E0D3825}" dt="2023-01-06T20:44:35.405" v="819" actId="408"/>
+          <ac:spMkLst>
+            <pc:docMk/>
+            <pc:sldMk cId="3732661214" sldId="599"/>
+            <ac:spMk id="10" creationId="{CB4136D5-8549-9A79-2F6A-591E36EBB419}"/>
+          </ac:spMkLst>
+        </pc:spChg>
+        <pc:spChg chg="mod">
+          <ac:chgData name="Hughes, Joseph D" userId="bd5f5bbf-fc0b-41ca-af42-bfb8d56f1f7b" providerId="ADAL" clId="{A374137C-6414-C546-A0DB-659C9E0D3825}" dt="2023-01-06T20:44:35.405" v="819" actId="408"/>
+          <ac:spMkLst>
+            <pc:docMk/>
+            <pc:sldMk cId="3732661214" sldId="599"/>
+            <ac:spMk id="11" creationId="{54B29849-7174-249B-6361-8A9DEB56D158}"/>
+          </ac:spMkLst>
+        </pc:spChg>
+        <pc:spChg chg="mod">
+          <ac:chgData name="Hughes, Joseph D" userId="bd5f5bbf-fc0b-41ca-af42-bfb8d56f1f7b" providerId="ADAL" clId="{A374137C-6414-C546-A0DB-659C9E0D3825}" dt="2023-01-06T20:44:35.405" v="819" actId="408"/>
+          <ac:spMkLst>
+            <pc:docMk/>
+            <pc:sldMk cId="3732661214" sldId="599"/>
+            <ac:spMk id="12" creationId="{251C3BF1-7D77-6BBE-32AE-E5704673DAF9}"/>
+          </ac:spMkLst>
+        </pc:spChg>
+        <pc:spChg chg="mod">
+          <ac:chgData name="Hughes, Joseph D" userId="bd5f5bbf-fc0b-41ca-af42-bfb8d56f1f7b" providerId="ADAL" clId="{A374137C-6414-C546-A0DB-659C9E0D3825}" dt="2023-01-06T20:44:35.405" v="819" actId="408"/>
+          <ac:spMkLst>
+            <pc:docMk/>
+            <pc:sldMk cId="3732661214" sldId="599"/>
+            <ac:spMk id="13" creationId="{C13F8DD4-518B-C310-756B-BAA1338D05D2}"/>
+          </ac:spMkLst>
+        </pc:spChg>
+        <pc:spChg chg="mod">
+          <ac:chgData name="Hughes, Joseph D" userId="bd5f5bbf-fc0b-41ca-af42-bfb8d56f1f7b" providerId="ADAL" clId="{A374137C-6414-C546-A0DB-659C9E0D3825}" dt="2023-01-06T20:44:35.405" v="819" actId="408"/>
+          <ac:spMkLst>
+            <pc:docMk/>
+            <pc:sldMk cId="3732661214" sldId="599"/>
+            <ac:spMk id="14" creationId="{F84BB205-6328-C52D-8603-4BAD73033E23}"/>
+          </ac:spMkLst>
+        </pc:spChg>
+        <pc:spChg chg="mod">
+          <ac:chgData name="Hughes, Joseph D" userId="bd5f5bbf-fc0b-41ca-af42-bfb8d56f1f7b" providerId="ADAL" clId="{A374137C-6414-C546-A0DB-659C9E0D3825}" dt="2023-01-06T20:44:35.405" v="819" actId="408"/>
+          <ac:spMkLst>
+            <pc:docMk/>
+            <pc:sldMk cId="3732661214" sldId="599"/>
+            <ac:spMk id="15" creationId="{31E89CDD-3EA1-E51E-860A-22A1C3DD7F62}"/>
+          </ac:spMkLst>
+        </pc:spChg>
+        <pc:spChg chg="mod">
+          <ac:chgData name="Hughes, Joseph D" userId="bd5f5bbf-fc0b-41ca-af42-bfb8d56f1f7b" providerId="ADAL" clId="{A374137C-6414-C546-A0DB-659C9E0D3825}" dt="2023-01-06T20:44:35.405" v="819" actId="408"/>
+          <ac:spMkLst>
+            <pc:docMk/>
+            <pc:sldMk cId="3732661214" sldId="599"/>
+            <ac:spMk id="17" creationId="{203587F8-41DA-3C12-B5BD-D6DEB2E013E2}"/>
+          </ac:spMkLst>
+        </pc:spChg>
+        <pc:grpChg chg="add mod">
+          <ac:chgData name="Hughes, Joseph D" userId="bd5f5bbf-fc0b-41ca-af42-bfb8d56f1f7b" providerId="ADAL" clId="{A374137C-6414-C546-A0DB-659C9E0D3825}" dt="2023-01-06T20:44:35.405" v="819" actId="408"/>
+          <ac:grpSpMkLst>
+            <pc:docMk/>
+            <pc:sldMk cId="3732661214" sldId="599"/>
+            <ac:grpSpMk id="3" creationId="{688D95F6-F793-BBEF-71AC-BD645DDEB5E6}"/>
+          </ac:grpSpMkLst>
+        </pc:grpChg>
+        <pc:grpChg chg="mod">
+          <ac:chgData name="Hughes, Joseph D" userId="bd5f5bbf-fc0b-41ca-af42-bfb8d56f1f7b" providerId="ADAL" clId="{A374137C-6414-C546-A0DB-659C9E0D3825}" dt="2023-01-06T20:44:35.405" v="819" actId="408"/>
+          <ac:grpSpMkLst>
+            <pc:docMk/>
+            <pc:sldMk cId="3732661214" sldId="599"/>
+            <ac:grpSpMk id="5" creationId="{14FBD282-CDB4-BD67-83A5-3340B0B2C8AE}"/>
+          </ac:grpSpMkLst>
+        </pc:grpChg>
+        <pc:grpChg chg="mod">
+          <ac:chgData name="Hughes, Joseph D" userId="bd5f5bbf-fc0b-41ca-af42-bfb8d56f1f7b" providerId="ADAL" clId="{A374137C-6414-C546-A0DB-659C9E0D3825}" dt="2023-01-06T20:44:35.405" v="819" actId="408"/>
+          <ac:grpSpMkLst>
+            <pc:docMk/>
+            <pc:sldMk cId="3732661214" sldId="599"/>
+            <ac:grpSpMk id="6" creationId="{70D33C3D-E315-9753-86E4-81C2359300CC}"/>
+          </ac:grpSpMkLst>
+        </pc:grpChg>
+        <pc:grpChg chg="add mod">
+          <ac:chgData name="Hughes, Joseph D" userId="bd5f5bbf-fc0b-41ca-af42-bfb8d56f1f7b" providerId="ADAL" clId="{A374137C-6414-C546-A0DB-659C9E0D3825}" dt="2023-01-06T20:44:35.405" v="819" actId="408"/>
+          <ac:grpSpMkLst>
+            <pc:docMk/>
+            <pc:sldMk cId="3732661214" sldId="599"/>
+            <ac:grpSpMk id="19" creationId="{66EABAB2-2525-8463-30AA-D469E93C2B93}"/>
+          </ac:grpSpMkLst>
+        </pc:grpChg>
+        <pc:picChg chg="mod">
+          <ac:chgData name="Hughes, Joseph D" userId="bd5f5bbf-fc0b-41ca-af42-bfb8d56f1f7b" providerId="ADAL" clId="{A374137C-6414-C546-A0DB-659C9E0D3825}" dt="2023-01-06T20:44:35.405" v="819" actId="408"/>
+          <ac:picMkLst>
+            <pc:docMk/>
+            <pc:sldMk cId="3732661214" sldId="599"/>
+            <ac:picMk id="9" creationId="{16C11EC6-B341-1F43-AE8D-857DD6B05DFC}"/>
+          </ac:picMkLst>
+        </pc:picChg>
+        <pc:picChg chg="add mod modCrop">
+          <ac:chgData name="Hughes, Joseph D" userId="bd5f5bbf-fc0b-41ca-af42-bfb8d56f1f7b" providerId="ADAL" clId="{A374137C-6414-C546-A0DB-659C9E0D3825}" dt="2023-01-06T20:44:35.405" v="819" actId="408"/>
+          <ac:picMkLst>
+            <pc:docMk/>
+            <pc:sldMk cId="3732661214" sldId="599"/>
+            <ac:picMk id="18" creationId="{448A7537-EFC2-5AA0-C9A5-7E4B9BE46521}"/>
+          </ac:picMkLst>
+        </pc:picChg>
+        <pc:cxnChg chg="mod">
+          <ac:chgData name="Hughes, Joseph D" userId="bd5f5bbf-fc0b-41ca-af42-bfb8d56f1f7b" providerId="ADAL" clId="{A374137C-6414-C546-A0DB-659C9E0D3825}" dt="2023-01-06T20:44:35.405" v="819" actId="408"/>
+          <ac:cxnSpMkLst>
+            <pc:docMk/>
+            <pc:sldMk cId="3732661214" sldId="599"/>
+            <ac:cxnSpMk id="8" creationId="{687173BF-8CA6-FB7A-6DC3-D1C991785033}"/>
+          </ac:cxnSpMkLst>
+        </pc:cxnChg>
+        <pc:cxnChg chg="mod">
+          <ac:chgData name="Hughes, Joseph D" userId="bd5f5bbf-fc0b-41ca-af42-bfb8d56f1f7b" providerId="ADAL" clId="{A374137C-6414-C546-A0DB-659C9E0D3825}" dt="2023-01-06T20:44:35.405" v="819" actId="408"/>
+          <ac:cxnSpMkLst>
+            <pc:docMk/>
+            <pc:sldMk cId="3732661214" sldId="599"/>
+            <ac:cxnSpMk id="16" creationId="{5FC4BD74-B2BA-F1D1-FD5B-BC92D5327F13}"/>
+          </ac:cxnSpMkLst>
+        </pc:cxnChg>
+      </pc:sldChg>
+      <pc:sldChg chg="modSp add mod ord">
+        <pc:chgData name="Hughes, Joseph D" userId="bd5f5bbf-fc0b-41ca-af42-bfb8d56f1f7b" providerId="ADAL" clId="{A374137C-6414-C546-A0DB-659C9E0D3825}" dt="2023-01-06T20:50:23.107" v="988" actId="20577"/>
+        <pc:sldMkLst>
+          <pc:docMk/>
+          <pc:sldMk cId="92902084" sldId="600"/>
+        </pc:sldMkLst>
+        <pc:spChg chg="mod">
+          <ac:chgData name="Hughes, Joseph D" userId="bd5f5bbf-fc0b-41ca-af42-bfb8d56f1f7b" providerId="ADAL" clId="{A374137C-6414-C546-A0DB-659C9E0D3825}" dt="2023-01-06T20:50:23.107" v="988" actId="20577"/>
+          <ac:spMkLst>
+            <pc:docMk/>
+            <pc:sldMk cId="92902084" sldId="600"/>
+            <ac:spMk id="3" creationId="{7CE71BDD-0894-7506-8876-C0D066EB3DA5}"/>
+          </ac:spMkLst>
+        </pc:spChg>
+      </pc:sldChg>
+      <pc:sldChg chg="modSp new mod">
+        <pc:chgData name="Hughes, Joseph D" userId="bd5f5bbf-fc0b-41ca-af42-bfb8d56f1f7b" providerId="ADAL" clId="{A374137C-6414-C546-A0DB-659C9E0D3825}" dt="2023-01-06T20:52:08.536" v="1047" actId="114"/>
+        <pc:sldMkLst>
+          <pc:docMk/>
+          <pc:sldMk cId="2352979730" sldId="601"/>
+        </pc:sldMkLst>
+        <pc:spChg chg="mod">
+          <ac:chgData name="Hughes, Joseph D" userId="bd5f5bbf-fc0b-41ca-af42-bfb8d56f1f7b" providerId="ADAL" clId="{A374137C-6414-C546-A0DB-659C9E0D3825}" dt="2023-01-06T20:51:07.997" v="1035" actId="20577"/>
+          <ac:spMkLst>
+            <pc:docMk/>
+            <pc:sldMk cId="2352979730" sldId="601"/>
+            <ac:spMk id="2" creationId="{35A41520-3C32-21A4-AA70-BEAE4616DAC4}"/>
+          </ac:spMkLst>
+        </pc:spChg>
+        <pc:spChg chg="mod">
+          <ac:chgData name="Hughes, Joseph D" userId="bd5f5bbf-fc0b-41ca-af42-bfb8d56f1f7b" providerId="ADAL" clId="{A374137C-6414-C546-A0DB-659C9E0D3825}" dt="2023-01-06T20:52:08.536" v="1047" actId="114"/>
+          <ac:spMkLst>
+            <pc:docMk/>
+            <pc:sldMk cId="2352979730" sldId="601"/>
+            <ac:spMk id="3" creationId="{3C8FA6EE-B14E-E242-DCA1-97C833420539}"/>
+          </ac:spMkLst>
+        </pc:spChg>
+      </pc:sldChg>
+      <pc:sldChg chg="modSp add mod">
+        <pc:chgData name="Hughes, Joseph D" userId="bd5f5bbf-fc0b-41ca-af42-bfb8d56f1f7b" providerId="ADAL" clId="{A374137C-6414-C546-A0DB-659C9E0D3825}" dt="2023-01-06T20:54:02.937" v="1094" actId="20577"/>
+        <pc:sldMkLst>
+          <pc:docMk/>
+          <pc:sldMk cId="1125209321" sldId="602"/>
+        </pc:sldMkLst>
+        <pc:spChg chg="mod">
+          <ac:chgData name="Hughes, Joseph D" userId="bd5f5bbf-fc0b-41ca-af42-bfb8d56f1f7b" providerId="ADAL" clId="{A374137C-6414-C546-A0DB-659C9E0D3825}" dt="2023-01-06T20:54:02.937" v="1094" actId="20577"/>
+          <ac:spMkLst>
+            <pc:docMk/>
+            <pc:sldMk cId="1125209321" sldId="602"/>
+            <ac:spMk id="2" creationId="{668CB90D-6B56-0C2B-2165-622A9A577EB0}"/>
+          </ac:spMkLst>
+        </pc:spChg>
+      </pc:sldChg>
+      <pc:sldChg chg="addSp delSp modSp add mod">
+        <pc:chgData name="Hughes, Joseph D" userId="bd5f5bbf-fc0b-41ca-af42-bfb8d56f1f7b" providerId="ADAL" clId="{A374137C-6414-C546-A0DB-659C9E0D3825}" dt="2023-01-06T21:00:36.181" v="1175" actId="408"/>
+        <pc:sldMkLst>
+          <pc:docMk/>
+          <pc:sldMk cId="2513473753" sldId="603"/>
+        </pc:sldMkLst>
+        <pc:spChg chg="add del mod">
+          <ac:chgData name="Hughes, Joseph D" userId="bd5f5bbf-fc0b-41ca-af42-bfb8d56f1f7b" providerId="ADAL" clId="{A374137C-6414-C546-A0DB-659C9E0D3825}" dt="2023-01-06T21:00:30.616" v="1174" actId="478"/>
+          <ac:spMkLst>
+            <pc:docMk/>
+            <pc:sldMk cId="2513473753" sldId="603"/>
+            <ac:spMk id="26" creationId="{19A14C16-399A-F4E3-A1C3-17E436F2B1E7}"/>
+          </ac:spMkLst>
+        </pc:spChg>
+        <pc:grpChg chg="del">
+          <ac:chgData name="Hughes, Joseph D" userId="bd5f5bbf-fc0b-41ca-af42-bfb8d56f1f7b" providerId="ADAL" clId="{A374137C-6414-C546-A0DB-659C9E0D3825}" dt="2023-01-06T20:54:36.702" v="1096" actId="478"/>
+          <ac:grpSpMkLst>
+            <pc:docMk/>
+            <pc:sldMk cId="2513473753" sldId="603"/>
+            <ac:grpSpMk id="21" creationId="{36878509-41EF-325D-A59F-8639E6754B32}"/>
+          </ac:grpSpMkLst>
+        </pc:grpChg>
+        <pc:grpChg chg="add mod">
+          <ac:chgData name="Hughes, Joseph D" userId="bd5f5bbf-fc0b-41ca-af42-bfb8d56f1f7b" providerId="ADAL" clId="{A374137C-6414-C546-A0DB-659C9E0D3825}" dt="2023-01-06T21:00:36.181" v="1175" actId="408"/>
+          <ac:grpSpMkLst>
+            <pc:docMk/>
+            <pc:sldMk cId="2513473753" sldId="603"/>
+            <ac:grpSpMk id="25" creationId="{E34D2DDB-3867-5E13-8ADE-16BE1A6A8816}"/>
+          </ac:grpSpMkLst>
+        </pc:grpChg>
+        <pc:picChg chg="add mod modCrop">
+          <ac:chgData name="Hughes, Joseph D" userId="bd5f5bbf-fc0b-41ca-af42-bfb8d56f1f7b" providerId="ADAL" clId="{A374137C-6414-C546-A0DB-659C9E0D3825}" dt="2023-01-06T21:00:36.181" v="1175" actId="408"/>
+          <ac:picMkLst>
+            <pc:docMk/>
+            <pc:sldMk cId="2513473753" sldId="603"/>
+            <ac:picMk id="22" creationId="{DC93FBD7-C758-462B-61D6-6E7F9EB432CF}"/>
+          </ac:picMkLst>
+        </pc:picChg>
+        <pc:picChg chg="add del mod modCrop">
+          <ac:chgData name="Hughes, Joseph D" userId="bd5f5bbf-fc0b-41ca-af42-bfb8d56f1f7b" providerId="ADAL" clId="{A374137C-6414-C546-A0DB-659C9E0D3825}" dt="2023-01-06T21:00:09.816" v="1139" actId="478"/>
+          <ac:picMkLst>
+            <pc:docMk/>
+            <pc:sldMk cId="2513473753" sldId="603"/>
+            <ac:picMk id="23" creationId="{006151D6-997B-8F66-D839-23799E4C485E}"/>
+          </ac:picMkLst>
+        </pc:picChg>
+        <pc:picChg chg="add mod modCrop">
+          <ac:chgData name="Hughes, Joseph D" userId="bd5f5bbf-fc0b-41ca-af42-bfb8d56f1f7b" providerId="ADAL" clId="{A374137C-6414-C546-A0DB-659C9E0D3825}" dt="2023-01-06T21:00:36.181" v="1175" actId="408"/>
+          <ac:picMkLst>
+            <pc:docMk/>
+            <pc:sldMk cId="2513473753" sldId="603"/>
+            <ac:picMk id="24" creationId="{21EB36A2-4C06-8250-8EE9-01F8F06FAFE9}"/>
+          </ac:picMkLst>
+        </pc:picChg>
+        <pc:cxnChg chg="mod">
+          <ac:chgData name="Hughes, Joseph D" userId="bd5f5bbf-fc0b-41ca-af42-bfb8d56f1f7b" providerId="ADAL" clId="{A374137C-6414-C546-A0DB-659C9E0D3825}" dt="2023-01-06T20:54:36.702" v="1096" actId="478"/>
+          <ac:cxnSpMkLst>
+            <pc:docMk/>
+            <pc:sldMk cId="2513473753" sldId="603"/>
+            <ac:cxnSpMk id="11" creationId="{D6C35D57-40CE-753A-BDC6-6DB0434161A9}"/>
+          </ac:cxnSpMkLst>
+        </pc:cxnChg>
+      </pc:sldChg>
+    </pc:docChg>
+  </pc:docChgLst>
 </pc:chgInfo>
 </file>
 
@@ -2604,14 +2601,14 @@
           <a:effectLst/>
           <a:extLst>
             <a:ext uri="{909E8E84-426E-40dd-AFC4-6F175D3DCCD1}">
-              <a14:hiddenFill xmlns:a14="http://schemas.microsoft.com/office/drawing/2010/main" xmlns="">
+              <a14:hiddenFill xmlns="" xmlns:a14="http://schemas.microsoft.com/office/drawing/2010/main">
                 <a:solidFill>
                   <a:schemeClr val="accent1"/>
                 </a:solidFill>
               </a14:hiddenFill>
             </a:ext>
             <a:ext uri="{91240B29-F687-4f45-9708-019B960494DF}">
-              <a14:hiddenLine xmlns:a14="http://schemas.microsoft.com/office/drawing/2010/main" xmlns="" w="12700">
+              <a14:hiddenLine xmlns="" xmlns:a14="http://schemas.microsoft.com/office/drawing/2010/main" w="12700">
                 <a:solidFill>
                   <a:schemeClr val="tx1"/>
                 </a:solidFill>
@@ -2621,7 +2618,7 @@
               </a14:hiddenLine>
             </a:ext>
             <a:ext uri="{AF507438-7753-43e0-B8FC-AC1667EBCBE1}">
-              <a14:hiddenEffects xmlns:a14="http://schemas.microsoft.com/office/drawing/2010/main" xmlns="">
+              <a14:hiddenEffects xmlns="" xmlns:a14="http://schemas.microsoft.com/office/drawing/2010/main">
                 <a:effectLst>
                   <a:outerShdw blurRad="63500" dist="38099" dir="2700000" algn="ctr" rotWithShape="0">
                     <a:schemeClr val="bg2">
@@ -2632,7 +2629,7 @@
               </a14:hiddenEffects>
             </a:ext>
             <a:ext uri="{FAA26D3D-D897-4be2-8F04-BA451C77F1D7}">
-              <ma14:placeholderFlag xmlns:ma14="http://schemas.microsoft.com/office/mac/drawingml/2011/main" xmlns="" val="1"/>
+              <ma14:placeholderFlag xmlns="" xmlns:ma14="http://schemas.microsoft.com/office/mac/drawingml/2011/main" val="1"/>
             </a:ext>
           </a:extLst>
         </p:spPr>
@@ -2710,12 +2707,12 @@
           <a:effectLst/>
           <a:extLst>
             <a:ext uri="{909E8E84-426E-40dd-AFC4-6F175D3DCCD1}">
-              <a14:hiddenFill xmlns:a14="http://schemas.microsoft.com/office/drawing/2010/main" xmlns="">
+              <a14:hiddenFill xmlns="" xmlns:a14="http://schemas.microsoft.com/office/drawing/2010/main">
                 <a:noFill/>
               </a14:hiddenFill>
             </a:ext>
             <a:ext uri="{AF507438-7753-43e0-B8FC-AC1667EBCBE1}">
-              <a14:hiddenEffects xmlns:a14="http://schemas.microsoft.com/office/drawing/2010/main" xmlns="">
+              <a14:hiddenEffects xmlns="" xmlns:a14="http://schemas.microsoft.com/office/drawing/2010/main">
                 <a:effectLst>
                   <a:outerShdw blurRad="63500" dist="38099" dir="2700000" algn="ctr" rotWithShape="0">
                     <a:srgbClr val="000000">
@@ -2726,7 +2723,7 @@
               </a14:hiddenEffects>
             </a:ext>
             <a:ext uri="{53640926-AAD7-44d8-BBD7-CCE9431645EC}">
-              <a14:shadowObscured xmlns:a14="http://schemas.microsoft.com/office/drawing/2010/main" xmlns="" val="1"/>
+              <a14:shadowObscured xmlns="" xmlns:a14="http://schemas.microsoft.com/office/drawing/2010/main" val="1"/>
             </a:ext>
           </a:extLst>
         </p:spPr>
@@ -2904,14 +2901,14 @@
           <a:effectLst/>
           <a:extLst>
             <a:ext uri="{909E8E84-426E-40dd-AFC4-6F175D3DCCD1}">
-              <a14:hiddenFill xmlns="" xmlns:a14="http://schemas.microsoft.com/office/drawing/2010/main">
+              <a14:hiddenFill xmlns:a14="http://schemas.microsoft.com/office/drawing/2010/main" xmlns="">
                 <a:solidFill>
                   <a:schemeClr val="accent1"/>
                 </a:solidFill>
               </a14:hiddenFill>
             </a:ext>
             <a:ext uri="{91240B29-F687-4f45-9708-019B960494DF}">
-              <a14:hiddenLine xmlns="" xmlns:a14="http://schemas.microsoft.com/office/drawing/2010/main" w="12700">
+              <a14:hiddenLine xmlns:a14="http://schemas.microsoft.com/office/drawing/2010/main" xmlns="" w="12700">
                 <a:solidFill>
                   <a:schemeClr val="tx1"/>
                 </a:solidFill>
@@ -2921,7 +2918,7 @@
               </a14:hiddenLine>
             </a:ext>
             <a:ext uri="{AF507438-7753-43e0-B8FC-AC1667EBCBE1}">
-              <a14:hiddenEffects xmlns="" xmlns:a14="http://schemas.microsoft.com/office/drawing/2010/main">
+              <a14:hiddenEffects xmlns:a14="http://schemas.microsoft.com/office/drawing/2010/main" xmlns="">
                 <a:effectLst>
                   <a:outerShdw blurRad="63500" dist="38099" dir="2700000" algn="ctr" rotWithShape="0">
                     <a:schemeClr val="bg2">
@@ -3076,14 +3073,14 @@
           </a:ln>
           <a:extLst>
             <a:ext uri="{909E8E84-426E-40dd-AFC4-6F175D3DCCD1}">
-              <a14:hiddenFill xmlns="" xmlns:a14="http://schemas.microsoft.com/office/drawing/2010/main">
+              <a14:hiddenFill xmlns:a14="http://schemas.microsoft.com/office/drawing/2010/main" xmlns="">
                 <a:solidFill>
                   <a:srgbClr val="FFFFFF"/>
                 </a:solidFill>
               </a14:hiddenFill>
             </a:ext>
             <a:ext uri="{91240B29-F687-4f45-9708-019B960494DF}">
-              <a14:hiddenLine xmlns="" xmlns:a14="http://schemas.microsoft.com/office/drawing/2010/main" w="9525">
+              <a14:hiddenLine xmlns:a14="http://schemas.microsoft.com/office/drawing/2010/main" xmlns="" w="9525">
                 <a:solidFill>
                   <a:srgbClr val="000000"/>
                 </a:solidFill>
@@ -4662,14 +4659,14 @@
           <a:effectLst/>
           <a:extLst>
             <a:ext uri="{909E8E84-426E-40dd-AFC4-6F175D3DCCD1}">
-              <a14:hiddenFill xmlns="" xmlns:a14="http://schemas.microsoft.com/office/drawing/2010/main">
+              <a14:hiddenFill xmlns:a14="http://schemas.microsoft.com/office/drawing/2010/main" xmlns="">
                 <a:solidFill>
                   <a:schemeClr val="accent1"/>
                 </a:solidFill>
               </a14:hiddenFill>
             </a:ext>
             <a:ext uri="{91240B29-F687-4f45-9708-019B960494DF}">
-              <a14:hiddenLine xmlns="" xmlns:a14="http://schemas.microsoft.com/office/drawing/2010/main" w="12700">
+              <a14:hiddenLine xmlns:a14="http://schemas.microsoft.com/office/drawing/2010/main" xmlns="" w="12700">
                 <a:solidFill>
                   <a:schemeClr val="tx1"/>
                 </a:solidFill>
@@ -4679,7 +4676,7 @@
               </a14:hiddenLine>
             </a:ext>
             <a:ext uri="{AF507438-7753-43e0-B8FC-AC1667EBCBE1}">
-              <a14:hiddenEffects xmlns="" xmlns:a14="http://schemas.microsoft.com/office/drawing/2010/main">
+              <a14:hiddenEffects xmlns:a14="http://schemas.microsoft.com/office/drawing/2010/main" xmlns="">
                 <a:effectLst>
                   <a:outerShdw blurRad="63500" dist="38099" dir="2700000" algn="ctr" rotWithShape="0">
                     <a:schemeClr val="bg2">
@@ -4690,7 +4687,7 @@
               </a14:hiddenEffects>
             </a:ext>
             <a:ext uri="{FAA26D3D-D897-4be2-8F04-BA451C77F1D7}">
-              <ma14:placeholderFlag xmlns="" xmlns:ma14="http://schemas.microsoft.com/office/mac/drawingml/2011/main" val="1"/>
+              <ma14:placeholderFlag xmlns:ma14="http://schemas.microsoft.com/office/mac/drawingml/2011/main" xmlns="" val="1"/>
             </a:ext>
           </a:extLst>
         </p:spPr>
@@ -4735,14 +4732,14 @@
           <a:effectLst/>
           <a:extLst>
             <a:ext uri="{909E8E84-426E-40dd-AFC4-6F175D3DCCD1}">
-              <a14:hiddenFill xmlns="" xmlns:a14="http://schemas.microsoft.com/office/drawing/2010/main">
+              <a14:hiddenFill xmlns:a14="http://schemas.microsoft.com/office/drawing/2010/main" xmlns="">
                 <a:solidFill>
                   <a:schemeClr val="accent1"/>
                 </a:solidFill>
               </a14:hiddenFill>
             </a:ext>
             <a:ext uri="{91240B29-F687-4f45-9708-019B960494DF}">
-              <a14:hiddenLine xmlns="" xmlns:a14="http://schemas.microsoft.com/office/drawing/2010/main" w="12700">
+              <a14:hiddenLine xmlns:a14="http://schemas.microsoft.com/office/drawing/2010/main" xmlns="" w="12700">
                 <a:solidFill>
                   <a:schemeClr val="tx1"/>
                 </a:solidFill>
@@ -4752,7 +4749,7 @@
               </a14:hiddenLine>
             </a:ext>
             <a:ext uri="{AF507438-7753-43e0-B8FC-AC1667EBCBE1}">
-              <a14:hiddenEffects xmlns="" xmlns:a14="http://schemas.microsoft.com/office/drawing/2010/main">
+              <a14:hiddenEffects xmlns:a14="http://schemas.microsoft.com/office/drawing/2010/main" xmlns="">
                 <a:effectLst>
                   <a:outerShdw blurRad="63500" dist="38099" dir="2700000" algn="ctr" rotWithShape="0">
                     <a:schemeClr val="bg2">
@@ -4763,7 +4760,7 @@
               </a14:hiddenEffects>
             </a:ext>
             <a:ext uri="{FAA26D3D-D897-4be2-8F04-BA451C77F1D7}">
-              <ma14:placeholderFlag xmlns="" xmlns:ma14="http://schemas.microsoft.com/office/mac/drawingml/2011/main" val="1"/>
+              <ma14:placeholderFlag xmlns:ma14="http://schemas.microsoft.com/office/mac/drawingml/2011/main" xmlns="" val="1"/>
             </a:ext>
           </a:extLst>
         </p:spPr>
@@ -4853,14 +4850,14 @@
           </a:ln>
           <a:extLst>
             <a:ext uri="{909E8E84-426E-40dd-AFC4-6F175D3DCCD1}">
-              <a14:hiddenFill xmlns="" xmlns:a14="http://schemas.microsoft.com/office/drawing/2010/main">
+              <a14:hiddenFill xmlns:a14="http://schemas.microsoft.com/office/drawing/2010/main" xmlns="">
                 <a:solidFill>
                   <a:srgbClr val="FFFFFF"/>
                 </a:solidFill>
               </a14:hiddenFill>
             </a:ext>
             <a:ext uri="{91240B29-F687-4f45-9708-019B960494DF}">
-              <a14:hiddenLine xmlns="" xmlns:a14="http://schemas.microsoft.com/office/drawing/2010/main" w="9525">
+              <a14:hiddenLine xmlns:a14="http://schemas.microsoft.com/office/drawing/2010/main" xmlns="" w="9525">
                 <a:solidFill>
                   <a:srgbClr val="000000"/>
                 </a:solidFill>
@@ -10716,2198 +10713,6 @@
 </p:sld>
 </file>
 
-<file path=ppt/slides/slide14.xml><?xml version="1.0" encoding="utf-8"?>
-<p:sld xmlns:a="http://schemas.openxmlformats.org/drawingml/2006/main" xmlns:r="http://schemas.openxmlformats.org/officeDocument/2006/relationships" xmlns:p="http://schemas.openxmlformats.org/presentationml/2006/main">
-  <p:cSld>
-    <p:spTree>
-      <p:nvGrpSpPr>
-        <p:cNvPr id="1" name=""/>
-        <p:cNvGrpSpPr/>
-        <p:nvPr/>
-      </p:nvGrpSpPr>
-      <p:grpSpPr>
-        <a:xfrm>
-          <a:off x="0" y="0"/>
-          <a:ext cx="0" cy="0"/>
-          <a:chOff x="0" y="0"/>
-          <a:chExt cx="0" cy="0"/>
-        </a:xfrm>
-      </p:grpSpPr>
-      <p:sp>
-        <p:nvSpPr>
-          <p:cNvPr id="2" name="Title 1">
-            <a:extLst>
-              <a:ext uri="{FF2B5EF4-FFF2-40B4-BE49-F238E27FC236}">
-                <a16:creationId xmlns:a16="http://schemas.microsoft.com/office/drawing/2014/main" id="{35A41520-3C32-21A4-AA70-BEAE4616DAC4}"/>
-              </a:ext>
-            </a:extLst>
-          </p:cNvPr>
-          <p:cNvSpPr>
-            <a:spLocks noGrp="1"/>
-          </p:cNvSpPr>
-          <p:nvPr>
-            <p:ph type="title"/>
-          </p:nvPr>
-        </p:nvSpPr>
-        <p:spPr/>
-        <p:txBody>
-          <a:bodyPr/>
-          <a:lstStyle/>
-          <a:p>
-            <a:r>
-              <a:rPr lang="en-US" dirty="0"/>
-              <a:t>Stage 2 – Initial Model Development</a:t>
-            </a:r>
-          </a:p>
-        </p:txBody>
-      </p:sp>
-      <p:sp>
-        <p:nvSpPr>
-          <p:cNvPr id="3" name="Content Placeholder 2">
-            <a:extLst>
-              <a:ext uri="{FF2B5EF4-FFF2-40B4-BE49-F238E27FC236}">
-                <a16:creationId xmlns:a16="http://schemas.microsoft.com/office/drawing/2014/main" id="{3C8FA6EE-B14E-E242-DCA1-97C833420539}"/>
-              </a:ext>
-            </a:extLst>
-          </p:cNvPr>
-          <p:cNvSpPr>
-            <a:spLocks noGrp="1"/>
-          </p:cNvSpPr>
-          <p:nvPr>
-            <p:ph idx="1"/>
-          </p:nvPr>
-        </p:nvSpPr>
-        <p:spPr/>
-        <p:txBody>
-          <a:bodyPr/>
-          <a:lstStyle/>
-          <a:p>
-            <a:r>
-              <a:rPr lang="en-US" dirty="0"/>
-              <a:t>Implement your conceptual model into a numerical model</a:t>
-            </a:r>
-          </a:p>
-          <a:p>
-            <a:r>
-              <a:rPr lang="en-US" dirty="0"/>
-              <a:t>Calibrate to existing conditions</a:t>
-            </a:r>
-          </a:p>
-          <a:p>
-            <a:pPr lvl="1"/>
-            <a:r>
-              <a:rPr lang="en-US" dirty="0"/>
-              <a:t>Adjust hydraulic parameters, boundary conditions so that model results are close to observations</a:t>
-            </a:r>
-          </a:p>
-          <a:p>
-            <a:pPr lvl="2"/>
-            <a:r>
-              <a:rPr lang="en-US" dirty="0"/>
-              <a:t>Adjust within justifiable ranges</a:t>
-            </a:r>
-          </a:p>
-          <a:p>
-            <a:pPr lvl="2"/>
-            <a:r>
-              <a:rPr lang="en-US" dirty="0"/>
-              <a:t>Avoid adjusting when it can’t be supported</a:t>
-            </a:r>
-          </a:p>
-          <a:p>
-            <a:r>
-              <a:rPr lang="en-US" i="1" dirty="0"/>
-              <a:t>Your model will be wrong, but hopefully will tell you something</a:t>
-            </a:r>
-          </a:p>
-          <a:p>
-            <a:endParaRPr lang="en-US" dirty="0"/>
-          </a:p>
-          <a:p>
-            <a:endParaRPr lang="en-US" dirty="0"/>
-          </a:p>
-        </p:txBody>
-      </p:sp>
-    </p:spTree>
-    <p:extLst>
-      <p:ext uri="{BB962C8B-B14F-4D97-AF65-F5344CB8AC3E}">
-        <p14:creationId xmlns:p14="http://schemas.microsoft.com/office/powerpoint/2010/main" val="2352979730"/>
-      </p:ext>
-    </p:extLst>
-  </p:cSld>
-  <p:clrMapOvr>
-    <a:masterClrMapping/>
-  </p:clrMapOvr>
-</p:sld>
-</file>
-
-<file path=ppt/slides/slide15.xml><?xml version="1.0" encoding="utf-8"?>
-<p:sld xmlns:a="http://schemas.openxmlformats.org/drawingml/2006/main" xmlns:r="http://schemas.openxmlformats.org/officeDocument/2006/relationships" xmlns:p="http://schemas.openxmlformats.org/presentationml/2006/main">
-  <p:cSld>
-    <p:spTree>
-      <p:nvGrpSpPr>
-        <p:cNvPr id="1" name=""/>
-        <p:cNvGrpSpPr/>
-        <p:nvPr/>
-      </p:nvGrpSpPr>
-      <p:grpSpPr>
-        <a:xfrm>
-          <a:off x="0" y="0"/>
-          <a:ext cx="0" cy="0"/>
-          <a:chOff x="0" y="0"/>
-          <a:chExt cx="0" cy="0"/>
-        </a:xfrm>
-      </p:grpSpPr>
-      <p:sp>
-        <p:nvSpPr>
-          <p:cNvPr id="2" name="Title 1">
-            <a:extLst>
-              <a:ext uri="{FF2B5EF4-FFF2-40B4-BE49-F238E27FC236}">
-                <a16:creationId xmlns:a16="http://schemas.microsoft.com/office/drawing/2014/main" id="{668CB90D-6B56-0C2B-2165-622A9A577EB0}"/>
-              </a:ext>
-            </a:extLst>
-          </p:cNvPr>
-          <p:cNvSpPr>
-            <a:spLocks noGrp="1"/>
-          </p:cNvSpPr>
-          <p:nvPr>
-            <p:ph type="title"/>
-          </p:nvPr>
-        </p:nvSpPr>
-        <p:spPr/>
-        <p:txBody>
-          <a:bodyPr/>
-          <a:lstStyle/>
-          <a:p>
-            <a:r>
-              <a:rPr lang="en-US" dirty="0"/>
-              <a:t>Stage 2 – Initial Model Development</a:t>
-            </a:r>
-          </a:p>
-        </p:txBody>
-      </p:sp>
-      <p:grpSp>
-        <p:nvGrpSpPr>
-          <p:cNvPr id="21" name="Group 20">
-            <a:extLst>
-              <a:ext uri="{FF2B5EF4-FFF2-40B4-BE49-F238E27FC236}">
-                <a16:creationId xmlns:a16="http://schemas.microsoft.com/office/drawing/2014/main" id="{36878509-41EF-325D-A59F-8639E6754B32}"/>
-              </a:ext>
-            </a:extLst>
-          </p:cNvPr>
-          <p:cNvGrpSpPr/>
-          <p:nvPr/>
-        </p:nvGrpSpPr>
-        <p:grpSpPr>
-          <a:xfrm>
-            <a:off x="1862002" y="802776"/>
-            <a:ext cx="8467996" cy="5437179"/>
-            <a:chOff x="1447800" y="802776"/>
-            <a:chExt cx="8467996" cy="5437179"/>
-          </a:xfrm>
-        </p:grpSpPr>
-        <p:grpSp>
-          <p:nvGrpSpPr>
-            <p:cNvPr id="3" name="Group 2">
-              <a:extLst>
-                <a:ext uri="{FF2B5EF4-FFF2-40B4-BE49-F238E27FC236}">
-                  <a16:creationId xmlns:a16="http://schemas.microsoft.com/office/drawing/2014/main" id="{810B6BFD-5D8C-BC25-41BA-A2678458B372}"/>
-                </a:ext>
-              </a:extLst>
-            </p:cNvPr>
-            <p:cNvGrpSpPr/>
-            <p:nvPr/>
-          </p:nvGrpSpPr>
-          <p:grpSpPr>
-            <a:xfrm>
-              <a:off x="1447800" y="807982"/>
-              <a:ext cx="4409804" cy="5431973"/>
-              <a:chOff x="3469211" y="199716"/>
-              <a:chExt cx="5096292" cy="6559946"/>
-            </a:xfrm>
-          </p:grpSpPr>
-          <p:pic>
-            <p:nvPicPr>
-              <p:cNvPr id="4" name="Picture 3">
-                <a:extLst>
-                  <a:ext uri="{FF2B5EF4-FFF2-40B4-BE49-F238E27FC236}">
-                    <a16:creationId xmlns:a16="http://schemas.microsoft.com/office/drawing/2014/main" id="{08C465FB-4F2F-248D-D20A-97C9CB7C2267}"/>
-                  </a:ext>
-                </a:extLst>
-              </p:cNvPr>
-              <p:cNvPicPr>
-                <a:picLocks noChangeAspect="1"/>
-              </p:cNvPicPr>
-              <p:nvPr/>
-            </p:nvPicPr>
-            <p:blipFill>
-              <a:blip r:embed="rId2" cstate="print">
-                <a:extLst>
-                  <a:ext uri="{28A0092B-C50C-407E-A947-70E740481C1C}">
-                    <a14:useLocalDpi xmlns:a14="http://schemas.microsoft.com/office/drawing/2010/main" val="0"/>
-                  </a:ext>
-                </a:extLst>
-              </a:blip>
-              <a:stretch>
-                <a:fillRect/>
-              </a:stretch>
-            </p:blipFill>
-            <p:spPr>
-              <a:xfrm>
-                <a:off x="3469211" y="465357"/>
-                <a:ext cx="5096292" cy="6294305"/>
-              </a:xfrm>
-              <a:prstGeom prst="rect">
-                <a:avLst/>
-              </a:prstGeom>
-            </p:spPr>
-          </p:pic>
-          <p:sp>
-            <p:nvSpPr>
-              <p:cNvPr id="5" name="TextBox 4">
-                <a:extLst>
-                  <a:ext uri="{FF2B5EF4-FFF2-40B4-BE49-F238E27FC236}">
-                    <a16:creationId xmlns:a16="http://schemas.microsoft.com/office/drawing/2014/main" id="{283321DD-748A-BCE4-7997-B41C8BE7C12A}"/>
-                  </a:ext>
-                </a:extLst>
-              </p:cNvPr>
-              <p:cNvSpPr txBox="1"/>
-              <p:nvPr/>
-            </p:nvSpPr>
-            <p:spPr>
-              <a:xfrm>
-                <a:off x="5016414" y="199716"/>
-                <a:ext cx="1688347" cy="276999"/>
-              </a:xfrm>
-              <a:prstGeom prst="rect">
-                <a:avLst/>
-              </a:prstGeom>
-              <a:noFill/>
-            </p:spPr>
-            <p:txBody>
-              <a:bodyPr wrap="none" rtlCol="0">
-                <a:spAutoFit/>
-              </a:bodyPr>
-              <a:lstStyle/>
-              <a:p>
-                <a:pPr marL="0" marR="0" lvl="0" indent="0" algn="l" defTabSz="914400" rtl="0" eaLnBrk="1" fontAlgn="auto" latinLnBrk="0" hangingPunct="1">
-                  <a:lnSpc>
-                    <a:spcPct val="100000"/>
-                  </a:lnSpc>
-                  <a:spcBef>
-                    <a:spcPts val="0"/>
-                  </a:spcBef>
-                  <a:spcAft>
-                    <a:spcPts val="0"/>
-                  </a:spcAft>
-                  <a:buClrTx/>
-                  <a:buSzTx/>
-                  <a:buFontTx/>
-                  <a:buNone/>
-                  <a:tabLst/>
-                  <a:defRPr/>
-                </a:pPr>
-                <a:r>
-                  <a:rPr kumimoji="0" lang="en-US" sz="1200" b="0" i="0" u="none" strike="noStrike" kern="1200" cap="none" spc="0" normalizeH="0" baseline="0" noProof="0" dirty="0">
-                    <a:ln>
-                      <a:noFill/>
-                    </a:ln>
-                    <a:solidFill>
-                      <a:prstClr val="black"/>
-                    </a:solidFill>
-                    <a:effectLst/>
-                    <a:uLnTx/>
-                    <a:uFillTx/>
-                    <a:latin typeface="Calibri" panose="020F0502020204030204"/>
-                    <a:ea typeface="+mn-ea"/>
-                    <a:cs typeface="+mn-cs"/>
-                  </a:rPr>
-                  <a:t>Figure 1 – Regional Map</a:t>
-                </a:r>
-              </a:p>
-            </p:txBody>
-          </p:sp>
-        </p:grpSp>
-        <p:grpSp>
-          <p:nvGrpSpPr>
-            <p:cNvPr id="6" name="Group 5">
-              <a:extLst>
-                <a:ext uri="{FF2B5EF4-FFF2-40B4-BE49-F238E27FC236}">
-                  <a16:creationId xmlns:a16="http://schemas.microsoft.com/office/drawing/2014/main" id="{3E90E6D8-C240-C2CD-C85F-EFD65184E961}"/>
-                </a:ext>
-              </a:extLst>
-            </p:cNvPr>
-            <p:cNvGrpSpPr/>
-            <p:nvPr/>
-          </p:nvGrpSpPr>
-          <p:grpSpPr>
-            <a:xfrm>
-              <a:off x="6629400" y="802776"/>
-              <a:ext cx="3286396" cy="5437179"/>
-              <a:chOff x="4044977" y="242538"/>
-              <a:chExt cx="3713563" cy="6351228"/>
-            </a:xfrm>
-          </p:grpSpPr>
-          <p:sp>
-            <p:nvSpPr>
-              <p:cNvPr id="7" name="TextBox 6">
-                <a:extLst>
-                  <a:ext uri="{FF2B5EF4-FFF2-40B4-BE49-F238E27FC236}">
-                    <a16:creationId xmlns:a16="http://schemas.microsoft.com/office/drawing/2014/main" id="{BD3EB8DC-5A0A-7483-E10A-0DE4C3A30722}"/>
-                  </a:ext>
-                </a:extLst>
-              </p:cNvPr>
-              <p:cNvSpPr txBox="1"/>
-              <p:nvPr/>
-            </p:nvSpPr>
-            <p:spPr>
-              <a:xfrm>
-                <a:off x="4277072" y="242538"/>
-                <a:ext cx="3158685" cy="276999"/>
-              </a:xfrm>
-              <a:prstGeom prst="rect">
-                <a:avLst/>
-              </a:prstGeom>
-              <a:noFill/>
-            </p:spPr>
-            <p:txBody>
-              <a:bodyPr wrap="none" rtlCol="0">
-                <a:spAutoFit/>
-              </a:bodyPr>
-              <a:lstStyle/>
-              <a:p>
-                <a:pPr marL="0" marR="0" lvl="0" indent="0" algn="l" defTabSz="914400" rtl="0" eaLnBrk="1" fontAlgn="auto" latinLnBrk="0" hangingPunct="1">
-                  <a:lnSpc>
-                    <a:spcPct val="100000"/>
-                  </a:lnSpc>
-                  <a:spcBef>
-                    <a:spcPts val="0"/>
-                  </a:spcBef>
-                  <a:spcAft>
-                    <a:spcPts val="0"/>
-                  </a:spcAft>
-                  <a:buClrTx/>
-                  <a:buSzTx/>
-                  <a:buFontTx/>
-                  <a:buNone/>
-                  <a:tabLst/>
-                  <a:defRPr/>
-                </a:pPr>
-                <a:r>
-                  <a:rPr kumimoji="0" lang="en-US" sz="1200" b="0" i="0" u="none" strike="noStrike" kern="1200" cap="none" spc="0" normalizeH="0" baseline="0" noProof="0" dirty="0">
-                    <a:ln>
-                      <a:noFill/>
-                    </a:ln>
-                    <a:solidFill>
-                      <a:prstClr val="black"/>
-                    </a:solidFill>
-                    <a:effectLst/>
-                    <a:uLnTx/>
-                    <a:uFillTx/>
-                    <a:latin typeface="Calibri" panose="020F0502020204030204"/>
-                    <a:ea typeface="+mn-ea"/>
-                    <a:cs typeface="+mn-cs"/>
-                  </a:rPr>
-                  <a:t>Figure 2 – Topographic Map of McDonald Valley</a:t>
-                </a:r>
-              </a:p>
-            </p:txBody>
-          </p:sp>
-          <p:grpSp>
-            <p:nvGrpSpPr>
-              <p:cNvPr id="8" name="Group 7">
-                <a:extLst>
-                  <a:ext uri="{FF2B5EF4-FFF2-40B4-BE49-F238E27FC236}">
-                    <a16:creationId xmlns:a16="http://schemas.microsoft.com/office/drawing/2014/main" id="{725080D9-1410-4D47-BB02-2D4102B093BD}"/>
-                  </a:ext>
-                </a:extLst>
-              </p:cNvPr>
-              <p:cNvGrpSpPr/>
-              <p:nvPr/>
-            </p:nvGrpSpPr>
-            <p:grpSpPr>
-              <a:xfrm>
-                <a:off x="4044977" y="519537"/>
-                <a:ext cx="3713563" cy="6074229"/>
-                <a:chOff x="3999634" y="503852"/>
-                <a:chExt cx="3713563" cy="6074229"/>
-              </a:xfrm>
-            </p:grpSpPr>
-            <p:grpSp>
-              <p:nvGrpSpPr>
-                <p:cNvPr id="9" name="Group 8">
-                  <a:extLst>
-                    <a:ext uri="{FF2B5EF4-FFF2-40B4-BE49-F238E27FC236}">
-                      <a16:creationId xmlns:a16="http://schemas.microsoft.com/office/drawing/2014/main" id="{03B81122-01CA-8A1D-28E8-0E81ECD91720}"/>
-                    </a:ext>
-                  </a:extLst>
-                </p:cNvPr>
-                <p:cNvGrpSpPr/>
-                <p:nvPr/>
-              </p:nvGrpSpPr>
-              <p:grpSpPr>
-                <a:xfrm>
-                  <a:off x="3999634" y="503852"/>
-                  <a:ext cx="3713563" cy="6074229"/>
-                  <a:chOff x="3999634" y="0"/>
-                  <a:chExt cx="4192732" cy="6858000"/>
-                </a:xfrm>
-              </p:grpSpPr>
-              <p:pic>
-                <p:nvPicPr>
-                  <p:cNvPr id="12" name="Picture 11">
-                    <a:extLst>
-                      <a:ext uri="{FF2B5EF4-FFF2-40B4-BE49-F238E27FC236}">
-                        <a16:creationId xmlns:a16="http://schemas.microsoft.com/office/drawing/2014/main" id="{E40EE202-7F8F-E3BC-3395-52B93B741A39}"/>
-                      </a:ext>
-                    </a:extLst>
-                  </p:cNvPr>
-                  <p:cNvPicPr>
-                    <a:picLocks noChangeAspect="1"/>
-                  </p:cNvPicPr>
-                  <p:nvPr/>
-                </p:nvPicPr>
-                <p:blipFill>
-                  <a:blip r:embed="rId3">
-                    <a:extLst>
-                      <a:ext uri="{28A0092B-C50C-407E-A947-70E740481C1C}">
-                        <a14:useLocalDpi xmlns:a14="http://schemas.microsoft.com/office/drawing/2010/main" val="0"/>
-                      </a:ext>
-                    </a:extLst>
-                  </a:blip>
-                  <a:stretch>
-                    <a:fillRect/>
-                  </a:stretch>
-                </p:blipFill>
-                <p:spPr>
-                  <a:xfrm>
-                    <a:off x="3999634" y="0"/>
-                    <a:ext cx="4192732" cy="6858000"/>
-                  </a:xfrm>
-                  <a:prstGeom prst="rect">
-                    <a:avLst/>
-                  </a:prstGeom>
-                </p:spPr>
-              </p:pic>
-              <p:sp>
-                <p:nvSpPr>
-                  <p:cNvPr id="13" name="Freeform 4">
-                    <a:extLst>
-                      <a:ext uri="{FF2B5EF4-FFF2-40B4-BE49-F238E27FC236}">
-                        <a16:creationId xmlns:a16="http://schemas.microsoft.com/office/drawing/2014/main" id="{68830C0E-C232-F6A4-DE64-58FBA560D5AB}"/>
-                      </a:ext>
-                    </a:extLst>
-                  </p:cNvPr>
-                  <p:cNvSpPr/>
-                  <p:nvPr/>
-                </p:nvSpPr>
-                <p:spPr>
-                  <a:xfrm>
-                    <a:off x="4433888" y="571500"/>
-                    <a:ext cx="1114425" cy="2033588"/>
-                  </a:xfrm>
-                  <a:custGeom>
-                    <a:avLst/>
-                    <a:gdLst>
-                      <a:gd name="connsiteX0" fmla="*/ 180975 w 1114425"/>
-                      <a:gd name="connsiteY0" fmla="*/ 4763 h 2033588"/>
-                      <a:gd name="connsiteX1" fmla="*/ 138112 w 1114425"/>
-                      <a:gd name="connsiteY1" fmla="*/ 57150 h 2033588"/>
-                      <a:gd name="connsiteX2" fmla="*/ 85725 w 1114425"/>
-                      <a:gd name="connsiteY2" fmla="*/ 123825 h 2033588"/>
-                      <a:gd name="connsiteX3" fmla="*/ 38100 w 1114425"/>
-                      <a:gd name="connsiteY3" fmla="*/ 200025 h 2033588"/>
-                      <a:gd name="connsiteX4" fmla="*/ 23812 w 1114425"/>
-                      <a:gd name="connsiteY4" fmla="*/ 266700 h 2033588"/>
-                      <a:gd name="connsiteX5" fmla="*/ 14287 w 1114425"/>
-                      <a:gd name="connsiteY5" fmla="*/ 342900 h 2033588"/>
-                      <a:gd name="connsiteX6" fmla="*/ 14287 w 1114425"/>
-                      <a:gd name="connsiteY6" fmla="*/ 433388 h 2033588"/>
-                      <a:gd name="connsiteX7" fmla="*/ 4762 w 1114425"/>
-                      <a:gd name="connsiteY7" fmla="*/ 509588 h 2033588"/>
-                      <a:gd name="connsiteX8" fmla="*/ 0 w 1114425"/>
-                      <a:gd name="connsiteY8" fmla="*/ 561975 h 2033588"/>
-                      <a:gd name="connsiteX9" fmla="*/ 0 w 1114425"/>
-                      <a:gd name="connsiteY9" fmla="*/ 633413 h 2033588"/>
-                      <a:gd name="connsiteX10" fmla="*/ 4762 w 1114425"/>
-                      <a:gd name="connsiteY10" fmla="*/ 723900 h 2033588"/>
-                      <a:gd name="connsiteX11" fmla="*/ 9525 w 1114425"/>
-                      <a:gd name="connsiteY11" fmla="*/ 781050 h 2033588"/>
-                      <a:gd name="connsiteX12" fmla="*/ 14287 w 1114425"/>
-                      <a:gd name="connsiteY12" fmla="*/ 847725 h 2033588"/>
-                      <a:gd name="connsiteX13" fmla="*/ 19050 w 1114425"/>
-                      <a:gd name="connsiteY13" fmla="*/ 895350 h 2033588"/>
-                      <a:gd name="connsiteX14" fmla="*/ 23812 w 1114425"/>
-                      <a:gd name="connsiteY14" fmla="*/ 938213 h 2033588"/>
-                      <a:gd name="connsiteX15" fmla="*/ 47625 w 1114425"/>
-                      <a:gd name="connsiteY15" fmla="*/ 995363 h 2033588"/>
-                      <a:gd name="connsiteX16" fmla="*/ 66675 w 1114425"/>
-                      <a:gd name="connsiteY16" fmla="*/ 1047750 h 2033588"/>
-                      <a:gd name="connsiteX17" fmla="*/ 95250 w 1114425"/>
-                      <a:gd name="connsiteY17" fmla="*/ 1114425 h 2033588"/>
-                      <a:gd name="connsiteX18" fmla="*/ 119062 w 1114425"/>
-                      <a:gd name="connsiteY18" fmla="*/ 1166813 h 2033588"/>
-                      <a:gd name="connsiteX19" fmla="*/ 147637 w 1114425"/>
-                      <a:gd name="connsiteY19" fmla="*/ 1214438 h 2033588"/>
-                      <a:gd name="connsiteX20" fmla="*/ 171450 w 1114425"/>
-                      <a:gd name="connsiteY20" fmla="*/ 1262063 h 2033588"/>
-                      <a:gd name="connsiteX21" fmla="*/ 195262 w 1114425"/>
-                      <a:gd name="connsiteY21" fmla="*/ 1304925 h 2033588"/>
-                      <a:gd name="connsiteX22" fmla="*/ 214312 w 1114425"/>
-                      <a:gd name="connsiteY22" fmla="*/ 1328738 h 2033588"/>
-                      <a:gd name="connsiteX23" fmla="*/ 238125 w 1114425"/>
-                      <a:gd name="connsiteY23" fmla="*/ 1362075 h 2033588"/>
-                      <a:gd name="connsiteX24" fmla="*/ 257175 w 1114425"/>
-                      <a:gd name="connsiteY24" fmla="*/ 1395413 h 2033588"/>
-                      <a:gd name="connsiteX25" fmla="*/ 280987 w 1114425"/>
-                      <a:gd name="connsiteY25" fmla="*/ 1433513 h 2033588"/>
-                      <a:gd name="connsiteX26" fmla="*/ 295275 w 1114425"/>
-                      <a:gd name="connsiteY26" fmla="*/ 1485900 h 2033588"/>
-                      <a:gd name="connsiteX27" fmla="*/ 304800 w 1114425"/>
-                      <a:gd name="connsiteY27" fmla="*/ 1528763 h 2033588"/>
-                      <a:gd name="connsiteX28" fmla="*/ 323850 w 1114425"/>
-                      <a:gd name="connsiteY28" fmla="*/ 1590675 h 2033588"/>
-                      <a:gd name="connsiteX29" fmla="*/ 338137 w 1114425"/>
-                      <a:gd name="connsiteY29" fmla="*/ 1666875 h 2033588"/>
-                      <a:gd name="connsiteX30" fmla="*/ 352425 w 1114425"/>
-                      <a:gd name="connsiteY30" fmla="*/ 1733550 h 2033588"/>
-                      <a:gd name="connsiteX31" fmla="*/ 366712 w 1114425"/>
-                      <a:gd name="connsiteY31" fmla="*/ 1790700 h 2033588"/>
-                      <a:gd name="connsiteX32" fmla="*/ 385762 w 1114425"/>
-                      <a:gd name="connsiteY32" fmla="*/ 1838325 h 2033588"/>
-                      <a:gd name="connsiteX33" fmla="*/ 395287 w 1114425"/>
-                      <a:gd name="connsiteY33" fmla="*/ 1881188 h 2033588"/>
-                      <a:gd name="connsiteX34" fmla="*/ 419100 w 1114425"/>
-                      <a:gd name="connsiteY34" fmla="*/ 1933575 h 2033588"/>
-                      <a:gd name="connsiteX35" fmla="*/ 457200 w 1114425"/>
-                      <a:gd name="connsiteY35" fmla="*/ 1976438 h 2033588"/>
-                      <a:gd name="connsiteX36" fmla="*/ 490537 w 1114425"/>
-                      <a:gd name="connsiteY36" fmla="*/ 2005013 h 2033588"/>
-                      <a:gd name="connsiteX37" fmla="*/ 542925 w 1114425"/>
-                      <a:gd name="connsiteY37" fmla="*/ 2019300 h 2033588"/>
-                      <a:gd name="connsiteX38" fmla="*/ 595312 w 1114425"/>
-                      <a:gd name="connsiteY38" fmla="*/ 2024063 h 2033588"/>
-                      <a:gd name="connsiteX39" fmla="*/ 666750 w 1114425"/>
-                      <a:gd name="connsiteY39" fmla="*/ 2033588 h 2033588"/>
-                      <a:gd name="connsiteX40" fmla="*/ 762000 w 1114425"/>
-                      <a:gd name="connsiteY40" fmla="*/ 2033588 h 2033588"/>
-                      <a:gd name="connsiteX41" fmla="*/ 838200 w 1114425"/>
-                      <a:gd name="connsiteY41" fmla="*/ 2024063 h 2033588"/>
-                      <a:gd name="connsiteX42" fmla="*/ 914400 w 1114425"/>
-                      <a:gd name="connsiteY42" fmla="*/ 2019300 h 2033588"/>
-                      <a:gd name="connsiteX43" fmla="*/ 971550 w 1114425"/>
-                      <a:gd name="connsiteY43" fmla="*/ 2009775 h 2033588"/>
-                      <a:gd name="connsiteX44" fmla="*/ 1014412 w 1114425"/>
-                      <a:gd name="connsiteY44" fmla="*/ 2000250 h 2033588"/>
-                      <a:gd name="connsiteX45" fmla="*/ 1047750 w 1114425"/>
-                      <a:gd name="connsiteY45" fmla="*/ 1981200 h 2033588"/>
-                      <a:gd name="connsiteX46" fmla="*/ 1062037 w 1114425"/>
-                      <a:gd name="connsiteY46" fmla="*/ 1952625 h 2033588"/>
-                      <a:gd name="connsiteX47" fmla="*/ 1076325 w 1114425"/>
-                      <a:gd name="connsiteY47" fmla="*/ 1914525 h 2033588"/>
-                      <a:gd name="connsiteX48" fmla="*/ 1090612 w 1114425"/>
-                      <a:gd name="connsiteY48" fmla="*/ 1862138 h 2033588"/>
-                      <a:gd name="connsiteX49" fmla="*/ 1100137 w 1114425"/>
-                      <a:gd name="connsiteY49" fmla="*/ 1809750 h 2033588"/>
-                      <a:gd name="connsiteX50" fmla="*/ 1104900 w 1114425"/>
-                      <a:gd name="connsiteY50" fmla="*/ 1743075 h 2033588"/>
-                      <a:gd name="connsiteX51" fmla="*/ 1114425 w 1114425"/>
-                      <a:gd name="connsiteY51" fmla="*/ 1685925 h 2033588"/>
-                      <a:gd name="connsiteX52" fmla="*/ 1114425 w 1114425"/>
-                      <a:gd name="connsiteY52" fmla="*/ 1609725 h 2033588"/>
-                      <a:gd name="connsiteX53" fmla="*/ 1114425 w 1114425"/>
-                      <a:gd name="connsiteY53" fmla="*/ 1552575 h 2033588"/>
-                      <a:gd name="connsiteX54" fmla="*/ 1109662 w 1114425"/>
-                      <a:gd name="connsiteY54" fmla="*/ 1490663 h 2033588"/>
-                      <a:gd name="connsiteX55" fmla="*/ 1104900 w 1114425"/>
-                      <a:gd name="connsiteY55" fmla="*/ 1443038 h 2033588"/>
-                      <a:gd name="connsiteX56" fmla="*/ 1076325 w 1114425"/>
-                      <a:gd name="connsiteY56" fmla="*/ 1381125 h 2033588"/>
-                      <a:gd name="connsiteX57" fmla="*/ 1042987 w 1114425"/>
-                      <a:gd name="connsiteY57" fmla="*/ 1300163 h 2033588"/>
-                      <a:gd name="connsiteX58" fmla="*/ 1009650 w 1114425"/>
-                      <a:gd name="connsiteY58" fmla="*/ 1223963 h 2033588"/>
-                      <a:gd name="connsiteX59" fmla="*/ 981075 w 1114425"/>
-                      <a:gd name="connsiteY59" fmla="*/ 1152525 h 2033588"/>
-                      <a:gd name="connsiteX60" fmla="*/ 947737 w 1114425"/>
-                      <a:gd name="connsiteY60" fmla="*/ 1085850 h 2033588"/>
-                      <a:gd name="connsiteX61" fmla="*/ 914400 w 1114425"/>
-                      <a:gd name="connsiteY61" fmla="*/ 1014413 h 2033588"/>
-                      <a:gd name="connsiteX62" fmla="*/ 885825 w 1114425"/>
-                      <a:gd name="connsiteY62" fmla="*/ 962025 h 2033588"/>
-                      <a:gd name="connsiteX63" fmla="*/ 866775 w 1114425"/>
-                      <a:gd name="connsiteY63" fmla="*/ 909638 h 2033588"/>
-                      <a:gd name="connsiteX64" fmla="*/ 838200 w 1114425"/>
-                      <a:gd name="connsiteY64" fmla="*/ 866775 h 2033588"/>
-                      <a:gd name="connsiteX65" fmla="*/ 814387 w 1114425"/>
-                      <a:gd name="connsiteY65" fmla="*/ 823913 h 2033588"/>
-                      <a:gd name="connsiteX66" fmla="*/ 795337 w 1114425"/>
-                      <a:gd name="connsiteY66" fmla="*/ 762000 h 2033588"/>
-                      <a:gd name="connsiteX67" fmla="*/ 795337 w 1114425"/>
-                      <a:gd name="connsiteY67" fmla="*/ 685800 h 2033588"/>
-                      <a:gd name="connsiteX68" fmla="*/ 790575 w 1114425"/>
-                      <a:gd name="connsiteY68" fmla="*/ 585788 h 2033588"/>
-                      <a:gd name="connsiteX69" fmla="*/ 790575 w 1114425"/>
-                      <a:gd name="connsiteY69" fmla="*/ 495300 h 2033588"/>
-                      <a:gd name="connsiteX70" fmla="*/ 785812 w 1114425"/>
-                      <a:gd name="connsiteY70" fmla="*/ 395288 h 2033588"/>
-                      <a:gd name="connsiteX71" fmla="*/ 790575 w 1114425"/>
-                      <a:gd name="connsiteY71" fmla="*/ 323850 h 2033588"/>
-                      <a:gd name="connsiteX72" fmla="*/ 795337 w 1114425"/>
-                      <a:gd name="connsiteY72" fmla="*/ 228600 h 2033588"/>
-                      <a:gd name="connsiteX73" fmla="*/ 790575 w 1114425"/>
-                      <a:gd name="connsiteY73" fmla="*/ 161925 h 2033588"/>
-                      <a:gd name="connsiteX74" fmla="*/ 785812 w 1114425"/>
-                      <a:gd name="connsiteY74" fmla="*/ 104775 h 2033588"/>
-                      <a:gd name="connsiteX75" fmla="*/ 762000 w 1114425"/>
-                      <a:gd name="connsiteY75" fmla="*/ 66675 h 2033588"/>
-                      <a:gd name="connsiteX76" fmla="*/ 733425 w 1114425"/>
-                      <a:gd name="connsiteY76" fmla="*/ 42863 h 2033588"/>
-                      <a:gd name="connsiteX77" fmla="*/ 685800 w 1114425"/>
-                      <a:gd name="connsiteY77" fmla="*/ 23813 h 2033588"/>
-                      <a:gd name="connsiteX78" fmla="*/ 633412 w 1114425"/>
-                      <a:gd name="connsiteY78" fmla="*/ 9525 h 2033588"/>
-                      <a:gd name="connsiteX79" fmla="*/ 566737 w 1114425"/>
-                      <a:gd name="connsiteY79" fmla="*/ 4763 h 2033588"/>
-                      <a:gd name="connsiteX80" fmla="*/ 476250 w 1114425"/>
-                      <a:gd name="connsiteY80" fmla="*/ 0 h 2033588"/>
-                      <a:gd name="connsiteX81" fmla="*/ 395287 w 1114425"/>
-                      <a:gd name="connsiteY81" fmla="*/ 4763 h 2033588"/>
-                      <a:gd name="connsiteX82" fmla="*/ 333375 w 1114425"/>
-                      <a:gd name="connsiteY82" fmla="*/ 4763 h 2033588"/>
-                      <a:gd name="connsiteX83" fmla="*/ 271462 w 1114425"/>
-                      <a:gd name="connsiteY83" fmla="*/ 4763 h 2033588"/>
-                      <a:gd name="connsiteX84" fmla="*/ 180975 w 1114425"/>
-                      <a:gd name="connsiteY84" fmla="*/ 4763 h 2033588"/>
-                      <a:gd name="connsiteX0" fmla="*/ 190500 w 1114425"/>
-                      <a:gd name="connsiteY0" fmla="*/ 14288 h 2033588"/>
-                      <a:gd name="connsiteX1" fmla="*/ 138112 w 1114425"/>
-                      <a:gd name="connsiteY1" fmla="*/ 57150 h 2033588"/>
-                      <a:gd name="connsiteX2" fmla="*/ 85725 w 1114425"/>
-                      <a:gd name="connsiteY2" fmla="*/ 123825 h 2033588"/>
-                      <a:gd name="connsiteX3" fmla="*/ 38100 w 1114425"/>
-                      <a:gd name="connsiteY3" fmla="*/ 200025 h 2033588"/>
-                      <a:gd name="connsiteX4" fmla="*/ 23812 w 1114425"/>
-                      <a:gd name="connsiteY4" fmla="*/ 266700 h 2033588"/>
-                      <a:gd name="connsiteX5" fmla="*/ 14287 w 1114425"/>
-                      <a:gd name="connsiteY5" fmla="*/ 342900 h 2033588"/>
-                      <a:gd name="connsiteX6" fmla="*/ 14287 w 1114425"/>
-                      <a:gd name="connsiteY6" fmla="*/ 433388 h 2033588"/>
-                      <a:gd name="connsiteX7" fmla="*/ 4762 w 1114425"/>
-                      <a:gd name="connsiteY7" fmla="*/ 509588 h 2033588"/>
-                      <a:gd name="connsiteX8" fmla="*/ 0 w 1114425"/>
-                      <a:gd name="connsiteY8" fmla="*/ 561975 h 2033588"/>
-                      <a:gd name="connsiteX9" fmla="*/ 0 w 1114425"/>
-                      <a:gd name="connsiteY9" fmla="*/ 633413 h 2033588"/>
-                      <a:gd name="connsiteX10" fmla="*/ 4762 w 1114425"/>
-                      <a:gd name="connsiteY10" fmla="*/ 723900 h 2033588"/>
-                      <a:gd name="connsiteX11" fmla="*/ 9525 w 1114425"/>
-                      <a:gd name="connsiteY11" fmla="*/ 781050 h 2033588"/>
-                      <a:gd name="connsiteX12" fmla="*/ 14287 w 1114425"/>
-                      <a:gd name="connsiteY12" fmla="*/ 847725 h 2033588"/>
-                      <a:gd name="connsiteX13" fmla="*/ 19050 w 1114425"/>
-                      <a:gd name="connsiteY13" fmla="*/ 895350 h 2033588"/>
-                      <a:gd name="connsiteX14" fmla="*/ 23812 w 1114425"/>
-                      <a:gd name="connsiteY14" fmla="*/ 938213 h 2033588"/>
-                      <a:gd name="connsiteX15" fmla="*/ 47625 w 1114425"/>
-                      <a:gd name="connsiteY15" fmla="*/ 995363 h 2033588"/>
-                      <a:gd name="connsiteX16" fmla="*/ 66675 w 1114425"/>
-                      <a:gd name="connsiteY16" fmla="*/ 1047750 h 2033588"/>
-                      <a:gd name="connsiteX17" fmla="*/ 95250 w 1114425"/>
-                      <a:gd name="connsiteY17" fmla="*/ 1114425 h 2033588"/>
-                      <a:gd name="connsiteX18" fmla="*/ 119062 w 1114425"/>
-                      <a:gd name="connsiteY18" fmla="*/ 1166813 h 2033588"/>
-                      <a:gd name="connsiteX19" fmla="*/ 147637 w 1114425"/>
-                      <a:gd name="connsiteY19" fmla="*/ 1214438 h 2033588"/>
-                      <a:gd name="connsiteX20" fmla="*/ 171450 w 1114425"/>
-                      <a:gd name="connsiteY20" fmla="*/ 1262063 h 2033588"/>
-                      <a:gd name="connsiteX21" fmla="*/ 195262 w 1114425"/>
-                      <a:gd name="connsiteY21" fmla="*/ 1304925 h 2033588"/>
-                      <a:gd name="connsiteX22" fmla="*/ 214312 w 1114425"/>
-                      <a:gd name="connsiteY22" fmla="*/ 1328738 h 2033588"/>
-                      <a:gd name="connsiteX23" fmla="*/ 238125 w 1114425"/>
-                      <a:gd name="connsiteY23" fmla="*/ 1362075 h 2033588"/>
-                      <a:gd name="connsiteX24" fmla="*/ 257175 w 1114425"/>
-                      <a:gd name="connsiteY24" fmla="*/ 1395413 h 2033588"/>
-                      <a:gd name="connsiteX25" fmla="*/ 280987 w 1114425"/>
-                      <a:gd name="connsiteY25" fmla="*/ 1433513 h 2033588"/>
-                      <a:gd name="connsiteX26" fmla="*/ 295275 w 1114425"/>
-                      <a:gd name="connsiteY26" fmla="*/ 1485900 h 2033588"/>
-                      <a:gd name="connsiteX27" fmla="*/ 304800 w 1114425"/>
-                      <a:gd name="connsiteY27" fmla="*/ 1528763 h 2033588"/>
-                      <a:gd name="connsiteX28" fmla="*/ 323850 w 1114425"/>
-                      <a:gd name="connsiteY28" fmla="*/ 1590675 h 2033588"/>
-                      <a:gd name="connsiteX29" fmla="*/ 338137 w 1114425"/>
-                      <a:gd name="connsiteY29" fmla="*/ 1666875 h 2033588"/>
-                      <a:gd name="connsiteX30" fmla="*/ 352425 w 1114425"/>
-                      <a:gd name="connsiteY30" fmla="*/ 1733550 h 2033588"/>
-                      <a:gd name="connsiteX31" fmla="*/ 366712 w 1114425"/>
-                      <a:gd name="connsiteY31" fmla="*/ 1790700 h 2033588"/>
-                      <a:gd name="connsiteX32" fmla="*/ 385762 w 1114425"/>
-                      <a:gd name="connsiteY32" fmla="*/ 1838325 h 2033588"/>
-                      <a:gd name="connsiteX33" fmla="*/ 395287 w 1114425"/>
-                      <a:gd name="connsiteY33" fmla="*/ 1881188 h 2033588"/>
-                      <a:gd name="connsiteX34" fmla="*/ 419100 w 1114425"/>
-                      <a:gd name="connsiteY34" fmla="*/ 1933575 h 2033588"/>
-                      <a:gd name="connsiteX35" fmla="*/ 457200 w 1114425"/>
-                      <a:gd name="connsiteY35" fmla="*/ 1976438 h 2033588"/>
-                      <a:gd name="connsiteX36" fmla="*/ 490537 w 1114425"/>
-                      <a:gd name="connsiteY36" fmla="*/ 2005013 h 2033588"/>
-                      <a:gd name="connsiteX37" fmla="*/ 542925 w 1114425"/>
-                      <a:gd name="connsiteY37" fmla="*/ 2019300 h 2033588"/>
-                      <a:gd name="connsiteX38" fmla="*/ 595312 w 1114425"/>
-                      <a:gd name="connsiteY38" fmla="*/ 2024063 h 2033588"/>
-                      <a:gd name="connsiteX39" fmla="*/ 666750 w 1114425"/>
-                      <a:gd name="connsiteY39" fmla="*/ 2033588 h 2033588"/>
-                      <a:gd name="connsiteX40" fmla="*/ 762000 w 1114425"/>
-                      <a:gd name="connsiteY40" fmla="*/ 2033588 h 2033588"/>
-                      <a:gd name="connsiteX41" fmla="*/ 838200 w 1114425"/>
-                      <a:gd name="connsiteY41" fmla="*/ 2024063 h 2033588"/>
-                      <a:gd name="connsiteX42" fmla="*/ 914400 w 1114425"/>
-                      <a:gd name="connsiteY42" fmla="*/ 2019300 h 2033588"/>
-                      <a:gd name="connsiteX43" fmla="*/ 971550 w 1114425"/>
-                      <a:gd name="connsiteY43" fmla="*/ 2009775 h 2033588"/>
-                      <a:gd name="connsiteX44" fmla="*/ 1014412 w 1114425"/>
-                      <a:gd name="connsiteY44" fmla="*/ 2000250 h 2033588"/>
-                      <a:gd name="connsiteX45" fmla="*/ 1047750 w 1114425"/>
-                      <a:gd name="connsiteY45" fmla="*/ 1981200 h 2033588"/>
-                      <a:gd name="connsiteX46" fmla="*/ 1062037 w 1114425"/>
-                      <a:gd name="connsiteY46" fmla="*/ 1952625 h 2033588"/>
-                      <a:gd name="connsiteX47" fmla="*/ 1076325 w 1114425"/>
-                      <a:gd name="connsiteY47" fmla="*/ 1914525 h 2033588"/>
-                      <a:gd name="connsiteX48" fmla="*/ 1090612 w 1114425"/>
-                      <a:gd name="connsiteY48" fmla="*/ 1862138 h 2033588"/>
-                      <a:gd name="connsiteX49" fmla="*/ 1100137 w 1114425"/>
-                      <a:gd name="connsiteY49" fmla="*/ 1809750 h 2033588"/>
-                      <a:gd name="connsiteX50" fmla="*/ 1104900 w 1114425"/>
-                      <a:gd name="connsiteY50" fmla="*/ 1743075 h 2033588"/>
-                      <a:gd name="connsiteX51" fmla="*/ 1114425 w 1114425"/>
-                      <a:gd name="connsiteY51" fmla="*/ 1685925 h 2033588"/>
-                      <a:gd name="connsiteX52" fmla="*/ 1114425 w 1114425"/>
-                      <a:gd name="connsiteY52" fmla="*/ 1609725 h 2033588"/>
-                      <a:gd name="connsiteX53" fmla="*/ 1114425 w 1114425"/>
-                      <a:gd name="connsiteY53" fmla="*/ 1552575 h 2033588"/>
-                      <a:gd name="connsiteX54" fmla="*/ 1109662 w 1114425"/>
-                      <a:gd name="connsiteY54" fmla="*/ 1490663 h 2033588"/>
-                      <a:gd name="connsiteX55" fmla="*/ 1104900 w 1114425"/>
-                      <a:gd name="connsiteY55" fmla="*/ 1443038 h 2033588"/>
-                      <a:gd name="connsiteX56" fmla="*/ 1076325 w 1114425"/>
-                      <a:gd name="connsiteY56" fmla="*/ 1381125 h 2033588"/>
-                      <a:gd name="connsiteX57" fmla="*/ 1042987 w 1114425"/>
-                      <a:gd name="connsiteY57" fmla="*/ 1300163 h 2033588"/>
-                      <a:gd name="connsiteX58" fmla="*/ 1009650 w 1114425"/>
-                      <a:gd name="connsiteY58" fmla="*/ 1223963 h 2033588"/>
-                      <a:gd name="connsiteX59" fmla="*/ 981075 w 1114425"/>
-                      <a:gd name="connsiteY59" fmla="*/ 1152525 h 2033588"/>
-                      <a:gd name="connsiteX60" fmla="*/ 947737 w 1114425"/>
-                      <a:gd name="connsiteY60" fmla="*/ 1085850 h 2033588"/>
-                      <a:gd name="connsiteX61" fmla="*/ 914400 w 1114425"/>
-                      <a:gd name="connsiteY61" fmla="*/ 1014413 h 2033588"/>
-                      <a:gd name="connsiteX62" fmla="*/ 885825 w 1114425"/>
-                      <a:gd name="connsiteY62" fmla="*/ 962025 h 2033588"/>
-                      <a:gd name="connsiteX63" fmla="*/ 866775 w 1114425"/>
-                      <a:gd name="connsiteY63" fmla="*/ 909638 h 2033588"/>
-                      <a:gd name="connsiteX64" fmla="*/ 838200 w 1114425"/>
-                      <a:gd name="connsiteY64" fmla="*/ 866775 h 2033588"/>
-                      <a:gd name="connsiteX65" fmla="*/ 814387 w 1114425"/>
-                      <a:gd name="connsiteY65" fmla="*/ 823913 h 2033588"/>
-                      <a:gd name="connsiteX66" fmla="*/ 795337 w 1114425"/>
-                      <a:gd name="connsiteY66" fmla="*/ 762000 h 2033588"/>
-                      <a:gd name="connsiteX67" fmla="*/ 795337 w 1114425"/>
-                      <a:gd name="connsiteY67" fmla="*/ 685800 h 2033588"/>
-                      <a:gd name="connsiteX68" fmla="*/ 790575 w 1114425"/>
-                      <a:gd name="connsiteY68" fmla="*/ 585788 h 2033588"/>
-                      <a:gd name="connsiteX69" fmla="*/ 790575 w 1114425"/>
-                      <a:gd name="connsiteY69" fmla="*/ 495300 h 2033588"/>
-                      <a:gd name="connsiteX70" fmla="*/ 785812 w 1114425"/>
-                      <a:gd name="connsiteY70" fmla="*/ 395288 h 2033588"/>
-                      <a:gd name="connsiteX71" fmla="*/ 790575 w 1114425"/>
-                      <a:gd name="connsiteY71" fmla="*/ 323850 h 2033588"/>
-                      <a:gd name="connsiteX72" fmla="*/ 795337 w 1114425"/>
-                      <a:gd name="connsiteY72" fmla="*/ 228600 h 2033588"/>
-                      <a:gd name="connsiteX73" fmla="*/ 790575 w 1114425"/>
-                      <a:gd name="connsiteY73" fmla="*/ 161925 h 2033588"/>
-                      <a:gd name="connsiteX74" fmla="*/ 785812 w 1114425"/>
-                      <a:gd name="connsiteY74" fmla="*/ 104775 h 2033588"/>
-                      <a:gd name="connsiteX75" fmla="*/ 762000 w 1114425"/>
-                      <a:gd name="connsiteY75" fmla="*/ 66675 h 2033588"/>
-                      <a:gd name="connsiteX76" fmla="*/ 733425 w 1114425"/>
-                      <a:gd name="connsiteY76" fmla="*/ 42863 h 2033588"/>
-                      <a:gd name="connsiteX77" fmla="*/ 685800 w 1114425"/>
-                      <a:gd name="connsiteY77" fmla="*/ 23813 h 2033588"/>
-                      <a:gd name="connsiteX78" fmla="*/ 633412 w 1114425"/>
-                      <a:gd name="connsiteY78" fmla="*/ 9525 h 2033588"/>
-                      <a:gd name="connsiteX79" fmla="*/ 566737 w 1114425"/>
-                      <a:gd name="connsiteY79" fmla="*/ 4763 h 2033588"/>
-                      <a:gd name="connsiteX80" fmla="*/ 476250 w 1114425"/>
-                      <a:gd name="connsiteY80" fmla="*/ 0 h 2033588"/>
-                      <a:gd name="connsiteX81" fmla="*/ 395287 w 1114425"/>
-                      <a:gd name="connsiteY81" fmla="*/ 4763 h 2033588"/>
-                      <a:gd name="connsiteX82" fmla="*/ 333375 w 1114425"/>
-                      <a:gd name="connsiteY82" fmla="*/ 4763 h 2033588"/>
-                      <a:gd name="connsiteX83" fmla="*/ 271462 w 1114425"/>
-                      <a:gd name="connsiteY83" fmla="*/ 4763 h 2033588"/>
-                      <a:gd name="connsiteX84" fmla="*/ 190500 w 1114425"/>
-                      <a:gd name="connsiteY84" fmla="*/ 14288 h 2033588"/>
-                    </a:gdLst>
-                    <a:ahLst/>
-                    <a:cxnLst>
-                      <a:cxn ang="0">
-                        <a:pos x="connsiteX0" y="connsiteY0"/>
-                      </a:cxn>
-                      <a:cxn ang="0">
-                        <a:pos x="connsiteX1" y="connsiteY1"/>
-                      </a:cxn>
-                      <a:cxn ang="0">
-                        <a:pos x="connsiteX2" y="connsiteY2"/>
-                      </a:cxn>
-                      <a:cxn ang="0">
-                        <a:pos x="connsiteX3" y="connsiteY3"/>
-                      </a:cxn>
-                      <a:cxn ang="0">
-                        <a:pos x="connsiteX4" y="connsiteY4"/>
-                      </a:cxn>
-                      <a:cxn ang="0">
-                        <a:pos x="connsiteX5" y="connsiteY5"/>
-                      </a:cxn>
-                      <a:cxn ang="0">
-                        <a:pos x="connsiteX6" y="connsiteY6"/>
-                      </a:cxn>
-                      <a:cxn ang="0">
-                        <a:pos x="connsiteX7" y="connsiteY7"/>
-                      </a:cxn>
-                      <a:cxn ang="0">
-                        <a:pos x="connsiteX8" y="connsiteY8"/>
-                      </a:cxn>
-                      <a:cxn ang="0">
-                        <a:pos x="connsiteX9" y="connsiteY9"/>
-                      </a:cxn>
-                      <a:cxn ang="0">
-                        <a:pos x="connsiteX10" y="connsiteY10"/>
-                      </a:cxn>
-                      <a:cxn ang="0">
-                        <a:pos x="connsiteX11" y="connsiteY11"/>
-                      </a:cxn>
-                      <a:cxn ang="0">
-                        <a:pos x="connsiteX12" y="connsiteY12"/>
-                      </a:cxn>
-                      <a:cxn ang="0">
-                        <a:pos x="connsiteX13" y="connsiteY13"/>
-                      </a:cxn>
-                      <a:cxn ang="0">
-                        <a:pos x="connsiteX14" y="connsiteY14"/>
-                      </a:cxn>
-                      <a:cxn ang="0">
-                        <a:pos x="connsiteX15" y="connsiteY15"/>
-                      </a:cxn>
-                      <a:cxn ang="0">
-                        <a:pos x="connsiteX16" y="connsiteY16"/>
-                      </a:cxn>
-                      <a:cxn ang="0">
-                        <a:pos x="connsiteX17" y="connsiteY17"/>
-                      </a:cxn>
-                      <a:cxn ang="0">
-                        <a:pos x="connsiteX18" y="connsiteY18"/>
-                      </a:cxn>
-                      <a:cxn ang="0">
-                        <a:pos x="connsiteX19" y="connsiteY19"/>
-                      </a:cxn>
-                      <a:cxn ang="0">
-                        <a:pos x="connsiteX20" y="connsiteY20"/>
-                      </a:cxn>
-                      <a:cxn ang="0">
-                        <a:pos x="connsiteX21" y="connsiteY21"/>
-                      </a:cxn>
-                      <a:cxn ang="0">
-                        <a:pos x="connsiteX22" y="connsiteY22"/>
-                      </a:cxn>
-                      <a:cxn ang="0">
-                        <a:pos x="connsiteX23" y="connsiteY23"/>
-                      </a:cxn>
-                      <a:cxn ang="0">
-                        <a:pos x="connsiteX24" y="connsiteY24"/>
-                      </a:cxn>
-                      <a:cxn ang="0">
-                        <a:pos x="connsiteX25" y="connsiteY25"/>
-                      </a:cxn>
-                      <a:cxn ang="0">
-                        <a:pos x="connsiteX26" y="connsiteY26"/>
-                      </a:cxn>
-                      <a:cxn ang="0">
-                        <a:pos x="connsiteX27" y="connsiteY27"/>
-                      </a:cxn>
-                      <a:cxn ang="0">
-                        <a:pos x="connsiteX28" y="connsiteY28"/>
-                      </a:cxn>
-                      <a:cxn ang="0">
-                        <a:pos x="connsiteX29" y="connsiteY29"/>
-                      </a:cxn>
-                      <a:cxn ang="0">
-                        <a:pos x="connsiteX30" y="connsiteY30"/>
-                      </a:cxn>
-                      <a:cxn ang="0">
-                        <a:pos x="connsiteX31" y="connsiteY31"/>
-                      </a:cxn>
-                      <a:cxn ang="0">
-                        <a:pos x="connsiteX32" y="connsiteY32"/>
-                      </a:cxn>
-                      <a:cxn ang="0">
-                        <a:pos x="connsiteX33" y="connsiteY33"/>
-                      </a:cxn>
-                      <a:cxn ang="0">
-                        <a:pos x="connsiteX34" y="connsiteY34"/>
-                      </a:cxn>
-                      <a:cxn ang="0">
-                        <a:pos x="connsiteX35" y="connsiteY35"/>
-                      </a:cxn>
-                      <a:cxn ang="0">
-                        <a:pos x="connsiteX36" y="connsiteY36"/>
-                      </a:cxn>
-                      <a:cxn ang="0">
-                        <a:pos x="connsiteX37" y="connsiteY37"/>
-                      </a:cxn>
-                      <a:cxn ang="0">
-                        <a:pos x="connsiteX38" y="connsiteY38"/>
-                      </a:cxn>
-                      <a:cxn ang="0">
-                        <a:pos x="connsiteX39" y="connsiteY39"/>
-                      </a:cxn>
-                      <a:cxn ang="0">
-                        <a:pos x="connsiteX40" y="connsiteY40"/>
-                      </a:cxn>
-                      <a:cxn ang="0">
-                        <a:pos x="connsiteX41" y="connsiteY41"/>
-                      </a:cxn>
-                      <a:cxn ang="0">
-                        <a:pos x="connsiteX42" y="connsiteY42"/>
-                      </a:cxn>
-                      <a:cxn ang="0">
-                        <a:pos x="connsiteX43" y="connsiteY43"/>
-                      </a:cxn>
-                      <a:cxn ang="0">
-                        <a:pos x="connsiteX44" y="connsiteY44"/>
-                      </a:cxn>
-                      <a:cxn ang="0">
-                        <a:pos x="connsiteX45" y="connsiteY45"/>
-                      </a:cxn>
-                      <a:cxn ang="0">
-                        <a:pos x="connsiteX46" y="connsiteY46"/>
-                      </a:cxn>
-                      <a:cxn ang="0">
-                        <a:pos x="connsiteX47" y="connsiteY47"/>
-                      </a:cxn>
-                      <a:cxn ang="0">
-                        <a:pos x="connsiteX48" y="connsiteY48"/>
-                      </a:cxn>
-                      <a:cxn ang="0">
-                        <a:pos x="connsiteX49" y="connsiteY49"/>
-                      </a:cxn>
-                      <a:cxn ang="0">
-                        <a:pos x="connsiteX50" y="connsiteY50"/>
-                      </a:cxn>
-                      <a:cxn ang="0">
-                        <a:pos x="connsiteX51" y="connsiteY51"/>
-                      </a:cxn>
-                      <a:cxn ang="0">
-                        <a:pos x="connsiteX52" y="connsiteY52"/>
-                      </a:cxn>
-                      <a:cxn ang="0">
-                        <a:pos x="connsiteX53" y="connsiteY53"/>
-                      </a:cxn>
-                      <a:cxn ang="0">
-                        <a:pos x="connsiteX54" y="connsiteY54"/>
-                      </a:cxn>
-                      <a:cxn ang="0">
-                        <a:pos x="connsiteX55" y="connsiteY55"/>
-                      </a:cxn>
-                      <a:cxn ang="0">
-                        <a:pos x="connsiteX56" y="connsiteY56"/>
-                      </a:cxn>
-                      <a:cxn ang="0">
-                        <a:pos x="connsiteX57" y="connsiteY57"/>
-                      </a:cxn>
-                      <a:cxn ang="0">
-                        <a:pos x="connsiteX58" y="connsiteY58"/>
-                      </a:cxn>
-                      <a:cxn ang="0">
-                        <a:pos x="connsiteX59" y="connsiteY59"/>
-                      </a:cxn>
-                      <a:cxn ang="0">
-                        <a:pos x="connsiteX60" y="connsiteY60"/>
-                      </a:cxn>
-                      <a:cxn ang="0">
-                        <a:pos x="connsiteX61" y="connsiteY61"/>
-                      </a:cxn>
-                      <a:cxn ang="0">
-                        <a:pos x="connsiteX62" y="connsiteY62"/>
-                      </a:cxn>
-                      <a:cxn ang="0">
-                        <a:pos x="connsiteX63" y="connsiteY63"/>
-                      </a:cxn>
-                      <a:cxn ang="0">
-                        <a:pos x="connsiteX64" y="connsiteY64"/>
-                      </a:cxn>
-                      <a:cxn ang="0">
-                        <a:pos x="connsiteX65" y="connsiteY65"/>
-                      </a:cxn>
-                      <a:cxn ang="0">
-                        <a:pos x="connsiteX66" y="connsiteY66"/>
-                      </a:cxn>
-                      <a:cxn ang="0">
-                        <a:pos x="connsiteX67" y="connsiteY67"/>
-                      </a:cxn>
-                      <a:cxn ang="0">
-                        <a:pos x="connsiteX68" y="connsiteY68"/>
-                      </a:cxn>
-                      <a:cxn ang="0">
-                        <a:pos x="connsiteX69" y="connsiteY69"/>
-                      </a:cxn>
-                      <a:cxn ang="0">
-                        <a:pos x="connsiteX70" y="connsiteY70"/>
-                      </a:cxn>
-                      <a:cxn ang="0">
-                        <a:pos x="connsiteX71" y="connsiteY71"/>
-                      </a:cxn>
-                      <a:cxn ang="0">
-                        <a:pos x="connsiteX72" y="connsiteY72"/>
-                      </a:cxn>
-                      <a:cxn ang="0">
-                        <a:pos x="connsiteX73" y="connsiteY73"/>
-                      </a:cxn>
-                      <a:cxn ang="0">
-                        <a:pos x="connsiteX74" y="connsiteY74"/>
-                      </a:cxn>
-                      <a:cxn ang="0">
-                        <a:pos x="connsiteX75" y="connsiteY75"/>
-                      </a:cxn>
-                      <a:cxn ang="0">
-                        <a:pos x="connsiteX76" y="connsiteY76"/>
-                      </a:cxn>
-                      <a:cxn ang="0">
-                        <a:pos x="connsiteX77" y="connsiteY77"/>
-                      </a:cxn>
-                      <a:cxn ang="0">
-                        <a:pos x="connsiteX78" y="connsiteY78"/>
-                      </a:cxn>
-                      <a:cxn ang="0">
-                        <a:pos x="connsiteX79" y="connsiteY79"/>
-                      </a:cxn>
-                      <a:cxn ang="0">
-                        <a:pos x="connsiteX80" y="connsiteY80"/>
-                      </a:cxn>
-                      <a:cxn ang="0">
-                        <a:pos x="connsiteX81" y="connsiteY81"/>
-                      </a:cxn>
-                      <a:cxn ang="0">
-                        <a:pos x="connsiteX82" y="connsiteY82"/>
-                      </a:cxn>
-                      <a:cxn ang="0">
-                        <a:pos x="connsiteX83" y="connsiteY83"/>
-                      </a:cxn>
-                      <a:cxn ang="0">
-                        <a:pos x="connsiteX84" y="connsiteY84"/>
-                      </a:cxn>
-                    </a:cxnLst>
-                    <a:rect l="l" t="t" r="r" b="b"/>
-                    <a:pathLst>
-                      <a:path w="1114425" h="2033588">
-                        <a:moveTo>
-                          <a:pt x="190500" y="14288"/>
-                        </a:moveTo>
-                        <a:lnTo>
-                          <a:pt x="138112" y="57150"/>
-                        </a:lnTo>
-                        <a:lnTo>
-                          <a:pt x="85725" y="123825"/>
-                        </a:lnTo>
-                        <a:lnTo>
-                          <a:pt x="38100" y="200025"/>
-                        </a:lnTo>
-                        <a:lnTo>
-                          <a:pt x="23812" y="266700"/>
-                        </a:lnTo>
-                        <a:lnTo>
-                          <a:pt x="14287" y="342900"/>
-                        </a:lnTo>
-                        <a:lnTo>
-                          <a:pt x="14287" y="433388"/>
-                        </a:lnTo>
-                        <a:lnTo>
-                          <a:pt x="4762" y="509588"/>
-                        </a:lnTo>
-                        <a:lnTo>
-                          <a:pt x="0" y="561975"/>
-                        </a:lnTo>
-                        <a:lnTo>
-                          <a:pt x="0" y="633413"/>
-                        </a:lnTo>
-                        <a:lnTo>
-                          <a:pt x="4762" y="723900"/>
-                        </a:lnTo>
-                        <a:lnTo>
-                          <a:pt x="9525" y="781050"/>
-                        </a:lnTo>
-                        <a:lnTo>
-                          <a:pt x="14287" y="847725"/>
-                        </a:lnTo>
-                        <a:lnTo>
-                          <a:pt x="19050" y="895350"/>
-                        </a:lnTo>
-                        <a:lnTo>
-                          <a:pt x="23812" y="938213"/>
-                        </a:lnTo>
-                        <a:lnTo>
-                          <a:pt x="47625" y="995363"/>
-                        </a:lnTo>
-                        <a:lnTo>
-                          <a:pt x="66675" y="1047750"/>
-                        </a:lnTo>
-                        <a:lnTo>
-                          <a:pt x="95250" y="1114425"/>
-                        </a:lnTo>
-                        <a:lnTo>
-                          <a:pt x="119062" y="1166813"/>
-                        </a:lnTo>
-                        <a:lnTo>
-                          <a:pt x="147637" y="1214438"/>
-                        </a:lnTo>
-                        <a:lnTo>
-                          <a:pt x="171450" y="1262063"/>
-                        </a:lnTo>
-                        <a:lnTo>
-                          <a:pt x="195262" y="1304925"/>
-                        </a:lnTo>
-                        <a:lnTo>
-                          <a:pt x="214312" y="1328738"/>
-                        </a:lnTo>
-                        <a:lnTo>
-                          <a:pt x="238125" y="1362075"/>
-                        </a:lnTo>
-                        <a:lnTo>
-                          <a:pt x="257175" y="1395413"/>
-                        </a:lnTo>
-                        <a:lnTo>
-                          <a:pt x="280987" y="1433513"/>
-                        </a:lnTo>
-                        <a:lnTo>
-                          <a:pt x="295275" y="1485900"/>
-                        </a:lnTo>
-                        <a:lnTo>
-                          <a:pt x="304800" y="1528763"/>
-                        </a:lnTo>
-                        <a:lnTo>
-                          <a:pt x="323850" y="1590675"/>
-                        </a:lnTo>
-                        <a:lnTo>
-                          <a:pt x="338137" y="1666875"/>
-                        </a:lnTo>
-                        <a:lnTo>
-                          <a:pt x="352425" y="1733550"/>
-                        </a:lnTo>
-                        <a:lnTo>
-                          <a:pt x="366712" y="1790700"/>
-                        </a:lnTo>
-                        <a:lnTo>
-                          <a:pt x="385762" y="1838325"/>
-                        </a:lnTo>
-                        <a:lnTo>
-                          <a:pt x="395287" y="1881188"/>
-                        </a:lnTo>
-                        <a:lnTo>
-                          <a:pt x="419100" y="1933575"/>
-                        </a:lnTo>
-                        <a:lnTo>
-                          <a:pt x="457200" y="1976438"/>
-                        </a:lnTo>
-                        <a:lnTo>
-                          <a:pt x="490537" y="2005013"/>
-                        </a:lnTo>
-                        <a:lnTo>
-                          <a:pt x="542925" y="2019300"/>
-                        </a:lnTo>
-                        <a:lnTo>
-                          <a:pt x="595312" y="2024063"/>
-                        </a:lnTo>
-                        <a:lnTo>
-                          <a:pt x="666750" y="2033588"/>
-                        </a:lnTo>
-                        <a:lnTo>
-                          <a:pt x="762000" y="2033588"/>
-                        </a:lnTo>
-                        <a:lnTo>
-                          <a:pt x="838200" y="2024063"/>
-                        </a:lnTo>
-                        <a:lnTo>
-                          <a:pt x="914400" y="2019300"/>
-                        </a:lnTo>
-                        <a:lnTo>
-                          <a:pt x="971550" y="2009775"/>
-                        </a:lnTo>
-                        <a:lnTo>
-                          <a:pt x="1014412" y="2000250"/>
-                        </a:lnTo>
-                        <a:lnTo>
-                          <a:pt x="1047750" y="1981200"/>
-                        </a:lnTo>
-                        <a:lnTo>
-                          <a:pt x="1062037" y="1952625"/>
-                        </a:lnTo>
-                        <a:lnTo>
-                          <a:pt x="1076325" y="1914525"/>
-                        </a:lnTo>
-                        <a:lnTo>
-                          <a:pt x="1090612" y="1862138"/>
-                        </a:lnTo>
-                        <a:lnTo>
-                          <a:pt x="1100137" y="1809750"/>
-                        </a:lnTo>
-                        <a:lnTo>
-                          <a:pt x="1104900" y="1743075"/>
-                        </a:lnTo>
-                        <a:lnTo>
-                          <a:pt x="1114425" y="1685925"/>
-                        </a:lnTo>
-                        <a:lnTo>
-                          <a:pt x="1114425" y="1609725"/>
-                        </a:lnTo>
-                        <a:lnTo>
-                          <a:pt x="1114425" y="1552575"/>
-                        </a:lnTo>
-                        <a:lnTo>
-                          <a:pt x="1109662" y="1490663"/>
-                        </a:lnTo>
-                        <a:lnTo>
-                          <a:pt x="1104900" y="1443038"/>
-                        </a:lnTo>
-                        <a:lnTo>
-                          <a:pt x="1076325" y="1381125"/>
-                        </a:lnTo>
-                        <a:lnTo>
-                          <a:pt x="1042987" y="1300163"/>
-                        </a:lnTo>
-                        <a:lnTo>
-                          <a:pt x="1009650" y="1223963"/>
-                        </a:lnTo>
-                        <a:lnTo>
-                          <a:pt x="981075" y="1152525"/>
-                        </a:lnTo>
-                        <a:lnTo>
-                          <a:pt x="947737" y="1085850"/>
-                        </a:lnTo>
-                        <a:lnTo>
-                          <a:pt x="914400" y="1014413"/>
-                        </a:lnTo>
-                        <a:lnTo>
-                          <a:pt x="885825" y="962025"/>
-                        </a:lnTo>
-                        <a:lnTo>
-                          <a:pt x="866775" y="909638"/>
-                        </a:lnTo>
-                        <a:lnTo>
-                          <a:pt x="838200" y="866775"/>
-                        </a:lnTo>
-                        <a:lnTo>
-                          <a:pt x="814387" y="823913"/>
-                        </a:lnTo>
-                        <a:lnTo>
-                          <a:pt x="795337" y="762000"/>
-                        </a:lnTo>
-                        <a:lnTo>
-                          <a:pt x="795337" y="685800"/>
-                        </a:lnTo>
-                        <a:lnTo>
-                          <a:pt x="790575" y="585788"/>
-                        </a:lnTo>
-                        <a:lnTo>
-                          <a:pt x="790575" y="495300"/>
-                        </a:lnTo>
-                        <a:lnTo>
-                          <a:pt x="785812" y="395288"/>
-                        </a:lnTo>
-                        <a:lnTo>
-                          <a:pt x="790575" y="323850"/>
-                        </a:lnTo>
-                        <a:lnTo>
-                          <a:pt x="795337" y="228600"/>
-                        </a:lnTo>
-                        <a:lnTo>
-                          <a:pt x="790575" y="161925"/>
-                        </a:lnTo>
-                        <a:lnTo>
-                          <a:pt x="785812" y="104775"/>
-                        </a:lnTo>
-                        <a:lnTo>
-                          <a:pt x="762000" y="66675"/>
-                        </a:lnTo>
-                        <a:lnTo>
-                          <a:pt x="733425" y="42863"/>
-                        </a:lnTo>
-                        <a:lnTo>
-                          <a:pt x="685800" y="23813"/>
-                        </a:lnTo>
-                        <a:lnTo>
-                          <a:pt x="633412" y="9525"/>
-                        </a:lnTo>
-                        <a:lnTo>
-                          <a:pt x="566737" y="4763"/>
-                        </a:lnTo>
-                        <a:lnTo>
-                          <a:pt x="476250" y="0"/>
-                        </a:lnTo>
-                        <a:lnTo>
-                          <a:pt x="395287" y="4763"/>
-                        </a:lnTo>
-                        <a:lnTo>
-                          <a:pt x="333375" y="4763"/>
-                        </a:lnTo>
-                        <a:lnTo>
-                          <a:pt x="271462" y="4763"/>
-                        </a:lnTo>
-                        <a:lnTo>
-                          <a:pt x="190500" y="14288"/>
-                        </a:lnTo>
-                        <a:close/>
-                      </a:path>
-                    </a:pathLst>
-                  </a:custGeom>
-                </p:spPr>
-                <p:style>
-                  <a:lnRef idx="2">
-                    <a:schemeClr val="accent1">
-                      <a:shade val="50000"/>
-                    </a:schemeClr>
-                  </a:lnRef>
-                  <a:fillRef idx="1">
-                    <a:schemeClr val="accent1"/>
-                  </a:fillRef>
-                  <a:effectRef idx="0">
-                    <a:schemeClr val="accent1"/>
-                  </a:effectRef>
-                  <a:fontRef idx="minor">
-                    <a:schemeClr val="lt1"/>
-                  </a:fontRef>
-                </p:style>
-                <p:txBody>
-                  <a:bodyPr rtlCol="0" anchor="ctr"/>
-                  <a:lstStyle/>
-                  <a:p>
-                    <a:pPr marL="0" marR="0" lvl="0" indent="0" algn="ctr" defTabSz="914400" rtl="0" eaLnBrk="1" fontAlgn="auto" latinLnBrk="0" hangingPunct="1">
-                      <a:lnSpc>
-                        <a:spcPct val="100000"/>
-                      </a:lnSpc>
-                      <a:spcBef>
-                        <a:spcPts val="0"/>
-                      </a:spcBef>
-                      <a:spcAft>
-                        <a:spcPts val="0"/>
-                      </a:spcAft>
-                      <a:buClrTx/>
-                      <a:buSzTx/>
-                      <a:buFontTx/>
-                      <a:buNone/>
-                      <a:tabLst/>
-                      <a:defRPr/>
-                    </a:pPr>
-                    <a:endParaRPr kumimoji="0" lang="en-US" sz="1800" b="0" i="0" u="none" strike="noStrike" kern="1200" cap="none" spc="0" normalizeH="0" baseline="0" noProof="0" dirty="0">
-                      <a:ln>
-                        <a:noFill/>
-                      </a:ln>
-                      <a:solidFill>
-                        <a:prstClr val="white"/>
-                      </a:solidFill>
-                      <a:effectLst/>
-                      <a:uLnTx/>
-                      <a:uFillTx/>
-                      <a:latin typeface="Calibri" panose="020F0502020204030204"/>
-                      <a:ea typeface="+mn-ea"/>
-                      <a:cs typeface="+mn-cs"/>
-                    </a:endParaRPr>
-                  </a:p>
-                </p:txBody>
-              </p:sp>
-              <p:sp>
-                <p:nvSpPr>
-                  <p:cNvPr id="14" name="TextBox 13">
-                    <a:extLst>
-                      <a:ext uri="{FF2B5EF4-FFF2-40B4-BE49-F238E27FC236}">
-                        <a16:creationId xmlns:a16="http://schemas.microsoft.com/office/drawing/2014/main" id="{FDA6035D-CEB8-D094-86B5-C3308E00C495}"/>
-                      </a:ext>
-                    </a:extLst>
-                  </p:cNvPr>
-                  <p:cNvSpPr txBox="1"/>
-                  <p:nvPr/>
-                </p:nvSpPr>
-                <p:spPr>
-                  <a:xfrm>
-                    <a:off x="4548188" y="1057849"/>
-                    <a:ext cx="494046" cy="276999"/>
-                  </a:xfrm>
-                  <a:prstGeom prst="rect">
-                    <a:avLst/>
-                  </a:prstGeom>
-                  <a:noFill/>
-                </p:spPr>
-                <p:txBody>
-                  <a:bodyPr wrap="none" rtlCol="0">
-                    <a:spAutoFit/>
-                  </a:bodyPr>
-                  <a:lstStyle/>
-                  <a:p>
-                    <a:pPr marL="0" marR="0" lvl="0" indent="0" algn="l" defTabSz="914400" rtl="0" eaLnBrk="1" fontAlgn="auto" latinLnBrk="0" hangingPunct="1">
-                      <a:lnSpc>
-                        <a:spcPct val="100000"/>
-                      </a:lnSpc>
-                      <a:spcBef>
-                        <a:spcPts val="0"/>
-                      </a:spcBef>
-                      <a:spcAft>
-                        <a:spcPts val="0"/>
-                      </a:spcAft>
-                      <a:buClrTx/>
-                      <a:buSzTx/>
-                      <a:buFontTx/>
-                      <a:buNone/>
-                      <a:tabLst/>
-                      <a:defRPr/>
-                    </a:pPr>
-                    <a:r>
-                      <a:rPr kumimoji="0" lang="en-US" sz="1200" b="0" i="0" u="none" strike="noStrike" kern="1200" cap="none" spc="0" normalizeH="0" baseline="0" noProof="0" dirty="0">
-                        <a:ln>
-                          <a:noFill/>
-                        </a:ln>
-                        <a:solidFill>
-                          <a:prstClr val="black"/>
-                        </a:solidFill>
-                        <a:effectLst/>
-                        <a:uLnTx/>
-                        <a:uFillTx/>
-                        <a:latin typeface="Times New Roman" panose="02020603050405020304" pitchFamily="18" charset="0"/>
-                        <a:ea typeface="+mn-ea"/>
-                        <a:cs typeface="Times New Roman" panose="02020603050405020304" pitchFamily="18" charset="0"/>
-                      </a:rPr>
-                      <a:t>Lake</a:t>
-                    </a:r>
-                  </a:p>
-                </p:txBody>
-              </p:sp>
-              <p:sp>
-                <p:nvSpPr>
-                  <p:cNvPr id="15" name="TextBox 14">
-                    <a:extLst>
-                      <a:ext uri="{FF2B5EF4-FFF2-40B4-BE49-F238E27FC236}">
-                        <a16:creationId xmlns:a16="http://schemas.microsoft.com/office/drawing/2014/main" id="{02B7163E-56A8-323C-A6CA-C67331DEE812}"/>
-                      </a:ext>
-                    </a:extLst>
-                  </p:cNvPr>
-                  <p:cNvSpPr txBox="1"/>
-                  <p:nvPr/>
-                </p:nvSpPr>
-                <p:spPr>
-                  <a:xfrm>
-                    <a:off x="4410783" y="1267211"/>
-                    <a:ext cx="792205" cy="276999"/>
-                  </a:xfrm>
-                  <a:prstGeom prst="rect">
-                    <a:avLst/>
-                  </a:prstGeom>
-                  <a:noFill/>
-                </p:spPr>
-                <p:txBody>
-                  <a:bodyPr wrap="none" rtlCol="0">
-                    <a:spAutoFit/>
-                  </a:bodyPr>
-                  <a:lstStyle/>
-                  <a:p>
-                    <a:pPr marL="0" marR="0" lvl="0" indent="0" algn="l" defTabSz="914400" rtl="0" eaLnBrk="1" fontAlgn="auto" latinLnBrk="0" hangingPunct="1">
-                      <a:lnSpc>
-                        <a:spcPct val="100000"/>
-                      </a:lnSpc>
-                      <a:spcBef>
-                        <a:spcPts val="0"/>
-                      </a:spcBef>
-                      <a:spcAft>
-                        <a:spcPts val="0"/>
-                      </a:spcAft>
-                      <a:buClrTx/>
-                      <a:buSzTx/>
-                      <a:buFontTx/>
-                      <a:buNone/>
-                      <a:tabLst/>
-                      <a:defRPr/>
-                    </a:pPr>
-                    <a:r>
-                      <a:rPr kumimoji="0" lang="en-US" sz="1200" b="0" i="0" u="none" strike="noStrike" kern="1200" cap="none" spc="0" normalizeH="0" baseline="0" noProof="0" dirty="0">
-                        <a:ln>
-                          <a:noFill/>
-                        </a:ln>
-                        <a:solidFill>
-                          <a:prstClr val="black"/>
-                        </a:solidFill>
-                        <a:effectLst/>
-                        <a:uLnTx/>
-                        <a:uFillTx/>
-                        <a:latin typeface="Times New Roman" panose="02020603050405020304" pitchFamily="18" charset="0"/>
-                        <a:ea typeface="+mn-ea"/>
-                        <a:cs typeface="Times New Roman" panose="02020603050405020304" pitchFamily="18" charset="0"/>
-                      </a:rPr>
-                      <a:t>Harbaugh</a:t>
-                    </a:r>
-                  </a:p>
-                </p:txBody>
-              </p:sp>
-              <p:sp>
-                <p:nvSpPr>
-                  <p:cNvPr id="16" name="Rectangle 15">
-                    <a:extLst>
-                      <a:ext uri="{FF2B5EF4-FFF2-40B4-BE49-F238E27FC236}">
-                        <a16:creationId xmlns:a16="http://schemas.microsoft.com/office/drawing/2014/main" id="{14AB0B83-810A-824D-90DB-10C6CE2F7C39}"/>
-                      </a:ext>
-                    </a:extLst>
-                  </p:cNvPr>
-                  <p:cNvSpPr/>
-                  <p:nvPr/>
-                </p:nvSpPr>
-                <p:spPr>
-                  <a:xfrm>
-                    <a:off x="5029200" y="3609975"/>
-                    <a:ext cx="276225" cy="309563"/>
-                  </a:xfrm>
-                  <a:prstGeom prst="rect">
-                    <a:avLst/>
-                  </a:prstGeom>
-                  <a:solidFill>
-                    <a:schemeClr val="accent2">
-                      <a:lumMod val="75000"/>
-                    </a:schemeClr>
-                  </a:solidFill>
-                  <a:ln>
-                    <a:solidFill>
-                      <a:schemeClr val="accent2">
-                        <a:lumMod val="75000"/>
-                      </a:schemeClr>
-                    </a:solidFill>
-                  </a:ln>
-                </p:spPr>
-                <p:style>
-                  <a:lnRef idx="2">
-                    <a:schemeClr val="accent1">
-                      <a:shade val="50000"/>
-                    </a:schemeClr>
-                  </a:lnRef>
-                  <a:fillRef idx="1">
-                    <a:schemeClr val="accent1"/>
-                  </a:fillRef>
-                  <a:effectRef idx="0">
-                    <a:schemeClr val="accent1"/>
-                  </a:effectRef>
-                  <a:fontRef idx="minor">
-                    <a:schemeClr val="lt1"/>
-                  </a:fontRef>
-                </p:style>
-                <p:txBody>
-                  <a:bodyPr rtlCol="0" anchor="ctr"/>
-                  <a:lstStyle/>
-                  <a:p>
-                    <a:pPr marL="0" marR="0" lvl="0" indent="0" algn="ctr" defTabSz="914400" rtl="0" eaLnBrk="1" fontAlgn="auto" latinLnBrk="0" hangingPunct="1">
-                      <a:lnSpc>
-                        <a:spcPct val="100000"/>
-                      </a:lnSpc>
-                      <a:spcBef>
-                        <a:spcPts val="0"/>
-                      </a:spcBef>
-                      <a:spcAft>
-                        <a:spcPts val="0"/>
-                      </a:spcAft>
-                      <a:buClrTx/>
-                      <a:buSzTx/>
-                      <a:buFontTx/>
-                      <a:buNone/>
-                      <a:tabLst/>
-                      <a:defRPr/>
-                    </a:pPr>
-                    <a:endParaRPr kumimoji="0" lang="en-US" sz="1800" b="0" i="0" u="none" strike="noStrike" kern="1200" cap="none" spc="0" normalizeH="0" baseline="0" noProof="0">
-                      <a:ln>
-                        <a:noFill/>
-                      </a:ln>
-                      <a:solidFill>
-                        <a:prstClr val="white"/>
-                      </a:solidFill>
-                      <a:effectLst/>
-                      <a:uLnTx/>
-                      <a:uFillTx/>
-                      <a:latin typeface="Calibri" panose="020F0502020204030204"/>
-                      <a:ea typeface="+mn-ea"/>
-                      <a:cs typeface="+mn-cs"/>
-                    </a:endParaRPr>
-                  </a:p>
-                </p:txBody>
-              </p:sp>
-              <p:sp>
-                <p:nvSpPr>
-                  <p:cNvPr id="17" name="Rectangle 16">
-                    <a:extLst>
-                      <a:ext uri="{FF2B5EF4-FFF2-40B4-BE49-F238E27FC236}">
-                        <a16:creationId xmlns:a16="http://schemas.microsoft.com/office/drawing/2014/main" id="{BFBE8C78-2823-63E7-980C-088E99830CB2}"/>
-                      </a:ext>
-                    </a:extLst>
-                  </p:cNvPr>
-                  <p:cNvSpPr/>
-                  <p:nvPr/>
-                </p:nvSpPr>
-                <p:spPr>
-                  <a:xfrm>
-                    <a:off x="5564982" y="2124075"/>
-                    <a:ext cx="57150" cy="100013"/>
-                  </a:xfrm>
-                  <a:prstGeom prst="rect">
-                    <a:avLst/>
-                  </a:prstGeom>
-                  <a:solidFill>
-                    <a:srgbClr val="FF0000"/>
-                  </a:solidFill>
-                  <a:ln>
-                    <a:solidFill>
-                      <a:srgbClr val="FF0000"/>
-                    </a:solidFill>
-                  </a:ln>
-                </p:spPr>
-                <p:style>
-                  <a:lnRef idx="2">
-                    <a:schemeClr val="accent1">
-                      <a:shade val="50000"/>
-                    </a:schemeClr>
-                  </a:lnRef>
-                  <a:fillRef idx="1">
-                    <a:schemeClr val="accent1"/>
-                  </a:fillRef>
-                  <a:effectRef idx="0">
-                    <a:schemeClr val="accent1"/>
-                  </a:effectRef>
-                  <a:fontRef idx="minor">
-                    <a:schemeClr val="lt1"/>
-                  </a:fontRef>
-                </p:style>
-                <p:txBody>
-                  <a:bodyPr rtlCol="0" anchor="ctr"/>
-                  <a:lstStyle/>
-                  <a:p>
-                    <a:pPr marL="0" marR="0" lvl="0" indent="0" algn="ctr" defTabSz="914400" rtl="0" eaLnBrk="1" fontAlgn="auto" latinLnBrk="0" hangingPunct="1">
-                      <a:lnSpc>
-                        <a:spcPct val="100000"/>
-                      </a:lnSpc>
-                      <a:spcBef>
-                        <a:spcPts val="0"/>
-                      </a:spcBef>
-                      <a:spcAft>
-                        <a:spcPts val="0"/>
-                      </a:spcAft>
-                      <a:buClrTx/>
-                      <a:buSzTx/>
-                      <a:buFontTx/>
-                      <a:buNone/>
-                      <a:tabLst/>
-                      <a:defRPr/>
-                    </a:pPr>
-                    <a:endParaRPr kumimoji="0" lang="en-US" sz="1800" b="0" i="0" u="none" strike="noStrike" kern="1200" cap="none" spc="0" normalizeH="0" baseline="0" noProof="0">
-                      <a:ln>
-                        <a:noFill/>
-                      </a:ln>
-                      <a:solidFill>
-                        <a:prstClr val="white"/>
-                      </a:solidFill>
-                      <a:effectLst/>
-                      <a:uLnTx/>
-                      <a:uFillTx/>
-                      <a:latin typeface="Calibri" panose="020F0502020204030204"/>
-                      <a:ea typeface="+mn-ea"/>
-                      <a:cs typeface="+mn-cs"/>
-                    </a:endParaRPr>
-                  </a:p>
-                </p:txBody>
-              </p:sp>
-              <p:sp>
-                <p:nvSpPr>
-                  <p:cNvPr id="18" name="Rectangle 17">
-                    <a:extLst>
-                      <a:ext uri="{FF2B5EF4-FFF2-40B4-BE49-F238E27FC236}">
-                        <a16:creationId xmlns:a16="http://schemas.microsoft.com/office/drawing/2014/main" id="{481EC1FE-0A65-2874-1531-42022D3F5F7B}"/>
-                      </a:ext>
-                    </a:extLst>
-                  </p:cNvPr>
-                  <p:cNvSpPr/>
-                  <p:nvPr/>
-                </p:nvSpPr>
-                <p:spPr>
-                  <a:xfrm>
-                    <a:off x="7605712" y="1716048"/>
-                    <a:ext cx="142875" cy="141328"/>
-                  </a:xfrm>
-                  <a:prstGeom prst="rect">
-                    <a:avLst/>
-                  </a:prstGeom>
-                  <a:solidFill>
-                    <a:srgbClr val="FF0000"/>
-                  </a:solidFill>
-                  <a:ln>
-                    <a:solidFill>
-                      <a:srgbClr val="FF0000"/>
-                    </a:solidFill>
-                  </a:ln>
-                </p:spPr>
-                <p:style>
-                  <a:lnRef idx="2">
-                    <a:schemeClr val="accent1">
-                      <a:shade val="50000"/>
-                    </a:schemeClr>
-                  </a:lnRef>
-                  <a:fillRef idx="1">
-                    <a:schemeClr val="accent1"/>
-                  </a:fillRef>
-                  <a:effectRef idx="0">
-                    <a:schemeClr val="accent1"/>
-                  </a:effectRef>
-                  <a:fontRef idx="minor">
-                    <a:schemeClr val="lt1"/>
-                  </a:fontRef>
-                </p:style>
-                <p:txBody>
-                  <a:bodyPr rtlCol="0" anchor="ctr"/>
-                  <a:lstStyle/>
-                  <a:p>
-                    <a:pPr marL="0" marR="0" lvl="0" indent="0" algn="ctr" defTabSz="914400" rtl="0" eaLnBrk="1" fontAlgn="auto" latinLnBrk="0" hangingPunct="1">
-                      <a:lnSpc>
-                        <a:spcPct val="100000"/>
-                      </a:lnSpc>
-                      <a:spcBef>
-                        <a:spcPts val="0"/>
-                      </a:spcBef>
-                      <a:spcAft>
-                        <a:spcPts val="0"/>
-                      </a:spcAft>
-                      <a:buClrTx/>
-                      <a:buSzTx/>
-                      <a:buFontTx/>
-                      <a:buNone/>
-                      <a:tabLst/>
-                      <a:defRPr/>
-                    </a:pPr>
-                    <a:endParaRPr kumimoji="0" lang="en-US" sz="1800" b="0" i="0" u="none" strike="noStrike" kern="1200" cap="none" spc="0" normalizeH="0" baseline="0" noProof="0">
-                      <a:ln>
-                        <a:noFill/>
-                      </a:ln>
-                      <a:solidFill>
-                        <a:prstClr val="white"/>
-                      </a:solidFill>
-                      <a:effectLst/>
-                      <a:uLnTx/>
-                      <a:uFillTx/>
-                      <a:latin typeface="Calibri" panose="020F0502020204030204"/>
-                      <a:ea typeface="+mn-ea"/>
-                      <a:cs typeface="+mn-cs"/>
-                    </a:endParaRPr>
-                  </a:p>
-                </p:txBody>
-              </p:sp>
-              <p:cxnSp>
-                <p:nvCxnSpPr>
-                  <p:cNvPr id="19" name="Straight Connector 18">
-                    <a:extLst>
-                      <a:ext uri="{FF2B5EF4-FFF2-40B4-BE49-F238E27FC236}">
-                        <a16:creationId xmlns:a16="http://schemas.microsoft.com/office/drawing/2014/main" id="{5C4BBAC6-9689-1CDF-0A38-7F5DC695A55A}"/>
-                      </a:ext>
-                    </a:extLst>
-                  </p:cNvPr>
-                  <p:cNvCxnSpPr/>
-                  <p:nvPr/>
-                </p:nvCxnSpPr>
-                <p:spPr>
-                  <a:xfrm>
-                    <a:off x="5476875" y="3557588"/>
-                    <a:ext cx="0" cy="2795587"/>
-                  </a:xfrm>
-                  <a:prstGeom prst="line">
-                    <a:avLst/>
-                  </a:prstGeom>
-                  <a:ln w="38100">
-                    <a:solidFill>
-                      <a:srgbClr val="0070C0"/>
-                    </a:solidFill>
-                  </a:ln>
-                </p:spPr>
-                <p:style>
-                  <a:lnRef idx="1">
-                    <a:schemeClr val="accent1"/>
-                  </a:lnRef>
-                  <a:fillRef idx="0">
-                    <a:schemeClr val="accent1"/>
-                  </a:fillRef>
-                  <a:effectRef idx="0">
-                    <a:schemeClr val="accent1"/>
-                  </a:effectRef>
-                  <a:fontRef idx="minor">
-                    <a:schemeClr val="tx1"/>
-                  </a:fontRef>
-                </p:style>
-              </p:cxnSp>
-              <p:sp>
-                <p:nvSpPr>
-                  <p:cNvPr id="20" name="Rectangle 19">
-                    <a:extLst>
-                      <a:ext uri="{FF2B5EF4-FFF2-40B4-BE49-F238E27FC236}">
-                        <a16:creationId xmlns:a16="http://schemas.microsoft.com/office/drawing/2014/main" id="{F4A07C0D-4B19-2843-AE92-8DED09AD1E6C}"/>
-                      </a:ext>
-                    </a:extLst>
-                  </p:cNvPr>
-                  <p:cNvSpPr/>
-                  <p:nvPr/>
-                </p:nvSpPr>
-                <p:spPr>
-                  <a:xfrm>
-                    <a:off x="6162675" y="442913"/>
-                    <a:ext cx="557213" cy="595312"/>
-                  </a:xfrm>
-                  <a:prstGeom prst="rect">
-                    <a:avLst/>
-                  </a:prstGeom>
-                  <a:noFill/>
-                  <a:ln>
-                    <a:solidFill>
-                      <a:schemeClr val="accent2">
-                        <a:lumMod val="50000"/>
-                      </a:schemeClr>
-                    </a:solidFill>
-                    <a:prstDash val="sysDot"/>
-                  </a:ln>
-                </p:spPr>
-                <p:style>
-                  <a:lnRef idx="2">
-                    <a:schemeClr val="accent1">
-                      <a:shade val="50000"/>
-                    </a:schemeClr>
-                  </a:lnRef>
-                  <a:fillRef idx="1">
-                    <a:schemeClr val="accent1"/>
-                  </a:fillRef>
-                  <a:effectRef idx="0">
-                    <a:schemeClr val="accent1"/>
-                  </a:effectRef>
-                  <a:fontRef idx="minor">
-                    <a:schemeClr val="lt1"/>
-                  </a:fontRef>
-                </p:style>
-                <p:txBody>
-                  <a:bodyPr rtlCol="0" anchor="ctr"/>
-                  <a:lstStyle/>
-                  <a:p>
-                    <a:pPr marL="0" marR="0" lvl="0" indent="0" algn="ctr" defTabSz="914400" rtl="0" eaLnBrk="1" fontAlgn="auto" latinLnBrk="0" hangingPunct="1">
-                      <a:lnSpc>
-                        <a:spcPct val="100000"/>
-                      </a:lnSpc>
-                      <a:spcBef>
-                        <a:spcPts val="0"/>
-                      </a:spcBef>
-                      <a:spcAft>
-                        <a:spcPts val="0"/>
-                      </a:spcAft>
-                      <a:buClrTx/>
-                      <a:buSzTx/>
-                      <a:buFontTx/>
-                      <a:buNone/>
-                      <a:tabLst/>
-                      <a:defRPr/>
-                    </a:pPr>
-                    <a:endParaRPr kumimoji="0" lang="en-US" sz="1800" b="0" i="0" u="none" strike="noStrike" kern="1200" cap="none" spc="0" normalizeH="0" baseline="0" noProof="0">
-                      <a:ln>
-                        <a:noFill/>
-                      </a:ln>
-                      <a:solidFill>
-                        <a:prstClr val="white"/>
-                      </a:solidFill>
-                      <a:effectLst/>
-                      <a:uLnTx/>
-                      <a:uFillTx/>
-                      <a:latin typeface="Calibri" panose="020F0502020204030204"/>
-                      <a:ea typeface="+mn-ea"/>
-                      <a:cs typeface="+mn-cs"/>
-                    </a:endParaRPr>
-                  </a:p>
-                </p:txBody>
-              </p:sp>
-            </p:grpSp>
-            <p:sp>
-              <p:nvSpPr>
-                <p:cNvPr id="10" name="TextBox 9">
-                  <a:extLst>
-                    <a:ext uri="{FF2B5EF4-FFF2-40B4-BE49-F238E27FC236}">
-                      <a16:creationId xmlns:a16="http://schemas.microsoft.com/office/drawing/2014/main" id="{23215490-A81C-45F0-0461-59D711A1C734}"/>
-                    </a:ext>
-                  </a:extLst>
-                </p:cNvPr>
-                <p:cNvSpPr txBox="1"/>
-                <p:nvPr/>
-              </p:nvSpPr>
-              <p:spPr>
-                <a:xfrm>
-                  <a:off x="4612144" y="2171497"/>
-                  <a:ext cx="790601" cy="215444"/>
-                </a:xfrm>
-                <a:prstGeom prst="rect">
-                  <a:avLst/>
-                </a:prstGeom>
-                <a:noFill/>
-              </p:spPr>
-              <p:txBody>
-                <a:bodyPr wrap="none" rtlCol="0">
-                  <a:spAutoFit/>
-                </a:bodyPr>
-                <a:lstStyle/>
-                <a:p>
-                  <a:pPr marL="0" marR="0" lvl="0" indent="0" algn="l" defTabSz="914400" rtl="0" eaLnBrk="1" fontAlgn="auto" latinLnBrk="0" hangingPunct="1">
-                    <a:lnSpc>
-                      <a:spcPct val="100000"/>
-                    </a:lnSpc>
-                    <a:spcBef>
-                      <a:spcPts val="0"/>
-                    </a:spcBef>
-                    <a:spcAft>
-                      <a:spcPts val="0"/>
-                    </a:spcAft>
-                    <a:buClrTx/>
-                    <a:buSzTx/>
-                    <a:buFontTx/>
-                    <a:buNone/>
-                    <a:tabLst/>
-                    <a:defRPr/>
-                  </a:pPr>
-                  <a:r>
-                    <a:rPr kumimoji="0" lang="en-US" sz="800" b="0" i="0" u="none" strike="noStrike" kern="1200" cap="none" spc="0" normalizeH="0" baseline="0" noProof="0" dirty="0">
-                      <a:ln>
-                        <a:noFill/>
-                      </a:ln>
-                      <a:solidFill>
-                        <a:prstClr val="black"/>
-                      </a:solidFill>
-                      <a:effectLst/>
-                      <a:uLnTx/>
-                      <a:uFillTx/>
-                      <a:latin typeface="Times New Roman" panose="02020603050405020304" pitchFamily="18" charset="0"/>
-                      <a:ea typeface="+mn-ea"/>
-                      <a:cs typeface="Times New Roman" panose="02020603050405020304" pitchFamily="18" charset="0"/>
-                    </a:rPr>
-                    <a:t>L &amp; H Lounge</a:t>
-                  </a:r>
-                </a:p>
-              </p:txBody>
-            </p:sp>
-            <p:cxnSp>
-              <p:nvCxnSpPr>
-                <p:cNvPr id="11" name="Straight Arrow Connector 10">
-                  <a:extLst>
-                    <a:ext uri="{FF2B5EF4-FFF2-40B4-BE49-F238E27FC236}">
-                      <a16:creationId xmlns:a16="http://schemas.microsoft.com/office/drawing/2014/main" id="{D6C35D57-40CE-753A-BDC6-6DB0434161A9}"/>
-                    </a:ext>
-                  </a:extLst>
-                </p:cNvPr>
-                <p:cNvCxnSpPr>
-                  <a:endCxn id="13" idx="52"/>
-                </p:cNvCxnSpPr>
-                <p:nvPr/>
-              </p:nvCxnSpPr>
-              <p:spPr>
-                <a:xfrm>
-                  <a:off x="5156191" y="2377425"/>
-                  <a:ext cx="215130" cy="58369"/>
-                </a:xfrm>
-                <a:prstGeom prst="straightConnector1">
-                  <a:avLst/>
-                </a:prstGeom>
-                <a:ln>
-                  <a:solidFill>
-                    <a:schemeClr val="tx1"/>
-                  </a:solidFill>
-                  <a:tailEnd type="triangle"/>
-                </a:ln>
-              </p:spPr>
-              <p:style>
-                <a:lnRef idx="1">
-                  <a:schemeClr val="accent1"/>
-                </a:lnRef>
-                <a:fillRef idx="0">
-                  <a:schemeClr val="accent1"/>
-                </a:fillRef>
-                <a:effectRef idx="0">
-                  <a:schemeClr val="accent1"/>
-                </a:effectRef>
-                <a:fontRef idx="minor">
-                  <a:schemeClr val="tx1"/>
-                </a:fontRef>
-              </p:style>
-            </p:cxnSp>
-          </p:grpSp>
-        </p:grpSp>
-      </p:grpSp>
-    </p:spTree>
-    <p:extLst>
-      <p:ext uri="{BB962C8B-B14F-4D97-AF65-F5344CB8AC3E}">
-        <p14:creationId xmlns:p14="http://schemas.microsoft.com/office/powerpoint/2010/main" val="1125209321"/>
-      </p:ext>
-    </p:extLst>
-  </p:cSld>
-  <p:clrMapOvr>
-    <a:masterClrMapping/>
-  </p:clrMapOvr>
-</p:sld>
-</file>
-
-<file path=ppt/slides/slide16.xml><?xml version="1.0" encoding="utf-8"?>
-<p:sld xmlns:a="http://schemas.openxmlformats.org/drawingml/2006/main" xmlns:r="http://schemas.openxmlformats.org/officeDocument/2006/relationships" xmlns:p="http://schemas.openxmlformats.org/presentationml/2006/main">
-  <p:cSld>
-    <p:spTree>
-      <p:nvGrpSpPr>
-        <p:cNvPr id="1" name=""/>
-        <p:cNvGrpSpPr/>
-        <p:nvPr/>
-      </p:nvGrpSpPr>
-      <p:grpSpPr>
-        <a:xfrm>
-          <a:off x="0" y="0"/>
-          <a:ext cx="0" cy="0"/>
-          <a:chOff x="0" y="0"/>
-          <a:chExt cx="0" cy="0"/>
-        </a:xfrm>
-      </p:grpSpPr>
-      <p:sp>
-        <p:nvSpPr>
-          <p:cNvPr id="2" name="Title 1">
-            <a:extLst>
-              <a:ext uri="{FF2B5EF4-FFF2-40B4-BE49-F238E27FC236}">
-                <a16:creationId xmlns:a16="http://schemas.microsoft.com/office/drawing/2014/main" id="{668CB90D-6B56-0C2B-2165-622A9A577EB0}"/>
-              </a:ext>
-            </a:extLst>
-          </p:cNvPr>
-          <p:cNvSpPr>
-            <a:spLocks noGrp="1"/>
-          </p:cNvSpPr>
-          <p:nvPr>
-            <p:ph type="title"/>
-          </p:nvPr>
-        </p:nvSpPr>
-        <p:spPr/>
-        <p:txBody>
-          <a:bodyPr/>
-          <a:lstStyle/>
-          <a:p>
-            <a:r>
-              <a:rPr lang="en-US" dirty="0"/>
-              <a:t>Stage 2 – Initial Model Development</a:t>
-            </a:r>
-          </a:p>
-        </p:txBody>
-      </p:sp>
-      <p:grpSp>
-        <p:nvGrpSpPr>
-          <p:cNvPr id="25" name="Group 24">
-            <a:extLst>
-              <a:ext uri="{FF2B5EF4-FFF2-40B4-BE49-F238E27FC236}">
-                <a16:creationId xmlns:a16="http://schemas.microsoft.com/office/drawing/2014/main" id="{E34D2DDB-3867-5E13-8ADE-16BE1A6A8816}"/>
-              </a:ext>
-            </a:extLst>
-          </p:cNvPr>
-          <p:cNvGrpSpPr/>
-          <p:nvPr/>
-        </p:nvGrpSpPr>
-        <p:grpSpPr>
-          <a:xfrm>
-            <a:off x="1612842" y="1143000"/>
-            <a:ext cx="8966315" cy="5410200"/>
-            <a:chOff x="1470158" y="1143000"/>
-            <a:chExt cx="8966315" cy="5410200"/>
-          </a:xfrm>
-        </p:grpSpPr>
-        <p:pic>
-          <p:nvPicPr>
-            <p:cNvPr id="24" name="Picture 23">
-              <a:extLst>
-                <a:ext uri="{FF2B5EF4-FFF2-40B4-BE49-F238E27FC236}">
-                  <a16:creationId xmlns:a16="http://schemas.microsoft.com/office/drawing/2014/main" id="{21EB36A2-4C06-8250-8EE9-01F8F06FAFE9}"/>
-                </a:ext>
-              </a:extLst>
-            </p:cNvPr>
-            <p:cNvPicPr>
-              <a:picLocks noChangeAspect="1"/>
-            </p:cNvPicPr>
-            <p:nvPr/>
-          </p:nvPicPr>
-          <p:blipFill rotWithShape="1">
-            <a:blip r:embed="rId2">
-              <a:extLst>
-                <a:ext uri="{28A0092B-C50C-407E-A947-70E740481C1C}">
-                  <a14:useLocalDpi xmlns:a14="http://schemas.microsoft.com/office/drawing/2010/main" val="0"/>
-                </a:ext>
-              </a:extLst>
-            </a:blip>
-            <a:srcRect l="6770" t="9108" b="4115"/>
-            <a:stretch/>
-          </p:blipFill>
-          <p:spPr>
-            <a:xfrm>
-              <a:off x="5965958" y="1156606"/>
-              <a:ext cx="4470515" cy="5396594"/>
-            </a:xfrm>
-            <a:prstGeom prst="rect">
-              <a:avLst/>
-            </a:prstGeom>
-          </p:spPr>
-        </p:pic>
-        <p:pic>
-          <p:nvPicPr>
-            <p:cNvPr id="22" name="Picture 21">
-              <a:extLst>
-                <a:ext uri="{FF2B5EF4-FFF2-40B4-BE49-F238E27FC236}">
-                  <a16:creationId xmlns:a16="http://schemas.microsoft.com/office/drawing/2014/main" id="{DC93FBD7-C758-462B-61D6-6E7F9EB432CF}"/>
-                </a:ext>
-              </a:extLst>
-            </p:cNvPr>
-            <p:cNvPicPr>
-              <a:picLocks noChangeAspect="1"/>
-            </p:cNvPicPr>
-            <p:nvPr/>
-          </p:nvPicPr>
-          <p:blipFill rotWithShape="1">
-            <a:blip r:embed="rId3" cstate="print">
-              <a:extLst>
-                <a:ext uri="{28A0092B-C50C-407E-A947-70E740481C1C}">
-                  <a14:useLocalDpi xmlns:a14="http://schemas.microsoft.com/office/drawing/2010/main" val="0"/>
-                </a:ext>
-              </a:extLst>
-            </a:blip>
-            <a:srcRect l="8211" t="7778" r="19738" b="13333"/>
-            <a:stretch/>
-          </p:blipFill>
-          <p:spPr>
-            <a:xfrm>
-              <a:off x="1470158" y="1143000"/>
-              <a:ext cx="3810000" cy="5410200"/>
-            </a:xfrm>
-            <a:prstGeom prst="rect">
-              <a:avLst/>
-            </a:prstGeom>
-          </p:spPr>
-        </p:pic>
-      </p:grpSp>
-    </p:spTree>
-    <p:extLst>
-      <p:ext uri="{BB962C8B-B14F-4D97-AF65-F5344CB8AC3E}">
-        <p14:creationId xmlns:p14="http://schemas.microsoft.com/office/powerpoint/2010/main" val="2513473753"/>
-      </p:ext>
-    </p:extLst>
-  </p:cSld>
-  <p:clrMapOvr>
-    <a:masterClrMapping/>
-  </p:clrMapOvr>
-</p:sld>
-</file>
-
 <file path=ppt/slides/slide2.xml><?xml version="1.0" encoding="utf-8"?>
 <p:sld xmlns:a="http://schemas.openxmlformats.org/drawingml/2006/main" xmlns:r="http://schemas.openxmlformats.org/officeDocument/2006/relationships" xmlns:p="http://schemas.openxmlformats.org/presentationml/2006/main">
   <p:cSld>
@@ -24696,7 +22501,7 @@
         <a:effectLst/>
         <a:extLst>
           <a:ext uri="{AF507438-7753-43e0-B8FC-AC1667EBCBE1}">
-            <a14:hiddenEffects xmlns="" xmlns:a14="http://schemas.microsoft.com/office/drawing/2010/main">
+            <a14:hiddenEffects xmlns:a14="http://schemas.microsoft.com/office/drawing/2010/main" xmlns="">
               <a:effectLst>
                 <a:outerShdw blurRad="63500" dist="38099" dir="2700000" algn="ctr" rotWithShape="0">
                   <a:schemeClr val="bg2">
@@ -24772,7 +22577,7 @@
         <a:effectLst/>
         <a:extLst>
           <a:ext uri="{AF507438-7753-43e0-B8FC-AC1667EBCBE1}">
-            <a14:hiddenEffects xmlns="" xmlns:a14="http://schemas.microsoft.com/office/drawing/2010/main">
+            <a14:hiddenEffects xmlns:a14="http://schemas.microsoft.com/office/drawing/2010/main" xmlns="">
               <a:effectLst>
                 <a:outerShdw blurRad="63500" dist="38099" dir="2700000" algn="ctr" rotWithShape="0">
                   <a:schemeClr val="bg2">

--- a/Lectures/Day3_4lecture_McDonaldValley_Stage1.pptx
+++ b/Lectures/Day3_4lecture_McDonaldValley_Stage1.pptx
@@ -2601,14 +2601,14 @@
           <a:effectLst/>
           <a:extLst>
             <a:ext uri="{909E8E84-426E-40dd-AFC4-6F175D3DCCD1}">
-              <a14:hiddenFill xmlns="" xmlns:a14="http://schemas.microsoft.com/office/drawing/2010/main">
+              <a14:hiddenFill xmlns:a14="http://schemas.microsoft.com/office/drawing/2010/main" xmlns="">
                 <a:solidFill>
                   <a:schemeClr val="accent1"/>
                 </a:solidFill>
               </a14:hiddenFill>
             </a:ext>
             <a:ext uri="{91240B29-F687-4f45-9708-019B960494DF}">
-              <a14:hiddenLine xmlns="" xmlns:a14="http://schemas.microsoft.com/office/drawing/2010/main" w="12700">
+              <a14:hiddenLine xmlns:a14="http://schemas.microsoft.com/office/drawing/2010/main" xmlns="" w="12700">
                 <a:solidFill>
                   <a:schemeClr val="tx1"/>
                 </a:solidFill>
@@ -2618,7 +2618,7 @@
               </a14:hiddenLine>
             </a:ext>
             <a:ext uri="{AF507438-7753-43e0-B8FC-AC1667EBCBE1}">
-              <a14:hiddenEffects xmlns="" xmlns:a14="http://schemas.microsoft.com/office/drawing/2010/main">
+              <a14:hiddenEffects xmlns:a14="http://schemas.microsoft.com/office/drawing/2010/main" xmlns="">
                 <a:effectLst>
                   <a:outerShdw blurRad="63500" dist="38099" dir="2700000" algn="ctr" rotWithShape="0">
                     <a:schemeClr val="bg2">
@@ -2629,7 +2629,7 @@
               </a14:hiddenEffects>
             </a:ext>
             <a:ext uri="{FAA26D3D-D897-4be2-8F04-BA451C77F1D7}">
-              <ma14:placeholderFlag xmlns="" xmlns:ma14="http://schemas.microsoft.com/office/mac/drawingml/2011/main" val="1"/>
+              <ma14:placeholderFlag xmlns:ma14="http://schemas.microsoft.com/office/mac/drawingml/2011/main" xmlns="" val="1"/>
             </a:ext>
           </a:extLst>
         </p:spPr>
@@ -2707,12 +2707,12 @@
           <a:effectLst/>
           <a:extLst>
             <a:ext uri="{909E8E84-426E-40dd-AFC4-6F175D3DCCD1}">
-              <a14:hiddenFill xmlns="" xmlns:a14="http://schemas.microsoft.com/office/drawing/2010/main">
+              <a14:hiddenFill xmlns:a14="http://schemas.microsoft.com/office/drawing/2010/main" xmlns="">
                 <a:noFill/>
               </a14:hiddenFill>
             </a:ext>
             <a:ext uri="{AF507438-7753-43e0-B8FC-AC1667EBCBE1}">
-              <a14:hiddenEffects xmlns="" xmlns:a14="http://schemas.microsoft.com/office/drawing/2010/main">
+              <a14:hiddenEffects xmlns:a14="http://schemas.microsoft.com/office/drawing/2010/main" xmlns="">
                 <a:effectLst>
                   <a:outerShdw blurRad="63500" dist="38099" dir="2700000" algn="ctr" rotWithShape="0">
                     <a:srgbClr val="000000">
@@ -2723,7 +2723,7 @@
               </a14:hiddenEffects>
             </a:ext>
             <a:ext uri="{53640926-AAD7-44d8-BBD7-CCE9431645EC}">
-              <a14:shadowObscured xmlns="" xmlns:a14="http://schemas.microsoft.com/office/drawing/2010/main" val="1"/>
+              <a14:shadowObscured xmlns:a14="http://schemas.microsoft.com/office/drawing/2010/main" xmlns="" val="1"/>
             </a:ext>
           </a:extLst>
         </p:spPr>
@@ -2901,14 +2901,14 @@
           <a:effectLst/>
           <a:extLst>
             <a:ext uri="{909E8E84-426E-40dd-AFC4-6F175D3DCCD1}">
-              <a14:hiddenFill xmlns:a14="http://schemas.microsoft.com/office/drawing/2010/main" xmlns="">
+              <a14:hiddenFill xmlns="" xmlns:a14="http://schemas.microsoft.com/office/drawing/2010/main">
                 <a:solidFill>
                   <a:schemeClr val="accent1"/>
                 </a:solidFill>
               </a14:hiddenFill>
             </a:ext>
             <a:ext uri="{91240B29-F687-4f45-9708-019B960494DF}">
-              <a14:hiddenLine xmlns:a14="http://schemas.microsoft.com/office/drawing/2010/main" xmlns="" w="12700">
+              <a14:hiddenLine xmlns="" xmlns:a14="http://schemas.microsoft.com/office/drawing/2010/main" w="12700">
                 <a:solidFill>
                   <a:schemeClr val="tx1"/>
                 </a:solidFill>
@@ -2918,7 +2918,7 @@
               </a14:hiddenLine>
             </a:ext>
             <a:ext uri="{AF507438-7753-43e0-B8FC-AC1667EBCBE1}">
-              <a14:hiddenEffects xmlns:a14="http://schemas.microsoft.com/office/drawing/2010/main" xmlns="">
+              <a14:hiddenEffects xmlns="" xmlns:a14="http://schemas.microsoft.com/office/drawing/2010/main">
                 <a:effectLst>
                   <a:outerShdw blurRad="63500" dist="38099" dir="2700000" algn="ctr" rotWithShape="0">
                     <a:schemeClr val="bg2">
@@ -3073,14 +3073,14 @@
           </a:ln>
           <a:extLst>
             <a:ext uri="{909E8E84-426E-40dd-AFC4-6F175D3DCCD1}">
-              <a14:hiddenFill xmlns:a14="http://schemas.microsoft.com/office/drawing/2010/main" xmlns="">
+              <a14:hiddenFill xmlns="" xmlns:a14="http://schemas.microsoft.com/office/drawing/2010/main">
                 <a:solidFill>
                   <a:srgbClr val="FFFFFF"/>
                 </a:solidFill>
               </a14:hiddenFill>
             </a:ext>
             <a:ext uri="{91240B29-F687-4f45-9708-019B960494DF}">
-              <a14:hiddenLine xmlns:a14="http://schemas.microsoft.com/office/drawing/2010/main" xmlns="" w="9525">
+              <a14:hiddenLine xmlns="" xmlns:a14="http://schemas.microsoft.com/office/drawing/2010/main" w="9525">
                 <a:solidFill>
                   <a:srgbClr val="000000"/>
                 </a:solidFill>
@@ -4659,14 +4659,14 @@
           <a:effectLst/>
           <a:extLst>
             <a:ext uri="{909E8E84-426E-40dd-AFC4-6F175D3DCCD1}">
-              <a14:hiddenFill xmlns:a14="http://schemas.microsoft.com/office/drawing/2010/main" xmlns="">
+              <a14:hiddenFill xmlns="" xmlns:a14="http://schemas.microsoft.com/office/drawing/2010/main">
                 <a:solidFill>
                   <a:schemeClr val="accent1"/>
                 </a:solidFill>
               </a14:hiddenFill>
             </a:ext>
             <a:ext uri="{91240B29-F687-4f45-9708-019B960494DF}">
-              <a14:hiddenLine xmlns:a14="http://schemas.microsoft.com/office/drawing/2010/main" xmlns="" w="12700">
+              <a14:hiddenLine xmlns="" xmlns:a14="http://schemas.microsoft.com/office/drawing/2010/main" w="12700">
                 <a:solidFill>
                   <a:schemeClr val="tx1"/>
                 </a:solidFill>
@@ -4676,7 +4676,7 @@
               </a14:hiddenLine>
             </a:ext>
             <a:ext uri="{AF507438-7753-43e0-B8FC-AC1667EBCBE1}">
-              <a14:hiddenEffects xmlns:a14="http://schemas.microsoft.com/office/drawing/2010/main" xmlns="">
+              <a14:hiddenEffects xmlns="" xmlns:a14="http://schemas.microsoft.com/office/drawing/2010/main">
                 <a:effectLst>
                   <a:outerShdw blurRad="63500" dist="38099" dir="2700000" algn="ctr" rotWithShape="0">
                     <a:schemeClr val="bg2">
@@ -4687,7 +4687,7 @@
               </a14:hiddenEffects>
             </a:ext>
             <a:ext uri="{FAA26D3D-D897-4be2-8F04-BA451C77F1D7}">
-              <ma14:placeholderFlag xmlns:ma14="http://schemas.microsoft.com/office/mac/drawingml/2011/main" xmlns="" val="1"/>
+              <ma14:placeholderFlag xmlns="" xmlns:ma14="http://schemas.microsoft.com/office/mac/drawingml/2011/main" val="1"/>
             </a:ext>
           </a:extLst>
         </p:spPr>
@@ -4732,14 +4732,14 @@
           <a:effectLst/>
           <a:extLst>
             <a:ext uri="{909E8E84-426E-40dd-AFC4-6F175D3DCCD1}">
-              <a14:hiddenFill xmlns:a14="http://schemas.microsoft.com/office/drawing/2010/main" xmlns="">
+              <a14:hiddenFill xmlns="" xmlns:a14="http://schemas.microsoft.com/office/drawing/2010/main">
                 <a:solidFill>
                   <a:schemeClr val="accent1"/>
                 </a:solidFill>
               </a14:hiddenFill>
             </a:ext>
             <a:ext uri="{91240B29-F687-4f45-9708-019B960494DF}">
-              <a14:hiddenLine xmlns:a14="http://schemas.microsoft.com/office/drawing/2010/main" xmlns="" w="12700">
+              <a14:hiddenLine xmlns="" xmlns:a14="http://schemas.microsoft.com/office/drawing/2010/main" w="12700">
                 <a:solidFill>
                   <a:schemeClr val="tx1"/>
                 </a:solidFill>
@@ -4749,7 +4749,7 @@
               </a14:hiddenLine>
             </a:ext>
             <a:ext uri="{AF507438-7753-43e0-B8FC-AC1667EBCBE1}">
-              <a14:hiddenEffects xmlns:a14="http://schemas.microsoft.com/office/drawing/2010/main" xmlns="">
+              <a14:hiddenEffects xmlns="" xmlns:a14="http://schemas.microsoft.com/office/drawing/2010/main">
                 <a:effectLst>
                   <a:outerShdw blurRad="63500" dist="38099" dir="2700000" algn="ctr" rotWithShape="0">
                     <a:schemeClr val="bg2">
@@ -4760,7 +4760,7 @@
               </a14:hiddenEffects>
             </a:ext>
             <a:ext uri="{FAA26D3D-D897-4be2-8F04-BA451C77F1D7}">
-              <ma14:placeholderFlag xmlns:ma14="http://schemas.microsoft.com/office/mac/drawingml/2011/main" xmlns="" val="1"/>
+              <ma14:placeholderFlag xmlns="" xmlns:ma14="http://schemas.microsoft.com/office/mac/drawingml/2011/main" val="1"/>
             </a:ext>
           </a:extLst>
         </p:spPr>
@@ -4850,14 +4850,14 @@
           </a:ln>
           <a:extLst>
             <a:ext uri="{909E8E84-426E-40dd-AFC4-6F175D3DCCD1}">
-              <a14:hiddenFill xmlns:a14="http://schemas.microsoft.com/office/drawing/2010/main" xmlns="">
+              <a14:hiddenFill xmlns="" xmlns:a14="http://schemas.microsoft.com/office/drawing/2010/main">
                 <a:solidFill>
                   <a:srgbClr val="FFFFFF"/>
                 </a:solidFill>
               </a14:hiddenFill>
             </a:ext>
             <a:ext uri="{91240B29-F687-4f45-9708-019B960494DF}">
-              <a14:hiddenLine xmlns:a14="http://schemas.microsoft.com/office/drawing/2010/main" xmlns="" w="9525">
+              <a14:hiddenLine xmlns="" xmlns:a14="http://schemas.microsoft.com/office/drawing/2010/main" w="9525">
                 <a:solidFill>
                   <a:srgbClr val="000000"/>
                 </a:solidFill>
@@ -10780,14 +10780,22 @@
           <a:lstStyle/>
           <a:p>
             <a:r>
-              <a:rPr lang="en-US" dirty="0"/>
+              <a:rPr lang="en-US" dirty="0">
+                <a:solidFill>
+                  <a:srgbClr val="FFFF00"/>
+                </a:solidFill>
+              </a:rPr>
               <a:t>Stage 1 – Planning phase</a:t>
             </a:r>
           </a:p>
           <a:p>
             <a:pPr lvl="1"/>
             <a:r>
-              <a:rPr lang="en-US" dirty="0"/>
+              <a:rPr lang="en-US" dirty="0">
+                <a:solidFill>
+                  <a:srgbClr val="FFFF00"/>
+                </a:solidFill>
+              </a:rPr>
               <a:t>Evaluate project objectives and develop conceptual model</a:t>
             </a:r>
           </a:p>
@@ -22501,7 +22509,7 @@
         <a:effectLst/>
         <a:extLst>
           <a:ext uri="{AF507438-7753-43e0-B8FC-AC1667EBCBE1}">
-            <a14:hiddenEffects xmlns:a14="http://schemas.microsoft.com/office/drawing/2010/main" xmlns="">
+            <a14:hiddenEffects xmlns="" xmlns:a14="http://schemas.microsoft.com/office/drawing/2010/main">
               <a:effectLst>
                 <a:outerShdw blurRad="63500" dist="38099" dir="2700000" algn="ctr" rotWithShape="0">
                   <a:schemeClr val="bg2">
@@ -22577,7 +22585,7 @@
         <a:effectLst/>
         <a:extLst>
           <a:ext uri="{AF507438-7753-43e0-B8FC-AC1667EBCBE1}">
-            <a14:hiddenEffects xmlns:a14="http://schemas.microsoft.com/office/drawing/2010/main" xmlns="">
+            <a14:hiddenEffects xmlns="" xmlns:a14="http://schemas.microsoft.com/office/drawing/2010/main">
               <a:effectLst>
                 <a:outerShdw blurRad="63500" dist="38099" dir="2700000" algn="ctr" rotWithShape="0">
                   <a:schemeClr val="bg2">

--- a/Lectures/Day3_4lecture_McDonaldValley_Stage1.pptx
+++ b/Lectures/Day3_4lecture_McDonaldValley_Stage1.pptx
@@ -8950,10 +8950,31 @@
             </a:r>
           </a:p>
           <a:p>
+            <a:pPr lvl="2"/>
+            <a:r>
+              <a:rPr lang="en-US" dirty="0"/>
+              <a:t>Constant Head Boundary</a:t>
+            </a:r>
+          </a:p>
+          <a:p>
+            <a:pPr lvl="2"/>
+            <a:r>
+              <a:rPr lang="en-US" dirty="0"/>
+              <a:t>General Head Boundary</a:t>
+            </a:r>
+          </a:p>
+          <a:p>
+            <a:pPr lvl="2"/>
+            <a:r>
+              <a:rPr lang="en-US" dirty="0"/>
+              <a:t>High hydraulic conductivity</a:t>
+            </a:r>
+          </a:p>
+          <a:p>
             <a:pPr lvl="1"/>
             <a:r>
               <a:rPr lang="en-US" dirty="0"/>
-              <a:t>How did you decide to represent recharge?</a:t>
+              <a:t>How does this affect how you apply recharge?</a:t>
             </a:r>
           </a:p>
           <a:p>
@@ -16721,14 +16742,49 @@
             <a:pPr lvl="1"/>
             <a:r>
               <a:rPr lang="en-US" dirty="0"/>
-              <a:t>Headwater stage = 1.8 ft</a:t>
+              <a:t>Streamflow gages at Pollock’s for and down stream end (</a:t>
+            </a:r>
+            <a:r>
+              <a:rPr lang="en-US" dirty="0">
+                <a:solidFill>
+                  <a:srgbClr val="FFFF00"/>
+                </a:solidFill>
+              </a:rPr>
+              <a:t>884,494 ft</a:t>
+            </a:r>
+            <a:r>
+              <a:rPr lang="en-US" baseline="30000" dirty="0">
+                <a:solidFill>
+                  <a:srgbClr val="FFFF00"/>
+                </a:solidFill>
+              </a:rPr>
+              <a:t>3</a:t>
+            </a:r>
+            <a:r>
+              <a:rPr lang="en-US" dirty="0">
+                <a:solidFill>
+                  <a:srgbClr val="FFFF00"/>
+                </a:solidFill>
+              </a:rPr>
+              <a:t>/s</a:t>
+            </a:r>
+            <a:r>
+              <a:rPr lang="en-US" dirty="0"/>
+              <a:t>)</a:t>
             </a:r>
           </a:p>
           <a:p>
             <a:pPr lvl="1"/>
             <a:r>
               <a:rPr lang="en-US" dirty="0"/>
-              <a:t>Stage at end of valley = 0 ft</a:t>
+              <a:t>Headwater stage = 1.8 ft </a:t>
+            </a:r>
+          </a:p>
+          <a:p>
+            <a:pPr lvl="1"/>
+            <a:r>
+              <a:rPr lang="en-US" dirty="0"/>
+              <a:t>Downstream stage = 0 ft</a:t>
             </a:r>
           </a:p>
           <a:p>
@@ -16743,13 +16799,6 @@
             <a:r>
               <a:rPr lang="en-US" dirty="0"/>
               <a:t>100 ft wide and 1 ft deep</a:t>
-            </a:r>
-          </a:p>
-          <a:p>
-            <a:pPr lvl="1"/>
-            <a:r>
-              <a:rPr lang="en-US" dirty="0"/>
-              <a:t>Stream gages at end of valley and Pollock’s Ford</a:t>
             </a:r>
           </a:p>
           <a:p>
@@ -18580,7 +18629,26 @@
             <a:pPr lvl="1"/>
             <a:r>
               <a:rPr lang="en-US" dirty="0"/>
-              <a:t>Area of the lake = 1.625 x 107 ft2</a:t>
+              <a:t>Uniform water depth of 16 ft </a:t>
+            </a:r>
+          </a:p>
+          <a:p>
+            <a:pPr lvl="1"/>
+            <a:r>
+              <a:rPr lang="en-US" dirty="0"/>
+              <a:t>Area of the lake = 1.625 x 10</a:t>
+            </a:r>
+            <a:r>
+              <a:rPr lang="en-US" baseline="30000" dirty="0"/>
+              <a:t>7</a:t>
+            </a:r>
+            <a:r>
+              <a:rPr lang="en-US" dirty="0"/>
+              <a:t> ft</a:t>
+            </a:r>
+            <a:r>
+              <a:rPr lang="en-US" baseline="30000" dirty="0"/>
+              <a:t>2</a:t>
             </a:r>
           </a:p>
           <a:p>
@@ -18609,13 +18677,6 @@
             <a:r>
               <a:rPr lang="en-US" dirty="0"/>
               <a:t>Steep sloping shore </a:t>
-            </a:r>
-          </a:p>
-          <a:p>
-            <a:pPr lvl="1"/>
-            <a:r>
-              <a:rPr lang="en-US" dirty="0"/>
-              <a:t>Uniform water depth of 16 ft </a:t>
             </a:r>
           </a:p>
           <a:p>

--- a/Lectures/Day3_4lecture_McDonaldValley_Stage1.pptx
+++ b/Lectures/Day3_4lecture_McDonaldValley_Stage1.pptx
@@ -5,10 +5,10 @@
     <p:sldMasterId id="2147483648" r:id="rId1"/>
   </p:sldMasterIdLst>
   <p:notesMasterIdLst>
-    <p:notesMasterId r:id="rId15"/>
+    <p:notesMasterId r:id="rId18"/>
   </p:notesMasterIdLst>
   <p:handoutMasterIdLst>
-    <p:handoutMasterId r:id="rId16"/>
+    <p:handoutMasterId r:id="rId19"/>
   </p:handoutMasterIdLst>
   <p:sldIdLst>
     <p:sldId id="587" r:id="rId2"/>
@@ -23,7 +23,10 @@
     <p:sldId id="597" r:id="rId11"/>
     <p:sldId id="598" r:id="rId12"/>
     <p:sldId id="599" r:id="rId13"/>
-    <p:sldId id="600" r:id="rId14"/>
+    <p:sldId id="601" r:id="rId14"/>
+    <p:sldId id="602" r:id="rId15"/>
+    <p:sldId id="603" r:id="rId16"/>
+    <p:sldId id="600" r:id="rId17"/>
   </p:sldIdLst>
   <p:sldSz cx="12192000" cy="6858000"/>
   <p:notesSz cx="6950075" cy="9236075"/>
@@ -2601,14 +2604,14 @@
           <a:effectLst/>
           <a:extLst>
             <a:ext uri="{909E8E84-426E-40dd-AFC4-6F175D3DCCD1}">
-              <a14:hiddenFill xmlns:a14="http://schemas.microsoft.com/office/drawing/2010/main" xmlns="">
+              <a14:hiddenFill xmlns="" xmlns:a14="http://schemas.microsoft.com/office/drawing/2010/main">
                 <a:solidFill>
                   <a:schemeClr val="accent1"/>
                 </a:solidFill>
               </a14:hiddenFill>
             </a:ext>
             <a:ext uri="{91240B29-F687-4f45-9708-019B960494DF}">
-              <a14:hiddenLine xmlns:a14="http://schemas.microsoft.com/office/drawing/2010/main" xmlns="" w="12700">
+              <a14:hiddenLine xmlns="" xmlns:a14="http://schemas.microsoft.com/office/drawing/2010/main" w="12700">
                 <a:solidFill>
                   <a:schemeClr val="tx1"/>
                 </a:solidFill>
@@ -2618,7 +2621,7 @@
               </a14:hiddenLine>
             </a:ext>
             <a:ext uri="{AF507438-7753-43e0-B8FC-AC1667EBCBE1}">
-              <a14:hiddenEffects xmlns:a14="http://schemas.microsoft.com/office/drawing/2010/main" xmlns="">
+              <a14:hiddenEffects xmlns="" xmlns:a14="http://schemas.microsoft.com/office/drawing/2010/main">
                 <a:effectLst>
                   <a:outerShdw blurRad="63500" dist="38099" dir="2700000" algn="ctr" rotWithShape="0">
                     <a:schemeClr val="bg2">
@@ -2629,7 +2632,7 @@
               </a14:hiddenEffects>
             </a:ext>
             <a:ext uri="{FAA26D3D-D897-4be2-8F04-BA451C77F1D7}">
-              <ma14:placeholderFlag xmlns:ma14="http://schemas.microsoft.com/office/mac/drawingml/2011/main" xmlns="" val="1"/>
+              <ma14:placeholderFlag xmlns="" xmlns:ma14="http://schemas.microsoft.com/office/mac/drawingml/2011/main" val="1"/>
             </a:ext>
           </a:extLst>
         </p:spPr>
@@ -2707,12 +2710,12 @@
           <a:effectLst/>
           <a:extLst>
             <a:ext uri="{909E8E84-426E-40dd-AFC4-6F175D3DCCD1}">
-              <a14:hiddenFill xmlns:a14="http://schemas.microsoft.com/office/drawing/2010/main" xmlns="">
+              <a14:hiddenFill xmlns="" xmlns:a14="http://schemas.microsoft.com/office/drawing/2010/main">
                 <a:noFill/>
               </a14:hiddenFill>
             </a:ext>
             <a:ext uri="{AF507438-7753-43e0-B8FC-AC1667EBCBE1}">
-              <a14:hiddenEffects xmlns:a14="http://schemas.microsoft.com/office/drawing/2010/main" xmlns="">
+              <a14:hiddenEffects xmlns="" xmlns:a14="http://schemas.microsoft.com/office/drawing/2010/main">
                 <a:effectLst>
                   <a:outerShdw blurRad="63500" dist="38099" dir="2700000" algn="ctr" rotWithShape="0">
                     <a:srgbClr val="000000">
@@ -2723,7 +2726,7 @@
               </a14:hiddenEffects>
             </a:ext>
             <a:ext uri="{53640926-AAD7-44d8-BBD7-CCE9431645EC}">
-              <a14:shadowObscured xmlns:a14="http://schemas.microsoft.com/office/drawing/2010/main" xmlns="" val="1"/>
+              <a14:shadowObscured xmlns="" xmlns:a14="http://schemas.microsoft.com/office/drawing/2010/main" val="1"/>
             </a:ext>
           </a:extLst>
         </p:spPr>
@@ -2901,14 +2904,14 @@
           <a:effectLst/>
           <a:extLst>
             <a:ext uri="{909E8E84-426E-40dd-AFC4-6F175D3DCCD1}">
-              <a14:hiddenFill xmlns="" xmlns:a14="http://schemas.microsoft.com/office/drawing/2010/main">
+              <a14:hiddenFill xmlns:a14="http://schemas.microsoft.com/office/drawing/2010/main" xmlns="">
                 <a:solidFill>
                   <a:schemeClr val="accent1"/>
                 </a:solidFill>
               </a14:hiddenFill>
             </a:ext>
             <a:ext uri="{91240B29-F687-4f45-9708-019B960494DF}">
-              <a14:hiddenLine xmlns="" xmlns:a14="http://schemas.microsoft.com/office/drawing/2010/main" w="12700">
+              <a14:hiddenLine xmlns:a14="http://schemas.microsoft.com/office/drawing/2010/main" xmlns="" w="12700">
                 <a:solidFill>
                   <a:schemeClr val="tx1"/>
                 </a:solidFill>
@@ -2918,7 +2921,7 @@
               </a14:hiddenLine>
             </a:ext>
             <a:ext uri="{AF507438-7753-43e0-B8FC-AC1667EBCBE1}">
-              <a14:hiddenEffects xmlns="" xmlns:a14="http://schemas.microsoft.com/office/drawing/2010/main">
+              <a14:hiddenEffects xmlns:a14="http://schemas.microsoft.com/office/drawing/2010/main" xmlns="">
                 <a:effectLst>
                   <a:outerShdw blurRad="63500" dist="38099" dir="2700000" algn="ctr" rotWithShape="0">
                     <a:schemeClr val="bg2">
@@ -3073,14 +3076,14 @@
           </a:ln>
           <a:extLst>
             <a:ext uri="{909E8E84-426E-40dd-AFC4-6F175D3DCCD1}">
-              <a14:hiddenFill xmlns="" xmlns:a14="http://schemas.microsoft.com/office/drawing/2010/main">
+              <a14:hiddenFill xmlns:a14="http://schemas.microsoft.com/office/drawing/2010/main" xmlns="">
                 <a:solidFill>
                   <a:srgbClr val="FFFFFF"/>
                 </a:solidFill>
               </a14:hiddenFill>
             </a:ext>
             <a:ext uri="{91240B29-F687-4f45-9708-019B960494DF}">
-              <a14:hiddenLine xmlns="" xmlns:a14="http://schemas.microsoft.com/office/drawing/2010/main" w="9525">
+              <a14:hiddenLine xmlns:a14="http://schemas.microsoft.com/office/drawing/2010/main" xmlns="" w="9525">
                 <a:solidFill>
                   <a:srgbClr val="000000"/>
                 </a:solidFill>
@@ -4659,14 +4662,14 @@
           <a:effectLst/>
           <a:extLst>
             <a:ext uri="{909E8E84-426E-40dd-AFC4-6F175D3DCCD1}">
-              <a14:hiddenFill xmlns="" xmlns:a14="http://schemas.microsoft.com/office/drawing/2010/main">
+              <a14:hiddenFill xmlns:a14="http://schemas.microsoft.com/office/drawing/2010/main" xmlns="">
                 <a:solidFill>
                   <a:schemeClr val="accent1"/>
                 </a:solidFill>
               </a14:hiddenFill>
             </a:ext>
             <a:ext uri="{91240B29-F687-4f45-9708-019B960494DF}">
-              <a14:hiddenLine xmlns="" xmlns:a14="http://schemas.microsoft.com/office/drawing/2010/main" w="12700">
+              <a14:hiddenLine xmlns:a14="http://schemas.microsoft.com/office/drawing/2010/main" xmlns="" w="12700">
                 <a:solidFill>
                   <a:schemeClr val="tx1"/>
                 </a:solidFill>
@@ -4676,7 +4679,7 @@
               </a14:hiddenLine>
             </a:ext>
             <a:ext uri="{AF507438-7753-43e0-B8FC-AC1667EBCBE1}">
-              <a14:hiddenEffects xmlns="" xmlns:a14="http://schemas.microsoft.com/office/drawing/2010/main">
+              <a14:hiddenEffects xmlns:a14="http://schemas.microsoft.com/office/drawing/2010/main" xmlns="">
                 <a:effectLst>
                   <a:outerShdw blurRad="63500" dist="38099" dir="2700000" algn="ctr" rotWithShape="0">
                     <a:schemeClr val="bg2">
@@ -4687,7 +4690,7 @@
               </a14:hiddenEffects>
             </a:ext>
             <a:ext uri="{FAA26D3D-D897-4be2-8F04-BA451C77F1D7}">
-              <ma14:placeholderFlag xmlns="" xmlns:ma14="http://schemas.microsoft.com/office/mac/drawingml/2011/main" val="1"/>
+              <ma14:placeholderFlag xmlns:ma14="http://schemas.microsoft.com/office/mac/drawingml/2011/main" xmlns="" val="1"/>
             </a:ext>
           </a:extLst>
         </p:spPr>
@@ -4732,14 +4735,14 @@
           <a:effectLst/>
           <a:extLst>
             <a:ext uri="{909E8E84-426E-40dd-AFC4-6F175D3DCCD1}">
-              <a14:hiddenFill xmlns="" xmlns:a14="http://schemas.microsoft.com/office/drawing/2010/main">
+              <a14:hiddenFill xmlns:a14="http://schemas.microsoft.com/office/drawing/2010/main" xmlns="">
                 <a:solidFill>
                   <a:schemeClr val="accent1"/>
                 </a:solidFill>
               </a14:hiddenFill>
             </a:ext>
             <a:ext uri="{91240B29-F687-4f45-9708-019B960494DF}">
-              <a14:hiddenLine xmlns="" xmlns:a14="http://schemas.microsoft.com/office/drawing/2010/main" w="12700">
+              <a14:hiddenLine xmlns:a14="http://schemas.microsoft.com/office/drawing/2010/main" xmlns="" w="12700">
                 <a:solidFill>
                   <a:schemeClr val="tx1"/>
                 </a:solidFill>
@@ -4749,7 +4752,7 @@
               </a14:hiddenLine>
             </a:ext>
             <a:ext uri="{AF507438-7753-43e0-B8FC-AC1667EBCBE1}">
-              <a14:hiddenEffects xmlns="" xmlns:a14="http://schemas.microsoft.com/office/drawing/2010/main">
+              <a14:hiddenEffects xmlns:a14="http://schemas.microsoft.com/office/drawing/2010/main" xmlns="">
                 <a:effectLst>
                   <a:outerShdw blurRad="63500" dist="38099" dir="2700000" algn="ctr" rotWithShape="0">
                     <a:schemeClr val="bg2">
@@ -4760,7 +4763,7 @@
               </a14:hiddenEffects>
             </a:ext>
             <a:ext uri="{FAA26D3D-D897-4be2-8F04-BA451C77F1D7}">
-              <ma14:placeholderFlag xmlns="" xmlns:ma14="http://schemas.microsoft.com/office/mac/drawingml/2011/main" val="1"/>
+              <ma14:placeholderFlag xmlns:ma14="http://schemas.microsoft.com/office/mac/drawingml/2011/main" xmlns="" val="1"/>
             </a:ext>
           </a:extLst>
         </p:spPr>
@@ -4850,14 +4853,14 @@
           </a:ln>
           <a:extLst>
             <a:ext uri="{909E8E84-426E-40dd-AFC4-6F175D3DCCD1}">
-              <a14:hiddenFill xmlns="" xmlns:a14="http://schemas.microsoft.com/office/drawing/2010/main">
+              <a14:hiddenFill xmlns:a14="http://schemas.microsoft.com/office/drawing/2010/main" xmlns="">
                 <a:solidFill>
                   <a:srgbClr val="FFFFFF"/>
                 </a:solidFill>
               </a14:hiddenFill>
             </a:ext>
             <a:ext uri="{91240B29-F687-4f45-9708-019B960494DF}">
-              <a14:hiddenLine xmlns="" xmlns:a14="http://schemas.microsoft.com/office/drawing/2010/main" w="9525">
+              <a14:hiddenLine xmlns:a14="http://schemas.microsoft.com/office/drawing/2010/main" xmlns="" w="9525">
                 <a:solidFill>
                   <a:srgbClr val="000000"/>
                 </a:solidFill>
@@ -8867,6 +8870,1001 @@
 </file>
 
 <file path=ppt/slides/slide13.xml><?xml version="1.0" encoding="utf-8"?>
+<p:sld xmlns:a="http://schemas.openxmlformats.org/drawingml/2006/main" xmlns:r="http://schemas.openxmlformats.org/officeDocument/2006/relationships" xmlns:p="http://schemas.openxmlformats.org/presentationml/2006/main">
+  <p:cSld>
+    <p:spTree>
+      <p:nvGrpSpPr>
+        <p:cNvPr id="1" name=""/>
+        <p:cNvGrpSpPr/>
+        <p:nvPr/>
+      </p:nvGrpSpPr>
+      <p:grpSpPr>
+        <a:xfrm>
+          <a:off x="0" y="0"/>
+          <a:ext cx="0" cy="0"/>
+          <a:chOff x="0" y="0"/>
+          <a:chExt cx="0" cy="0"/>
+        </a:xfrm>
+      </p:grpSpPr>
+      <p:sp>
+        <p:nvSpPr>
+          <p:cNvPr id="2" name="Title 1">
+            <a:extLst>
+              <a:ext uri="{FF2B5EF4-FFF2-40B4-BE49-F238E27FC236}">
+                <a16:creationId xmlns:a16="http://schemas.microsoft.com/office/drawing/2014/main" id="{6EFA02C5-6826-BA69-6102-8C926635E2A9}"/>
+              </a:ext>
+            </a:extLst>
+          </p:cNvPr>
+          <p:cNvSpPr>
+            <a:spLocks noGrp="1"/>
+          </p:cNvSpPr>
+          <p:nvPr>
+            <p:ph type="title"/>
+          </p:nvPr>
+        </p:nvSpPr>
+        <p:spPr/>
+        <p:txBody>
+          <a:bodyPr/>
+          <a:lstStyle/>
+          <a:p>
+            <a:r>
+              <a:rPr lang="en-US" dirty="0"/>
+              <a:t>Stage 1 – Planning Phase</a:t>
+            </a:r>
+          </a:p>
+        </p:txBody>
+      </p:sp>
+      <p:sp>
+        <p:nvSpPr>
+          <p:cNvPr id="3" name="Content Placeholder 2">
+            <a:extLst>
+              <a:ext uri="{FF2B5EF4-FFF2-40B4-BE49-F238E27FC236}">
+                <a16:creationId xmlns:a16="http://schemas.microsoft.com/office/drawing/2014/main" id="{6874B491-DBE8-FB12-10E6-A09E4683949C}"/>
+              </a:ext>
+            </a:extLst>
+          </p:cNvPr>
+          <p:cNvSpPr>
+            <a:spLocks noGrp="1"/>
+          </p:cNvSpPr>
+          <p:nvPr>
+            <p:ph idx="1"/>
+          </p:nvPr>
+        </p:nvSpPr>
+        <p:spPr/>
+        <p:txBody>
+          <a:bodyPr/>
+          <a:lstStyle/>
+          <a:p>
+            <a:pPr marL="0" indent="0">
+              <a:buNone/>
+            </a:pPr>
+            <a:r>
+              <a:rPr lang="en-US" dirty="0"/>
+              <a:t>Net groundwater recharge</a:t>
+            </a:r>
+          </a:p>
+          <a:p>
+            <a:r>
+              <a:rPr lang="en-US" dirty="0"/>
+              <a:t>Downstream flow = net groundwater recharge </a:t>
+            </a:r>
+          </a:p>
+          <a:p>
+            <a:r>
+              <a:rPr lang="en-US" dirty="0"/>
+              <a:t>Net groundwater recharge (</a:t>
+            </a:r>
+            <a:r>
+              <a:rPr lang="en-US" dirty="0" err="1"/>
+              <a:t>I</a:t>
+            </a:r>
+            <a:r>
+              <a:rPr lang="en-US" baseline="-25000" dirty="0" err="1"/>
+              <a:t>total</a:t>
+            </a:r>
+            <a:r>
+              <a:rPr lang="en-US" dirty="0"/>
+              <a:t>) = 888,494 ft</a:t>
+            </a:r>
+            <a:r>
+              <a:rPr lang="en-US" baseline="30000" dirty="0"/>
+              <a:t>3</a:t>
+            </a:r>
+            <a:r>
+              <a:rPr lang="en-US" dirty="0"/>
+              <a:t>/d</a:t>
+            </a:r>
+          </a:p>
+          <a:p>
+            <a:pPr lvl="1"/>
+            <a:r>
+              <a:rPr lang="en-US" dirty="0" err="1"/>
+              <a:t>I</a:t>
+            </a:r>
+            <a:r>
+              <a:rPr lang="en-US" baseline="-25000" dirty="0" err="1"/>
+              <a:t>total</a:t>
+            </a:r>
+            <a:r>
+              <a:rPr lang="en-US" dirty="0"/>
+              <a:t> = </a:t>
+            </a:r>
+            <a:r>
+              <a:rPr lang="en-US" dirty="0" err="1"/>
+              <a:t>I</a:t>
+            </a:r>
+            <a:r>
+              <a:rPr lang="en-US" baseline="-25000" dirty="0" err="1"/>
+              <a:t>lake</a:t>
+            </a:r>
+            <a:r>
+              <a:rPr lang="en-US" dirty="0"/>
+              <a:t> + </a:t>
+            </a:r>
+            <a:r>
+              <a:rPr lang="en-US" dirty="0" err="1"/>
+              <a:t>I</a:t>
+            </a:r>
+            <a:r>
+              <a:rPr lang="en-US" baseline="-25000" dirty="0" err="1"/>
+              <a:t>land</a:t>
+            </a:r>
+            <a:r>
+              <a:rPr lang="en-US" dirty="0"/>
+              <a:t> </a:t>
+            </a:r>
+          </a:p>
+          <a:p>
+            <a:r>
+              <a:rPr lang="en-US" dirty="0"/>
+              <a:t>Water budget</a:t>
+            </a:r>
+          </a:p>
+          <a:p>
+            <a:pPr lvl="1"/>
+            <a:r>
+              <a:rPr lang="en-US" dirty="0" err="1"/>
+              <a:t>Q</a:t>
+            </a:r>
+            <a:r>
+              <a:rPr lang="en-US" baseline="-25000" dirty="0" err="1"/>
+              <a:t>ds</a:t>
+            </a:r>
+            <a:r>
+              <a:rPr lang="en-US" dirty="0"/>
+              <a:t> = </a:t>
+            </a:r>
+            <a:r>
+              <a:rPr lang="en-US" dirty="0" err="1"/>
+              <a:t>Q</a:t>
+            </a:r>
+            <a:r>
+              <a:rPr lang="en-US" baseline="-25000" dirty="0" err="1"/>
+              <a:t>lake</a:t>
+            </a:r>
+            <a:r>
+              <a:rPr lang="en-US" dirty="0"/>
+              <a:t> + </a:t>
+            </a:r>
+            <a:r>
+              <a:rPr lang="en-US" dirty="0" err="1"/>
+              <a:t>Q</a:t>
+            </a:r>
+            <a:r>
+              <a:rPr lang="en-US" baseline="-25000" dirty="0" err="1"/>
+              <a:t>land</a:t>
+            </a:r>
+            <a:endParaRPr lang="en-US" dirty="0"/>
+          </a:p>
+          <a:p>
+            <a:pPr lvl="1"/>
+            <a:r>
+              <a:rPr lang="en-US" dirty="0" err="1"/>
+              <a:t>Q</a:t>
+            </a:r>
+            <a:r>
+              <a:rPr lang="en-US" baseline="-25000" dirty="0" err="1"/>
+              <a:t>lake</a:t>
+            </a:r>
+            <a:r>
+              <a:rPr lang="en-US" dirty="0"/>
+              <a:t> = A</a:t>
+            </a:r>
+            <a:r>
+              <a:rPr lang="en-US" baseline="-25000" dirty="0"/>
+              <a:t>lake</a:t>
+            </a:r>
+            <a:r>
+              <a:rPr lang="en-US" dirty="0"/>
+              <a:t> </a:t>
+            </a:r>
+            <a:r>
+              <a:rPr lang="en-US" dirty="0" err="1"/>
+              <a:t>I</a:t>
+            </a:r>
+            <a:r>
+              <a:rPr lang="en-US" baseline="-25000" dirty="0" err="1"/>
+              <a:t>lake</a:t>
+            </a:r>
+            <a:r>
+              <a:rPr lang="en-US" dirty="0"/>
+              <a:t> = A</a:t>
+            </a:r>
+            <a:r>
+              <a:rPr lang="en-US" baseline="-25000" dirty="0"/>
+              <a:t>lake</a:t>
+            </a:r>
+            <a:r>
+              <a:rPr lang="en-US" dirty="0"/>
+              <a:t> (</a:t>
+            </a:r>
+            <a:r>
+              <a:rPr lang="en-US" dirty="0" err="1"/>
+              <a:t>R</a:t>
+            </a:r>
+            <a:r>
+              <a:rPr lang="en-US" baseline="-25000" dirty="0" err="1"/>
+              <a:t>lake</a:t>
+            </a:r>
+            <a:r>
+              <a:rPr lang="en-US" dirty="0"/>
+              <a:t> – </a:t>
+            </a:r>
+            <a:r>
+              <a:rPr lang="en-US" dirty="0" err="1"/>
+              <a:t>E</a:t>
+            </a:r>
+            <a:r>
+              <a:rPr lang="en-US" baseline="-25000" dirty="0" err="1"/>
+              <a:t>lake</a:t>
+            </a:r>
+            <a:r>
+              <a:rPr lang="en-US" dirty="0"/>
+              <a:t>) = A</a:t>
+            </a:r>
+            <a:r>
+              <a:rPr lang="en-US" baseline="-25000" dirty="0"/>
+              <a:t>lake</a:t>
+            </a:r>
+            <a:r>
+              <a:rPr lang="en-US" dirty="0"/>
+              <a:t> (36 in/y – 27 in/y) =  9 A</a:t>
+            </a:r>
+            <a:r>
+              <a:rPr lang="en-US" baseline="-25000" dirty="0"/>
+              <a:t>lake</a:t>
+            </a:r>
+            <a:endParaRPr lang="en-US" dirty="0"/>
+          </a:p>
+          <a:p>
+            <a:pPr lvl="1"/>
+            <a:r>
+              <a:rPr lang="en-US" dirty="0" err="1"/>
+              <a:t>Q</a:t>
+            </a:r>
+            <a:r>
+              <a:rPr lang="en-US" baseline="-25000" dirty="0" err="1"/>
+              <a:t>land</a:t>
+            </a:r>
+            <a:r>
+              <a:rPr lang="en-US" dirty="0"/>
+              <a:t> = A</a:t>
+            </a:r>
+            <a:r>
+              <a:rPr lang="en-US" baseline="-25000" dirty="0"/>
+              <a:t>land</a:t>
+            </a:r>
+            <a:r>
+              <a:rPr lang="en-US" dirty="0"/>
+              <a:t> </a:t>
+            </a:r>
+            <a:r>
+              <a:rPr lang="en-US" dirty="0" err="1"/>
+              <a:t>I</a:t>
+            </a:r>
+            <a:r>
+              <a:rPr lang="en-US" baseline="-25000" dirty="0" err="1"/>
+              <a:t>land</a:t>
+            </a:r>
+            <a:r>
+              <a:rPr lang="en-US" dirty="0"/>
+              <a:t> = A</a:t>
+            </a:r>
+            <a:r>
+              <a:rPr lang="en-US" baseline="-25000" dirty="0"/>
+              <a:t>land</a:t>
+            </a:r>
+            <a:r>
+              <a:rPr lang="en-US" dirty="0"/>
+              <a:t> (</a:t>
+            </a:r>
+            <a:r>
+              <a:rPr lang="en-US" dirty="0" err="1"/>
+              <a:t>R</a:t>
+            </a:r>
+            <a:r>
+              <a:rPr lang="en-US" baseline="-25000" dirty="0" err="1"/>
+              <a:t>land</a:t>
+            </a:r>
+            <a:r>
+              <a:rPr lang="en-US" dirty="0"/>
+              <a:t> – </a:t>
+            </a:r>
+            <a:r>
+              <a:rPr lang="en-US" dirty="0" err="1"/>
+              <a:t>ET</a:t>
+            </a:r>
+            <a:r>
+              <a:rPr lang="en-US" baseline="-25000" dirty="0" err="1"/>
+              <a:t>land</a:t>
+            </a:r>
+            <a:r>
+              <a:rPr lang="en-US" dirty="0"/>
+              <a:t>) = A</a:t>
+            </a:r>
+            <a:r>
+              <a:rPr lang="en-US" baseline="-25000" dirty="0"/>
+              <a:t>land</a:t>
+            </a:r>
+            <a:r>
+              <a:rPr lang="en-US" dirty="0"/>
+              <a:t> (36 in/y – </a:t>
+            </a:r>
+            <a:r>
+              <a:rPr lang="en-US" dirty="0" err="1"/>
+              <a:t>ET</a:t>
+            </a:r>
+            <a:r>
+              <a:rPr lang="en-US" baseline="-25000" dirty="0" err="1"/>
+              <a:t>land</a:t>
+            </a:r>
+            <a:r>
+              <a:rPr lang="en-US" dirty="0"/>
+              <a:t>) </a:t>
+            </a:r>
+          </a:p>
+          <a:p>
+            <a:r>
+              <a:rPr lang="en-US" dirty="0"/>
+              <a:t>Simplify</a:t>
+            </a:r>
+          </a:p>
+          <a:p>
+            <a:pPr lvl="1"/>
+            <a:r>
+              <a:rPr lang="en-US" dirty="0" err="1"/>
+              <a:t>ET</a:t>
+            </a:r>
+            <a:r>
+              <a:rPr lang="en-US" baseline="-25000" dirty="0" err="1"/>
+              <a:t>land</a:t>
+            </a:r>
+            <a:r>
+              <a:rPr lang="en-US" dirty="0"/>
+              <a:t> = ( 9 A</a:t>
+            </a:r>
+            <a:r>
+              <a:rPr lang="en-US" baseline="-25000" dirty="0"/>
+              <a:t>lake</a:t>
+            </a:r>
+            <a:r>
+              <a:rPr lang="en-US" dirty="0"/>
+              <a:t> + 36 A</a:t>
+            </a:r>
+            <a:r>
+              <a:rPr lang="en-US" baseline="-25000" dirty="0"/>
+              <a:t>land</a:t>
+            </a:r>
+            <a:r>
+              <a:rPr lang="en-US" dirty="0"/>
+              <a:t> – </a:t>
+            </a:r>
+            <a:r>
+              <a:rPr lang="en-US" dirty="0" err="1"/>
+              <a:t>Q</a:t>
+            </a:r>
+            <a:r>
+              <a:rPr lang="en-US" baseline="-25000" dirty="0" err="1"/>
+              <a:t>ds</a:t>
+            </a:r>
+            <a:r>
+              <a:rPr lang="en-US" dirty="0"/>
+              <a:t> ) / A</a:t>
+            </a:r>
+            <a:r>
+              <a:rPr lang="en-US" baseline="-25000" dirty="0"/>
+              <a:t>land</a:t>
+            </a:r>
+          </a:p>
+          <a:p>
+            <a:pPr lvl="1"/>
+            <a:endParaRPr lang="en-US" dirty="0"/>
+          </a:p>
+          <a:p>
+            <a:endParaRPr lang="en-US" dirty="0"/>
+          </a:p>
+        </p:txBody>
+      </p:sp>
+      <p:pic>
+        <p:nvPicPr>
+          <p:cNvPr id="6" name="Picture 5">
+            <a:extLst>
+              <a:ext uri="{FF2B5EF4-FFF2-40B4-BE49-F238E27FC236}">
+                <a16:creationId xmlns:a16="http://schemas.microsoft.com/office/drawing/2014/main" id="{5723CFAD-02FF-795F-9292-A3D569F21654}"/>
+              </a:ext>
+            </a:extLst>
+          </p:cNvPr>
+          <p:cNvPicPr>
+            <a:picLocks noChangeAspect="1"/>
+          </p:cNvPicPr>
+          <p:nvPr/>
+        </p:nvPicPr>
+        <p:blipFill rotWithShape="1">
+          <a:blip r:embed="rId2" cstate="print">
+            <a:extLst>
+              <a:ext uri="{28A0092B-C50C-407E-A947-70E740481C1C}">
+                <a14:useLocalDpi xmlns:a14="http://schemas.microsoft.com/office/drawing/2010/main" val="0"/>
+              </a:ext>
+            </a:extLst>
+          </a:blip>
+          <a:srcRect l="21235" t="10064" r="22625" b="26593"/>
+          <a:stretch/>
+        </p:blipFill>
+        <p:spPr>
+          <a:xfrm rot="-60000">
+            <a:off x="9801379" y="162860"/>
+            <a:ext cx="2225328" cy="3256313"/>
+          </a:xfrm>
+          <a:prstGeom prst="rect">
+            <a:avLst/>
+          </a:prstGeom>
+        </p:spPr>
+      </p:pic>
+    </p:spTree>
+    <p:extLst>
+      <p:ext uri="{BB962C8B-B14F-4D97-AF65-F5344CB8AC3E}">
+        <p14:creationId xmlns:p14="http://schemas.microsoft.com/office/powerpoint/2010/main" val="4082518722"/>
+      </p:ext>
+    </p:extLst>
+  </p:cSld>
+  <p:clrMapOvr>
+    <a:masterClrMapping/>
+  </p:clrMapOvr>
+</p:sld>
+</file>
+
+<file path=ppt/slides/slide14.xml><?xml version="1.0" encoding="utf-8"?>
+<p:sld xmlns:a="http://schemas.openxmlformats.org/drawingml/2006/main" xmlns:r="http://schemas.openxmlformats.org/officeDocument/2006/relationships" xmlns:p="http://schemas.openxmlformats.org/presentationml/2006/main">
+  <p:cSld>
+    <p:spTree>
+      <p:nvGrpSpPr>
+        <p:cNvPr id="1" name=""/>
+        <p:cNvGrpSpPr/>
+        <p:nvPr/>
+      </p:nvGrpSpPr>
+      <p:grpSpPr>
+        <a:xfrm>
+          <a:off x="0" y="0"/>
+          <a:ext cx="0" cy="0"/>
+          <a:chOff x="0" y="0"/>
+          <a:chExt cx="0" cy="0"/>
+        </a:xfrm>
+      </p:grpSpPr>
+      <p:sp>
+        <p:nvSpPr>
+          <p:cNvPr id="2" name="Title 1">
+            <a:extLst>
+              <a:ext uri="{FF2B5EF4-FFF2-40B4-BE49-F238E27FC236}">
+                <a16:creationId xmlns:a16="http://schemas.microsoft.com/office/drawing/2014/main" id="{6EFA02C5-6826-BA69-6102-8C926635E2A9}"/>
+              </a:ext>
+            </a:extLst>
+          </p:cNvPr>
+          <p:cNvSpPr>
+            <a:spLocks noGrp="1"/>
+          </p:cNvSpPr>
+          <p:nvPr>
+            <p:ph type="title"/>
+          </p:nvPr>
+        </p:nvSpPr>
+        <p:spPr/>
+        <p:txBody>
+          <a:bodyPr/>
+          <a:lstStyle/>
+          <a:p>
+            <a:r>
+              <a:rPr lang="en-US" dirty="0"/>
+              <a:t>Stage 1 – Planning Phase</a:t>
+            </a:r>
+          </a:p>
+        </p:txBody>
+      </p:sp>
+      <p:sp>
+        <p:nvSpPr>
+          <p:cNvPr id="3" name="Content Placeholder 2">
+            <a:extLst>
+              <a:ext uri="{FF2B5EF4-FFF2-40B4-BE49-F238E27FC236}">
+                <a16:creationId xmlns:a16="http://schemas.microsoft.com/office/drawing/2014/main" id="{6874B491-DBE8-FB12-10E6-A09E4683949C}"/>
+              </a:ext>
+            </a:extLst>
+          </p:cNvPr>
+          <p:cNvSpPr>
+            <a:spLocks noGrp="1"/>
+          </p:cNvSpPr>
+          <p:nvPr>
+            <p:ph idx="1"/>
+          </p:nvPr>
+        </p:nvSpPr>
+        <p:spPr/>
+        <p:txBody>
+          <a:bodyPr/>
+          <a:lstStyle/>
+          <a:p>
+            <a:pPr marL="0" indent="0">
+              <a:buNone/>
+            </a:pPr>
+            <a:r>
+              <a:rPr lang="en-US" dirty="0"/>
+              <a:t>Net groundwater recharge – cont.</a:t>
+            </a:r>
+          </a:p>
+          <a:p>
+            <a:r>
+              <a:rPr lang="en-US" dirty="0"/>
+              <a:t>Unit conversion (convert to feet and days)</a:t>
+            </a:r>
+          </a:p>
+          <a:p>
+            <a:pPr lvl="1"/>
+            <a:r>
+              <a:rPr lang="en-US" dirty="0" err="1"/>
+              <a:t>ET</a:t>
+            </a:r>
+            <a:r>
+              <a:rPr lang="en-US" baseline="-25000" dirty="0" err="1"/>
+              <a:t>land</a:t>
+            </a:r>
+            <a:r>
+              <a:rPr lang="en-US" dirty="0"/>
+              <a:t> = ( 0.0021 A</a:t>
+            </a:r>
+            <a:r>
+              <a:rPr lang="en-US" baseline="-25000" dirty="0"/>
+              <a:t>lake</a:t>
+            </a:r>
+            <a:r>
+              <a:rPr lang="en-US" dirty="0"/>
+              <a:t> + 0.0082 A</a:t>
+            </a:r>
+            <a:r>
+              <a:rPr lang="en-US" baseline="-25000" dirty="0"/>
+              <a:t>land</a:t>
+            </a:r>
+            <a:r>
+              <a:rPr lang="en-US" dirty="0"/>
+              <a:t> – 888,494 ) / A</a:t>
+            </a:r>
+            <a:r>
+              <a:rPr lang="en-US" baseline="-25000" dirty="0"/>
+              <a:t>land</a:t>
+            </a:r>
+          </a:p>
+          <a:p>
+            <a:endParaRPr lang="en-US" dirty="0"/>
+          </a:p>
+          <a:p>
+            <a:r>
+              <a:rPr lang="en-US" dirty="0"/>
+              <a:t>Horizontal areas</a:t>
+            </a:r>
+          </a:p>
+          <a:p>
+            <a:pPr lvl="1"/>
+            <a:r>
+              <a:rPr lang="en-US" dirty="0" err="1"/>
+              <a:t>A</a:t>
+            </a:r>
+            <a:r>
+              <a:rPr lang="en-US" baseline="-25000" dirty="0" err="1"/>
+              <a:t>total</a:t>
+            </a:r>
+            <a:r>
+              <a:rPr lang="en-US" dirty="0"/>
+              <a:t> = 500 ft x 500 ft x 40 x 25 = 250,000,000 ft</a:t>
+            </a:r>
+            <a:r>
+              <a:rPr lang="en-US" baseline="30000" dirty="0"/>
+              <a:t>2</a:t>
+            </a:r>
+          </a:p>
+          <a:p>
+            <a:pPr lvl="1"/>
+            <a:r>
+              <a:rPr lang="en-US" dirty="0"/>
+              <a:t>A</a:t>
+            </a:r>
+            <a:r>
+              <a:rPr lang="en-US" baseline="-25000" dirty="0"/>
+              <a:t>lake</a:t>
+            </a:r>
+            <a:r>
+              <a:rPr lang="en-US" dirty="0"/>
+              <a:t> = 16,250,000 ft</a:t>
+            </a:r>
+            <a:r>
+              <a:rPr lang="en-US" baseline="30000" dirty="0"/>
+              <a:t>2</a:t>
+            </a:r>
+            <a:r>
+              <a:rPr lang="en-US" dirty="0"/>
+              <a:t> </a:t>
+            </a:r>
+          </a:p>
+          <a:p>
+            <a:pPr lvl="1"/>
+            <a:r>
+              <a:rPr lang="en-US" dirty="0"/>
+              <a:t>A</a:t>
+            </a:r>
+            <a:r>
+              <a:rPr lang="en-US" baseline="-25000" dirty="0"/>
+              <a:t>land</a:t>
+            </a:r>
+            <a:r>
+              <a:rPr lang="en-US" dirty="0"/>
+              <a:t> = </a:t>
+            </a:r>
+            <a:r>
+              <a:rPr lang="en-US" dirty="0" err="1"/>
+              <a:t>A</a:t>
+            </a:r>
+            <a:r>
+              <a:rPr lang="en-US" baseline="-25000" dirty="0" err="1"/>
+              <a:t>total</a:t>
+            </a:r>
+            <a:r>
+              <a:rPr lang="en-US" dirty="0"/>
+              <a:t> – A</a:t>
+            </a:r>
+            <a:r>
+              <a:rPr lang="en-US" baseline="-25000" dirty="0"/>
+              <a:t>lake</a:t>
+            </a:r>
+            <a:r>
+              <a:rPr lang="en-US" dirty="0"/>
+              <a:t> = 233,750,000 ft</a:t>
+            </a:r>
+            <a:r>
+              <a:rPr lang="en-US" baseline="30000" dirty="0"/>
+              <a:t>2</a:t>
+            </a:r>
+            <a:r>
+              <a:rPr lang="en-US" dirty="0"/>
+              <a:t> </a:t>
+            </a:r>
+          </a:p>
+        </p:txBody>
+      </p:sp>
+      <p:pic>
+        <p:nvPicPr>
+          <p:cNvPr id="4" name="Picture 3">
+            <a:extLst>
+              <a:ext uri="{FF2B5EF4-FFF2-40B4-BE49-F238E27FC236}">
+                <a16:creationId xmlns:a16="http://schemas.microsoft.com/office/drawing/2014/main" id="{F89DF20D-F996-F573-8CB0-406F8FDADC38}"/>
+              </a:ext>
+            </a:extLst>
+          </p:cNvPr>
+          <p:cNvPicPr>
+            <a:picLocks noChangeAspect="1"/>
+          </p:cNvPicPr>
+          <p:nvPr/>
+        </p:nvPicPr>
+        <p:blipFill rotWithShape="1">
+          <a:blip r:embed="rId2" cstate="print">
+            <a:extLst>
+              <a:ext uri="{28A0092B-C50C-407E-A947-70E740481C1C}">
+                <a14:useLocalDpi xmlns:a14="http://schemas.microsoft.com/office/drawing/2010/main" val="0"/>
+              </a:ext>
+            </a:extLst>
+          </a:blip>
+          <a:srcRect l="21235" t="10064" r="22625" b="26593"/>
+          <a:stretch/>
+        </p:blipFill>
+        <p:spPr>
+          <a:xfrm rot="-60000">
+            <a:off x="9801379" y="162860"/>
+            <a:ext cx="2225328" cy="3256313"/>
+          </a:xfrm>
+          <a:prstGeom prst="rect">
+            <a:avLst/>
+          </a:prstGeom>
+        </p:spPr>
+      </p:pic>
+    </p:spTree>
+    <p:extLst>
+      <p:ext uri="{BB962C8B-B14F-4D97-AF65-F5344CB8AC3E}">
+        <p14:creationId xmlns:p14="http://schemas.microsoft.com/office/powerpoint/2010/main" val="2131344599"/>
+      </p:ext>
+    </p:extLst>
+  </p:cSld>
+  <p:clrMapOvr>
+    <a:masterClrMapping/>
+  </p:clrMapOvr>
+</p:sld>
+</file>
+
+<file path=ppt/slides/slide15.xml><?xml version="1.0" encoding="utf-8"?>
+<p:sld xmlns:a="http://schemas.openxmlformats.org/drawingml/2006/main" xmlns:r="http://schemas.openxmlformats.org/officeDocument/2006/relationships" xmlns:p="http://schemas.openxmlformats.org/presentationml/2006/main">
+  <p:cSld>
+    <p:spTree>
+      <p:nvGrpSpPr>
+        <p:cNvPr id="1" name=""/>
+        <p:cNvGrpSpPr/>
+        <p:nvPr/>
+      </p:nvGrpSpPr>
+      <p:grpSpPr>
+        <a:xfrm>
+          <a:off x="0" y="0"/>
+          <a:ext cx="0" cy="0"/>
+          <a:chOff x="0" y="0"/>
+          <a:chExt cx="0" cy="0"/>
+        </a:xfrm>
+      </p:grpSpPr>
+      <p:sp>
+        <p:nvSpPr>
+          <p:cNvPr id="2" name="Title 1">
+            <a:extLst>
+              <a:ext uri="{FF2B5EF4-FFF2-40B4-BE49-F238E27FC236}">
+                <a16:creationId xmlns:a16="http://schemas.microsoft.com/office/drawing/2014/main" id="{6EFA02C5-6826-BA69-6102-8C926635E2A9}"/>
+              </a:ext>
+            </a:extLst>
+          </p:cNvPr>
+          <p:cNvSpPr>
+            <a:spLocks noGrp="1"/>
+          </p:cNvSpPr>
+          <p:nvPr>
+            <p:ph type="title"/>
+          </p:nvPr>
+        </p:nvSpPr>
+        <p:spPr/>
+        <p:txBody>
+          <a:bodyPr/>
+          <a:lstStyle/>
+          <a:p>
+            <a:r>
+              <a:rPr lang="en-US" dirty="0"/>
+              <a:t>Phase 1 – Planning Phase</a:t>
+            </a:r>
+          </a:p>
+        </p:txBody>
+      </p:sp>
+      <p:sp>
+        <p:nvSpPr>
+          <p:cNvPr id="3" name="Content Placeholder 2">
+            <a:extLst>
+              <a:ext uri="{FF2B5EF4-FFF2-40B4-BE49-F238E27FC236}">
+                <a16:creationId xmlns:a16="http://schemas.microsoft.com/office/drawing/2014/main" id="{6874B491-DBE8-FB12-10E6-A09E4683949C}"/>
+              </a:ext>
+            </a:extLst>
+          </p:cNvPr>
+          <p:cNvSpPr>
+            <a:spLocks noGrp="1"/>
+          </p:cNvSpPr>
+          <p:nvPr>
+            <p:ph idx="1"/>
+          </p:nvPr>
+        </p:nvSpPr>
+        <p:spPr/>
+        <p:txBody>
+          <a:bodyPr/>
+          <a:lstStyle/>
+          <a:p>
+            <a:r>
+              <a:rPr lang="en-US" dirty="0"/>
+              <a:t>Calculated evapotranspiration rates</a:t>
+            </a:r>
+          </a:p>
+          <a:p>
+            <a:pPr lvl="1"/>
+            <a:r>
+              <a:rPr lang="en-US" dirty="0" err="1"/>
+              <a:t>ET</a:t>
+            </a:r>
+            <a:r>
+              <a:rPr lang="en-US" baseline="-25000" dirty="0" err="1"/>
+              <a:t>land</a:t>
+            </a:r>
+            <a:r>
+              <a:rPr lang="en-US" dirty="0"/>
+              <a:t> = ( 0.0021 A</a:t>
+            </a:r>
+            <a:r>
+              <a:rPr lang="en-US" baseline="-25000" dirty="0"/>
+              <a:t>lake</a:t>
+            </a:r>
+            <a:r>
+              <a:rPr lang="en-US" dirty="0"/>
+              <a:t> + 0.0082 A</a:t>
+            </a:r>
+            <a:r>
+              <a:rPr lang="en-US" baseline="-25000" dirty="0"/>
+              <a:t>land</a:t>
+            </a:r>
+            <a:r>
+              <a:rPr lang="en-US" dirty="0"/>
+              <a:t> – 888,494 ) / A</a:t>
+            </a:r>
+            <a:r>
+              <a:rPr lang="en-US" baseline="-25000" dirty="0"/>
+              <a:t>land</a:t>
+            </a:r>
+          </a:p>
+          <a:p>
+            <a:pPr lvl="1"/>
+            <a:r>
+              <a:rPr lang="en-US" dirty="0" err="1"/>
+              <a:t>ET</a:t>
+            </a:r>
+            <a:r>
+              <a:rPr lang="en-US" baseline="-25000" dirty="0" err="1"/>
+              <a:t>land</a:t>
+            </a:r>
+            <a:r>
+              <a:rPr lang="en-US" dirty="0"/>
+              <a:t> = ( 34,125 + 1,916,750 – 888,494 ) / 233,750,000</a:t>
+            </a:r>
+          </a:p>
+          <a:p>
+            <a:pPr lvl="1"/>
+            <a:r>
+              <a:rPr lang="en-US" dirty="0" err="1"/>
+              <a:t>ET</a:t>
+            </a:r>
+            <a:r>
+              <a:rPr lang="en-US" baseline="-25000" dirty="0" err="1"/>
+              <a:t>land</a:t>
+            </a:r>
+            <a:r>
+              <a:rPr lang="en-US" dirty="0"/>
+              <a:t> = 1,062,381 / 233,750,000 = 0.0045 ft/d = 19.921 in/</a:t>
+            </a:r>
+            <a:r>
+              <a:rPr lang="en-US" dirty="0" err="1"/>
+              <a:t>yr</a:t>
+            </a:r>
+            <a:endParaRPr lang="en-US" dirty="0"/>
+          </a:p>
+          <a:p>
+            <a:r>
+              <a:rPr lang="en-US" dirty="0"/>
+              <a:t>Calculated net groundwater recharge rates</a:t>
+            </a:r>
+          </a:p>
+          <a:p>
+            <a:pPr lvl="1"/>
+            <a:r>
+              <a:rPr lang="en-US" dirty="0" err="1"/>
+              <a:t>I</a:t>
+            </a:r>
+            <a:r>
+              <a:rPr lang="en-US" baseline="-25000" dirty="0" err="1"/>
+              <a:t>land</a:t>
+            </a:r>
+            <a:r>
+              <a:rPr lang="en-US" dirty="0"/>
+              <a:t> = (0.0082 – 0.0045) = 0.0037 ft/day = 16.217 in/</a:t>
+            </a:r>
+            <a:r>
+              <a:rPr lang="en-US" dirty="0" err="1"/>
+              <a:t>yr</a:t>
+            </a:r>
+            <a:endParaRPr lang="en-US" dirty="0"/>
+          </a:p>
+          <a:p>
+            <a:r>
+              <a:rPr lang="en-US" dirty="0"/>
+              <a:t>Calculated evapotranspiration/rainfall ratio</a:t>
+            </a:r>
+          </a:p>
+          <a:p>
+            <a:pPr lvl="1"/>
+            <a:r>
+              <a:rPr lang="en-US" dirty="0" err="1"/>
+              <a:t>ET</a:t>
+            </a:r>
+            <a:r>
+              <a:rPr lang="en-US" baseline="-25000" dirty="0" err="1"/>
+              <a:t>land</a:t>
+            </a:r>
+            <a:r>
+              <a:rPr lang="en-US" dirty="0"/>
+              <a:t> / </a:t>
+            </a:r>
+            <a:r>
+              <a:rPr lang="en-US" dirty="0" err="1"/>
+              <a:t>R</a:t>
+            </a:r>
+            <a:r>
+              <a:rPr lang="en-US" baseline="-25000" dirty="0" err="1"/>
+              <a:t>land</a:t>
+            </a:r>
+            <a:r>
+              <a:rPr lang="en-US" dirty="0"/>
+              <a:t> = 0.0045 / 0.0082 = 54.88 %</a:t>
+            </a:r>
+          </a:p>
+          <a:p>
+            <a:pPr lvl="1"/>
+            <a:r>
+              <a:rPr lang="en-US" dirty="0" err="1"/>
+              <a:t>Elake</a:t>
+            </a:r>
+            <a:r>
+              <a:rPr lang="en-US" dirty="0"/>
+              <a:t> / </a:t>
+            </a:r>
+            <a:r>
+              <a:rPr lang="en-US" dirty="0" err="1"/>
+              <a:t>Rlake</a:t>
+            </a:r>
+            <a:r>
+              <a:rPr lang="en-US" dirty="0"/>
+              <a:t> = 0.0062 / 0.0082 = 75.12 %</a:t>
+            </a:r>
+          </a:p>
+          <a:p>
+            <a:endParaRPr lang="en-US" dirty="0"/>
+          </a:p>
+        </p:txBody>
+      </p:sp>
+      <p:pic>
+        <p:nvPicPr>
+          <p:cNvPr id="4" name="Picture 3">
+            <a:extLst>
+              <a:ext uri="{FF2B5EF4-FFF2-40B4-BE49-F238E27FC236}">
+                <a16:creationId xmlns:a16="http://schemas.microsoft.com/office/drawing/2014/main" id="{88499FEA-4228-3134-A6A4-6E4C9566F329}"/>
+              </a:ext>
+            </a:extLst>
+          </p:cNvPr>
+          <p:cNvPicPr>
+            <a:picLocks noChangeAspect="1"/>
+          </p:cNvPicPr>
+          <p:nvPr/>
+        </p:nvPicPr>
+        <p:blipFill rotWithShape="1">
+          <a:blip r:embed="rId2" cstate="print">
+            <a:extLst>
+              <a:ext uri="{28A0092B-C50C-407E-A947-70E740481C1C}">
+                <a14:useLocalDpi xmlns:a14="http://schemas.microsoft.com/office/drawing/2010/main" val="0"/>
+              </a:ext>
+            </a:extLst>
+          </a:blip>
+          <a:srcRect l="21235" t="10064" r="22625" b="26593"/>
+          <a:stretch/>
+        </p:blipFill>
+        <p:spPr>
+          <a:xfrm rot="-60000">
+            <a:off x="9801379" y="162860"/>
+            <a:ext cx="2225328" cy="3256313"/>
+          </a:xfrm>
+          <a:prstGeom prst="rect">
+            <a:avLst/>
+          </a:prstGeom>
+        </p:spPr>
+      </p:pic>
+    </p:spTree>
+    <p:extLst>
+      <p:ext uri="{BB962C8B-B14F-4D97-AF65-F5344CB8AC3E}">
+        <p14:creationId xmlns:p14="http://schemas.microsoft.com/office/powerpoint/2010/main" val="205598678"/>
+      </p:ext>
+    </p:extLst>
+  </p:cSld>
+  <p:clrMapOvr>
+    <a:masterClrMapping/>
+  </p:clrMapOvr>
+</p:sld>
+</file>
+
+<file path=ppt/slides/slide16.xml><?xml version="1.0" encoding="utf-8"?>
 <p:sld xmlns:a="http://schemas.openxmlformats.org/drawingml/2006/main" xmlns:r="http://schemas.openxmlformats.org/officeDocument/2006/relationships" xmlns:p="http://schemas.openxmlformats.org/presentationml/2006/main">
   <p:cSld>
     <p:spTree>
@@ -22570,7 +23568,7 @@
         <a:effectLst/>
         <a:extLst>
           <a:ext uri="{AF507438-7753-43e0-B8FC-AC1667EBCBE1}">
-            <a14:hiddenEffects xmlns="" xmlns:a14="http://schemas.microsoft.com/office/drawing/2010/main">
+            <a14:hiddenEffects xmlns:a14="http://schemas.microsoft.com/office/drawing/2010/main" xmlns="">
               <a:effectLst>
                 <a:outerShdw blurRad="63500" dist="38099" dir="2700000" algn="ctr" rotWithShape="0">
                   <a:schemeClr val="bg2">
@@ -22646,7 +23644,7 @@
         <a:effectLst/>
         <a:extLst>
           <a:ext uri="{AF507438-7753-43e0-B8FC-AC1667EBCBE1}">
-            <a14:hiddenEffects xmlns="" xmlns:a14="http://schemas.microsoft.com/office/drawing/2010/main">
+            <a14:hiddenEffects xmlns:a14="http://schemas.microsoft.com/office/drawing/2010/main" xmlns="">
               <a:effectLst>
                 <a:outerShdw blurRad="63500" dist="38099" dir="2700000" algn="ctr" rotWithShape="0">
                   <a:schemeClr val="bg2">

--- a/Lectures/Day3_4lecture_McDonaldValley_Stage1.pptx
+++ b/Lectures/Day3_4lecture_McDonaldValley_Stage1.pptx
@@ -2604,14 +2604,14 @@
           <a:effectLst/>
           <a:extLst>
             <a:ext uri="{909E8E84-426E-40dd-AFC4-6F175D3DCCD1}">
-              <a14:hiddenFill xmlns="" xmlns:a14="http://schemas.microsoft.com/office/drawing/2010/main">
+              <a14:hiddenFill xmlns:a14="http://schemas.microsoft.com/office/drawing/2010/main" xmlns="">
                 <a:solidFill>
                   <a:schemeClr val="accent1"/>
                 </a:solidFill>
               </a14:hiddenFill>
             </a:ext>
             <a:ext uri="{91240B29-F687-4f45-9708-019B960494DF}">
-              <a14:hiddenLine xmlns="" xmlns:a14="http://schemas.microsoft.com/office/drawing/2010/main" w="12700">
+              <a14:hiddenLine xmlns:a14="http://schemas.microsoft.com/office/drawing/2010/main" xmlns="" w="12700">
                 <a:solidFill>
                   <a:schemeClr val="tx1"/>
                 </a:solidFill>
@@ -2621,7 +2621,7 @@
               </a14:hiddenLine>
             </a:ext>
             <a:ext uri="{AF507438-7753-43e0-B8FC-AC1667EBCBE1}">
-              <a14:hiddenEffects xmlns="" xmlns:a14="http://schemas.microsoft.com/office/drawing/2010/main">
+              <a14:hiddenEffects xmlns:a14="http://schemas.microsoft.com/office/drawing/2010/main" xmlns="">
                 <a:effectLst>
                   <a:outerShdw blurRad="63500" dist="38099" dir="2700000" algn="ctr" rotWithShape="0">
                     <a:schemeClr val="bg2">
@@ -2632,7 +2632,7 @@
               </a14:hiddenEffects>
             </a:ext>
             <a:ext uri="{FAA26D3D-D897-4be2-8F04-BA451C77F1D7}">
-              <ma14:placeholderFlag xmlns="" xmlns:ma14="http://schemas.microsoft.com/office/mac/drawingml/2011/main" val="1"/>
+              <ma14:placeholderFlag xmlns:ma14="http://schemas.microsoft.com/office/mac/drawingml/2011/main" xmlns="" val="1"/>
             </a:ext>
           </a:extLst>
         </p:spPr>
@@ -2710,12 +2710,12 @@
           <a:effectLst/>
           <a:extLst>
             <a:ext uri="{909E8E84-426E-40dd-AFC4-6F175D3DCCD1}">
-              <a14:hiddenFill xmlns="" xmlns:a14="http://schemas.microsoft.com/office/drawing/2010/main">
+              <a14:hiddenFill xmlns:a14="http://schemas.microsoft.com/office/drawing/2010/main" xmlns="">
                 <a:noFill/>
               </a14:hiddenFill>
             </a:ext>
             <a:ext uri="{AF507438-7753-43e0-B8FC-AC1667EBCBE1}">
-              <a14:hiddenEffects xmlns="" xmlns:a14="http://schemas.microsoft.com/office/drawing/2010/main">
+              <a14:hiddenEffects xmlns:a14="http://schemas.microsoft.com/office/drawing/2010/main" xmlns="">
                 <a:effectLst>
                   <a:outerShdw blurRad="63500" dist="38099" dir="2700000" algn="ctr" rotWithShape="0">
                     <a:srgbClr val="000000">
@@ -2726,7 +2726,7 @@
               </a14:hiddenEffects>
             </a:ext>
             <a:ext uri="{53640926-AAD7-44d8-BBD7-CCE9431645EC}">
-              <a14:shadowObscured xmlns="" xmlns:a14="http://schemas.microsoft.com/office/drawing/2010/main" val="1"/>
+              <a14:shadowObscured xmlns:a14="http://schemas.microsoft.com/office/drawing/2010/main" xmlns="" val="1"/>
             </a:ext>
           </a:extLst>
         </p:spPr>
@@ -2904,14 +2904,14 @@
           <a:effectLst/>
           <a:extLst>
             <a:ext uri="{909E8E84-426E-40dd-AFC4-6F175D3DCCD1}">
-              <a14:hiddenFill xmlns:a14="http://schemas.microsoft.com/office/drawing/2010/main" xmlns="">
+              <a14:hiddenFill xmlns="" xmlns:a14="http://schemas.microsoft.com/office/drawing/2010/main">
                 <a:solidFill>
                   <a:schemeClr val="accent1"/>
                 </a:solidFill>
               </a14:hiddenFill>
             </a:ext>
             <a:ext uri="{91240B29-F687-4f45-9708-019B960494DF}">
-              <a14:hiddenLine xmlns:a14="http://schemas.microsoft.com/office/drawing/2010/main" xmlns="" w="12700">
+              <a14:hiddenLine xmlns="" xmlns:a14="http://schemas.microsoft.com/office/drawing/2010/main" w="12700">
                 <a:solidFill>
                   <a:schemeClr val="tx1"/>
                 </a:solidFill>
@@ -2921,7 +2921,7 @@
               </a14:hiddenLine>
             </a:ext>
             <a:ext uri="{AF507438-7753-43e0-B8FC-AC1667EBCBE1}">
-              <a14:hiddenEffects xmlns:a14="http://schemas.microsoft.com/office/drawing/2010/main" xmlns="">
+              <a14:hiddenEffects xmlns="" xmlns:a14="http://schemas.microsoft.com/office/drawing/2010/main">
                 <a:effectLst>
                   <a:outerShdw blurRad="63500" dist="38099" dir="2700000" algn="ctr" rotWithShape="0">
                     <a:schemeClr val="bg2">
@@ -3076,14 +3076,14 @@
           </a:ln>
           <a:extLst>
             <a:ext uri="{909E8E84-426E-40dd-AFC4-6F175D3DCCD1}">
-              <a14:hiddenFill xmlns:a14="http://schemas.microsoft.com/office/drawing/2010/main" xmlns="">
+              <a14:hiddenFill xmlns="" xmlns:a14="http://schemas.microsoft.com/office/drawing/2010/main">
                 <a:solidFill>
                   <a:srgbClr val="FFFFFF"/>
                 </a:solidFill>
               </a14:hiddenFill>
             </a:ext>
             <a:ext uri="{91240B29-F687-4f45-9708-019B960494DF}">
-              <a14:hiddenLine xmlns:a14="http://schemas.microsoft.com/office/drawing/2010/main" xmlns="" w="9525">
+              <a14:hiddenLine xmlns="" xmlns:a14="http://schemas.microsoft.com/office/drawing/2010/main" w="9525">
                 <a:solidFill>
                   <a:srgbClr val="000000"/>
                 </a:solidFill>
@@ -4662,14 +4662,14 @@
           <a:effectLst/>
           <a:extLst>
             <a:ext uri="{909E8E84-426E-40dd-AFC4-6F175D3DCCD1}">
-              <a14:hiddenFill xmlns:a14="http://schemas.microsoft.com/office/drawing/2010/main" xmlns="">
+              <a14:hiddenFill xmlns="" xmlns:a14="http://schemas.microsoft.com/office/drawing/2010/main">
                 <a:solidFill>
                   <a:schemeClr val="accent1"/>
                 </a:solidFill>
               </a14:hiddenFill>
             </a:ext>
             <a:ext uri="{91240B29-F687-4f45-9708-019B960494DF}">
-              <a14:hiddenLine xmlns:a14="http://schemas.microsoft.com/office/drawing/2010/main" xmlns="" w="12700">
+              <a14:hiddenLine xmlns="" xmlns:a14="http://schemas.microsoft.com/office/drawing/2010/main" w="12700">
                 <a:solidFill>
                   <a:schemeClr val="tx1"/>
                 </a:solidFill>
@@ -4679,7 +4679,7 @@
               </a14:hiddenLine>
             </a:ext>
             <a:ext uri="{AF507438-7753-43e0-B8FC-AC1667EBCBE1}">
-              <a14:hiddenEffects xmlns:a14="http://schemas.microsoft.com/office/drawing/2010/main" xmlns="">
+              <a14:hiddenEffects xmlns="" xmlns:a14="http://schemas.microsoft.com/office/drawing/2010/main">
                 <a:effectLst>
                   <a:outerShdw blurRad="63500" dist="38099" dir="2700000" algn="ctr" rotWithShape="0">
                     <a:schemeClr val="bg2">
@@ -4690,7 +4690,7 @@
               </a14:hiddenEffects>
             </a:ext>
             <a:ext uri="{FAA26D3D-D897-4be2-8F04-BA451C77F1D7}">
-              <ma14:placeholderFlag xmlns:ma14="http://schemas.microsoft.com/office/mac/drawingml/2011/main" xmlns="" val="1"/>
+              <ma14:placeholderFlag xmlns="" xmlns:ma14="http://schemas.microsoft.com/office/mac/drawingml/2011/main" val="1"/>
             </a:ext>
           </a:extLst>
         </p:spPr>
@@ -4735,14 +4735,14 @@
           <a:effectLst/>
           <a:extLst>
             <a:ext uri="{909E8E84-426E-40dd-AFC4-6F175D3DCCD1}">
-              <a14:hiddenFill xmlns:a14="http://schemas.microsoft.com/office/drawing/2010/main" xmlns="">
+              <a14:hiddenFill xmlns="" xmlns:a14="http://schemas.microsoft.com/office/drawing/2010/main">
                 <a:solidFill>
                   <a:schemeClr val="accent1"/>
                 </a:solidFill>
               </a14:hiddenFill>
             </a:ext>
             <a:ext uri="{91240B29-F687-4f45-9708-019B960494DF}">
-              <a14:hiddenLine xmlns:a14="http://schemas.microsoft.com/office/drawing/2010/main" xmlns="" w="12700">
+              <a14:hiddenLine xmlns="" xmlns:a14="http://schemas.microsoft.com/office/drawing/2010/main" w="12700">
                 <a:solidFill>
                   <a:schemeClr val="tx1"/>
                 </a:solidFill>
@@ -4752,7 +4752,7 @@
               </a14:hiddenLine>
             </a:ext>
             <a:ext uri="{AF507438-7753-43e0-B8FC-AC1667EBCBE1}">
-              <a14:hiddenEffects xmlns:a14="http://schemas.microsoft.com/office/drawing/2010/main" xmlns="">
+              <a14:hiddenEffects xmlns="" xmlns:a14="http://schemas.microsoft.com/office/drawing/2010/main">
                 <a:effectLst>
                   <a:outerShdw blurRad="63500" dist="38099" dir="2700000" algn="ctr" rotWithShape="0">
                     <a:schemeClr val="bg2">
@@ -4763,7 +4763,7 @@
               </a14:hiddenEffects>
             </a:ext>
             <a:ext uri="{FAA26D3D-D897-4be2-8F04-BA451C77F1D7}">
-              <ma14:placeholderFlag xmlns:ma14="http://schemas.microsoft.com/office/mac/drawingml/2011/main" xmlns="" val="1"/>
+              <ma14:placeholderFlag xmlns="" xmlns:ma14="http://schemas.microsoft.com/office/mac/drawingml/2011/main" val="1"/>
             </a:ext>
           </a:extLst>
         </p:spPr>
@@ -4853,14 +4853,14 @@
           </a:ln>
           <a:extLst>
             <a:ext uri="{909E8E84-426E-40dd-AFC4-6F175D3DCCD1}">
-              <a14:hiddenFill xmlns:a14="http://schemas.microsoft.com/office/drawing/2010/main" xmlns="">
+              <a14:hiddenFill xmlns="" xmlns:a14="http://schemas.microsoft.com/office/drawing/2010/main">
                 <a:solidFill>
                   <a:srgbClr val="FFFFFF"/>
                 </a:solidFill>
               </a14:hiddenFill>
             </a:ext>
             <a:ext uri="{91240B29-F687-4f45-9708-019B960494DF}">
-              <a14:hiddenLine xmlns:a14="http://schemas.microsoft.com/office/drawing/2010/main" xmlns="" w="9525">
+              <a14:hiddenLine xmlns="" xmlns:a14="http://schemas.microsoft.com/office/drawing/2010/main" w="9525">
                 <a:solidFill>
                   <a:srgbClr val="000000"/>
                 </a:solidFill>
@@ -9736,7 +9736,7 @@
           <a:p>
             <a:r>
               <a:rPr lang="en-US" dirty="0"/>
-              <a:t>Calculated net groundwater recharge rates</a:t>
+              <a:t>Calculated net recharge rates</a:t>
             </a:r>
           </a:p>
           <a:p>
@@ -9752,6 +9752,26 @@
             <a:r>
               <a:rPr lang="en-US" dirty="0"/>
               <a:t> = (0.0082 – 0.0045) = 0.0037 ft/day = 16.217 in/</a:t>
+            </a:r>
+            <a:r>
+              <a:rPr lang="en-US" dirty="0" err="1"/>
+              <a:t>yr</a:t>
+            </a:r>
+            <a:endParaRPr lang="en-US" dirty="0"/>
+          </a:p>
+          <a:p>
+            <a:pPr lvl="1"/>
+            <a:r>
+              <a:rPr lang="en-US" dirty="0" err="1"/>
+              <a:t>I</a:t>
+            </a:r>
+            <a:r>
+              <a:rPr lang="en-US" baseline="-25000" dirty="0" err="1"/>
+              <a:t>lake</a:t>
+            </a:r>
+            <a:r>
+              <a:rPr lang="en-US" dirty="0"/>
+              <a:t> = 0.0021 ft/day = 9 in/</a:t>
             </a:r>
             <a:r>
               <a:rPr lang="en-US" dirty="0" err="1"/>
@@ -23568,7 +23588,7 @@
         <a:effectLst/>
         <a:extLst>
           <a:ext uri="{AF507438-7753-43e0-B8FC-AC1667EBCBE1}">
-            <a14:hiddenEffects xmlns:a14="http://schemas.microsoft.com/office/drawing/2010/main" xmlns="">
+            <a14:hiddenEffects xmlns="" xmlns:a14="http://schemas.microsoft.com/office/drawing/2010/main">
               <a:effectLst>
                 <a:outerShdw blurRad="63500" dist="38099" dir="2700000" algn="ctr" rotWithShape="0">
                   <a:schemeClr val="bg2">
@@ -23644,7 +23664,7 @@
         <a:effectLst/>
         <a:extLst>
           <a:ext uri="{AF507438-7753-43e0-B8FC-AC1667EBCBE1}">
-            <a14:hiddenEffects xmlns:a14="http://schemas.microsoft.com/office/drawing/2010/main" xmlns="">
+            <a14:hiddenEffects xmlns="" xmlns:a14="http://schemas.microsoft.com/office/drawing/2010/main">
               <a:effectLst>
                 <a:outerShdw blurRad="63500" dist="38099" dir="2700000" algn="ctr" rotWithShape="0">
                   <a:schemeClr val="bg2">
